--- a/images_for_ipynb/image_resource.pptx
+++ b/images_for_ipynb/image_resource.pptx
@@ -5,12 +5,20 @@
     <p:sldMasterId id="2147483648" r:id="rId1"/>
   </p:sldMasterIdLst>
   <p:sldIdLst>
-    <p:sldId id="256" r:id="rId2"/>
-    <p:sldId id="257" r:id="rId3"/>
-    <p:sldId id="258" r:id="rId4"/>
-    <p:sldId id="259" r:id="rId5"/>
-    <p:sldId id="260" r:id="rId6"/>
-    <p:sldId id="261" r:id="rId7"/>
+    <p:sldId id="262" r:id="rId2"/>
+    <p:sldId id="263" r:id="rId3"/>
+    <p:sldId id="264" r:id="rId4"/>
+    <p:sldId id="265" r:id="rId5"/>
+    <p:sldId id="266" r:id="rId6"/>
+    <p:sldId id="267" r:id="rId7"/>
+    <p:sldId id="268" r:id="rId8"/>
+    <p:sldId id="269" r:id="rId9"/>
+    <p:sldId id="256" r:id="rId10"/>
+    <p:sldId id="257" r:id="rId11"/>
+    <p:sldId id="258" r:id="rId12"/>
+    <p:sldId id="259" r:id="rId13"/>
+    <p:sldId id="260" r:id="rId14"/>
+    <p:sldId id="261" r:id="rId15"/>
   </p:sldIdLst>
   <p:sldSz cx="12192000" cy="6858000"/>
   <p:notesSz cx="6858000" cy="9144000"/>
@@ -109,6 +117,11 @@
       </a:defRPr>
     </a:lvl9pPr>
   </p:defaultTextStyle>
+  <p:extLst>
+    <p:ext uri="{EFAFB233-063F-42B5-8137-9DF3F51BA10A}">
+      <p15:sldGuideLst xmlns:p15="http://schemas.microsoft.com/office/powerpoint/2012/main"/>
+    </p:ext>
+  </p:extLst>
 </p:presentation>
 </file>
 
@@ -259,7 +272,7 @@
           <a:p>
             <a:fld id="{C58386F1-37CF-4CAC-89F9-22A5833C6FCA}" type="datetimeFigureOut">
               <a:rPr kumimoji="1" lang="ja-JP" altLang="en-US" smtClean="0"/>
-              <a:t>2021/11/15</a:t>
+              <a:t>2021/11/18</a:t>
             </a:fld>
             <a:endParaRPr kumimoji="1" lang="ja-JP" altLang="en-US"/>
           </a:p>
@@ -489,7 +502,7 @@
           <a:p>
             <a:fld id="{C58386F1-37CF-4CAC-89F9-22A5833C6FCA}" type="datetimeFigureOut">
               <a:rPr kumimoji="1" lang="ja-JP" altLang="en-US" smtClean="0"/>
-              <a:t>2021/11/15</a:t>
+              <a:t>2021/11/18</a:t>
             </a:fld>
             <a:endParaRPr kumimoji="1" lang="ja-JP" altLang="en-US"/>
           </a:p>
@@ -729,7 +742,7 @@
           <a:p>
             <a:fld id="{C58386F1-37CF-4CAC-89F9-22A5833C6FCA}" type="datetimeFigureOut">
               <a:rPr kumimoji="1" lang="ja-JP" altLang="en-US" smtClean="0"/>
-              <a:t>2021/11/15</a:t>
+              <a:t>2021/11/18</a:t>
             </a:fld>
             <a:endParaRPr kumimoji="1" lang="ja-JP" altLang="en-US"/>
           </a:p>
@@ -959,7 +972,7 @@
           <a:p>
             <a:fld id="{C58386F1-37CF-4CAC-89F9-22A5833C6FCA}" type="datetimeFigureOut">
               <a:rPr kumimoji="1" lang="ja-JP" altLang="en-US" smtClean="0"/>
-              <a:t>2021/11/15</a:t>
+              <a:t>2021/11/18</a:t>
             </a:fld>
             <a:endParaRPr kumimoji="1" lang="ja-JP" altLang="en-US"/>
           </a:p>
@@ -1234,7 +1247,7 @@
           <a:p>
             <a:fld id="{C58386F1-37CF-4CAC-89F9-22A5833C6FCA}" type="datetimeFigureOut">
               <a:rPr kumimoji="1" lang="ja-JP" altLang="en-US" smtClean="0"/>
-              <a:t>2021/11/15</a:t>
+              <a:t>2021/11/18</a:t>
             </a:fld>
             <a:endParaRPr kumimoji="1" lang="ja-JP" altLang="en-US"/>
           </a:p>
@@ -1563,7 +1576,7 @@
           <a:p>
             <a:fld id="{C58386F1-37CF-4CAC-89F9-22A5833C6FCA}" type="datetimeFigureOut">
               <a:rPr kumimoji="1" lang="ja-JP" altLang="en-US" smtClean="0"/>
-              <a:t>2021/11/15</a:t>
+              <a:t>2021/11/18</a:t>
             </a:fld>
             <a:endParaRPr kumimoji="1" lang="ja-JP" altLang="en-US"/>
           </a:p>
@@ -2039,7 +2052,7 @@
           <a:p>
             <a:fld id="{C58386F1-37CF-4CAC-89F9-22A5833C6FCA}" type="datetimeFigureOut">
               <a:rPr kumimoji="1" lang="ja-JP" altLang="en-US" smtClean="0"/>
-              <a:t>2021/11/15</a:t>
+              <a:t>2021/11/18</a:t>
             </a:fld>
             <a:endParaRPr kumimoji="1" lang="ja-JP" altLang="en-US"/>
           </a:p>
@@ -2180,7 +2193,7 @@
           <a:p>
             <a:fld id="{C58386F1-37CF-4CAC-89F9-22A5833C6FCA}" type="datetimeFigureOut">
               <a:rPr kumimoji="1" lang="ja-JP" altLang="en-US" smtClean="0"/>
-              <a:t>2021/11/15</a:t>
+              <a:t>2021/11/18</a:t>
             </a:fld>
             <a:endParaRPr kumimoji="1" lang="ja-JP" altLang="en-US"/>
           </a:p>
@@ -2293,7 +2306,7 @@
           <a:p>
             <a:fld id="{C58386F1-37CF-4CAC-89F9-22A5833C6FCA}" type="datetimeFigureOut">
               <a:rPr kumimoji="1" lang="ja-JP" altLang="en-US" smtClean="0"/>
-              <a:t>2021/11/15</a:t>
+              <a:t>2021/11/18</a:t>
             </a:fld>
             <a:endParaRPr kumimoji="1" lang="ja-JP" altLang="en-US"/>
           </a:p>
@@ -2636,7 +2649,7 @@
           <a:p>
             <a:fld id="{C58386F1-37CF-4CAC-89F9-22A5833C6FCA}" type="datetimeFigureOut">
               <a:rPr kumimoji="1" lang="ja-JP" altLang="en-US" smtClean="0"/>
-              <a:t>2021/11/15</a:t>
+              <a:t>2021/11/18</a:t>
             </a:fld>
             <a:endParaRPr kumimoji="1" lang="ja-JP" altLang="en-US"/>
           </a:p>
@@ -2924,7 +2937,7 @@
           <a:p>
             <a:fld id="{C58386F1-37CF-4CAC-89F9-22A5833C6FCA}" type="datetimeFigureOut">
               <a:rPr kumimoji="1" lang="ja-JP" altLang="en-US" smtClean="0"/>
-              <a:t>2021/11/15</a:t>
+              <a:t>2021/11/18</a:t>
             </a:fld>
             <a:endParaRPr kumimoji="1" lang="ja-JP" altLang="en-US"/>
           </a:p>
@@ -3197,7 +3210,7 @@
           <a:p>
             <a:fld id="{C58386F1-37CF-4CAC-89F9-22A5833C6FCA}" type="datetimeFigureOut">
               <a:rPr kumimoji="1" lang="ja-JP" altLang="en-US" smtClean="0"/>
-              <a:t>2021/11/15</a:t>
+              <a:t>2021/11/18</a:t>
             </a:fld>
             <a:endParaRPr kumimoji="1" lang="ja-JP" altLang="en-US"/>
           </a:p>
@@ -3614,6 +3627,2602 @@
           <a:chExt cx="0" cy="0"/>
         </a:xfrm>
       </p:grpSpPr>
+      <p:grpSp>
+        <p:nvGrpSpPr>
+          <p:cNvPr id="7" name="グループ化 6">
+            <a:extLst>
+              <a:ext uri="{FF2B5EF4-FFF2-40B4-BE49-F238E27FC236}">
+                <a16:creationId xmlns:a16="http://schemas.microsoft.com/office/drawing/2014/main" id="{A2272F9B-3482-4E8B-928C-E66019EE3BE4}"/>
+              </a:ext>
+            </a:extLst>
+          </p:cNvPr>
+          <p:cNvGrpSpPr/>
+          <p:nvPr/>
+        </p:nvGrpSpPr>
+        <p:grpSpPr>
+          <a:xfrm>
+            <a:off x="1598211" y="1688774"/>
+            <a:ext cx="7059433" cy="2846724"/>
+            <a:chOff x="1598211" y="1688774"/>
+            <a:chExt cx="7059433" cy="2846724"/>
+          </a:xfrm>
+        </p:grpSpPr>
+        <p:pic>
+          <p:nvPicPr>
+            <p:cNvPr id="4" name="図 3">
+              <a:extLst>
+                <a:ext uri="{FF2B5EF4-FFF2-40B4-BE49-F238E27FC236}">
+                  <a16:creationId xmlns:a16="http://schemas.microsoft.com/office/drawing/2014/main" id="{62040C7E-F49E-4997-90C9-D3039A54630C}"/>
+                </a:ext>
+              </a:extLst>
+            </p:cNvPr>
+            <p:cNvPicPr>
+              <a:picLocks noChangeAspect="1"/>
+            </p:cNvPicPr>
+            <p:nvPr/>
+          </p:nvPicPr>
+          <p:blipFill>
+            <a:blip r:embed="rId2"/>
+            <a:stretch>
+              <a:fillRect/>
+            </a:stretch>
+          </p:blipFill>
+          <p:spPr>
+            <a:xfrm>
+              <a:off x="1598211" y="1688774"/>
+              <a:ext cx="7059433" cy="2846724"/>
+            </a:xfrm>
+            <a:prstGeom prst="rect">
+              <a:avLst/>
+            </a:prstGeom>
+          </p:spPr>
+        </p:pic>
+        <p:sp>
+          <p:nvSpPr>
+            <p:cNvPr id="5" name="正方形/長方形 4">
+              <a:extLst>
+                <a:ext uri="{FF2B5EF4-FFF2-40B4-BE49-F238E27FC236}">
+                  <a16:creationId xmlns:a16="http://schemas.microsoft.com/office/drawing/2014/main" id="{8C35C4B4-19C6-494F-B552-2EE6E8826507}"/>
+                </a:ext>
+              </a:extLst>
+            </p:cNvPr>
+            <p:cNvSpPr/>
+            <p:nvPr/>
+          </p:nvSpPr>
+          <p:spPr>
+            <a:xfrm>
+              <a:off x="2755127" y="2130950"/>
+              <a:ext cx="934278" cy="353833"/>
+            </a:xfrm>
+            <a:prstGeom prst="rect">
+              <a:avLst/>
+            </a:prstGeom>
+            <a:noFill/>
+            <a:ln w="38100">
+              <a:solidFill>
+                <a:srgbClr val="FF0000"/>
+              </a:solidFill>
+            </a:ln>
+          </p:spPr>
+          <p:style>
+            <a:lnRef idx="2">
+              <a:schemeClr val="accent1">
+                <a:shade val="50000"/>
+              </a:schemeClr>
+            </a:lnRef>
+            <a:fillRef idx="1">
+              <a:schemeClr val="accent1"/>
+            </a:fillRef>
+            <a:effectRef idx="0">
+              <a:schemeClr val="accent1"/>
+            </a:effectRef>
+            <a:fontRef idx="minor">
+              <a:schemeClr val="lt1"/>
+            </a:fontRef>
+          </p:style>
+          <p:txBody>
+            <a:bodyPr rtlCol="0" anchor="ctr"/>
+            <a:lstStyle/>
+            <a:p>
+              <a:pPr algn="ctr"/>
+              <a:endParaRPr kumimoji="1" lang="ja-JP" altLang="en-US"/>
+            </a:p>
+          </p:txBody>
+        </p:sp>
+        <p:sp>
+          <p:nvSpPr>
+            <p:cNvPr id="6" name="正方形/長方形 5">
+              <a:extLst>
+                <a:ext uri="{FF2B5EF4-FFF2-40B4-BE49-F238E27FC236}">
+                  <a16:creationId xmlns:a16="http://schemas.microsoft.com/office/drawing/2014/main" id="{5DE0266A-8E67-4683-8893-B22364CEA70E}"/>
+                </a:ext>
+              </a:extLst>
+            </p:cNvPr>
+            <p:cNvSpPr/>
+            <p:nvPr/>
+          </p:nvSpPr>
+          <p:spPr>
+            <a:xfrm>
+              <a:off x="6306709" y="3774220"/>
+              <a:ext cx="1839401" cy="328654"/>
+            </a:xfrm>
+            <a:prstGeom prst="rect">
+              <a:avLst/>
+            </a:prstGeom>
+            <a:noFill/>
+            <a:ln w="38100">
+              <a:solidFill>
+                <a:srgbClr val="FF0000"/>
+              </a:solidFill>
+            </a:ln>
+          </p:spPr>
+          <p:style>
+            <a:lnRef idx="2">
+              <a:schemeClr val="accent1">
+                <a:shade val="50000"/>
+              </a:schemeClr>
+            </a:lnRef>
+            <a:fillRef idx="1">
+              <a:schemeClr val="accent1"/>
+            </a:fillRef>
+            <a:effectRef idx="0">
+              <a:schemeClr val="accent1"/>
+            </a:effectRef>
+            <a:fontRef idx="minor">
+              <a:schemeClr val="lt1"/>
+            </a:fontRef>
+          </p:style>
+          <p:txBody>
+            <a:bodyPr rtlCol="0" anchor="ctr"/>
+            <a:lstStyle/>
+            <a:p>
+              <a:pPr algn="ctr"/>
+              <a:endParaRPr kumimoji="1" lang="ja-JP" altLang="en-US"/>
+            </a:p>
+          </p:txBody>
+        </p:sp>
+      </p:grpSp>
+    </p:spTree>
+    <p:extLst>
+      <p:ext uri="{BB962C8B-B14F-4D97-AF65-F5344CB8AC3E}">
+        <p14:creationId xmlns:p14="http://schemas.microsoft.com/office/powerpoint/2010/main" val="3335748165"/>
+      </p:ext>
+    </p:extLst>
+  </p:cSld>
+  <p:clrMapOvr>
+    <a:masterClrMapping/>
+  </p:clrMapOvr>
+</p:sld>
+</file>
+
+<file path=ppt/slides/slide10.xml><?xml version="1.0" encoding="utf-8"?>
+<p:sld xmlns:a="http://schemas.openxmlformats.org/drawingml/2006/main" xmlns:r="http://schemas.openxmlformats.org/officeDocument/2006/relationships" xmlns:p="http://schemas.openxmlformats.org/presentationml/2006/main">
+  <p:cSld>
+    <p:spTree>
+      <p:nvGrpSpPr>
+        <p:cNvPr id="1" name=""/>
+        <p:cNvGrpSpPr/>
+        <p:nvPr/>
+      </p:nvGrpSpPr>
+      <p:grpSpPr>
+        <a:xfrm>
+          <a:off x="0" y="0"/>
+          <a:ext cx="0" cy="0"/>
+          <a:chOff x="0" y="0"/>
+          <a:chExt cx="0" cy="0"/>
+        </a:xfrm>
+      </p:grpSpPr>
+      <p:pic>
+        <p:nvPicPr>
+          <p:cNvPr id="4" name="図 3">
+            <a:extLst>
+              <a:ext uri="{FF2B5EF4-FFF2-40B4-BE49-F238E27FC236}">
+                <a16:creationId xmlns:a16="http://schemas.microsoft.com/office/drawing/2014/main" id="{2EF13CF4-797B-4831-A78B-5E7618CEAA9E}"/>
+              </a:ext>
+            </a:extLst>
+          </p:cNvPr>
+          <p:cNvPicPr>
+            <a:picLocks noChangeAspect="1"/>
+          </p:cNvPicPr>
+          <p:nvPr/>
+        </p:nvPicPr>
+        <p:blipFill>
+          <a:blip r:embed="rId2"/>
+          <a:stretch>
+            <a:fillRect/>
+          </a:stretch>
+        </p:blipFill>
+        <p:spPr>
+          <a:xfrm>
+            <a:off x="3509601" y="1542787"/>
+            <a:ext cx="5172797" cy="3772426"/>
+          </a:xfrm>
+          <a:prstGeom prst="rect">
+            <a:avLst/>
+          </a:prstGeom>
+        </p:spPr>
+      </p:pic>
+      <p:sp>
+        <p:nvSpPr>
+          <p:cNvPr id="5" name="正方形/長方形 4">
+            <a:extLst>
+              <a:ext uri="{FF2B5EF4-FFF2-40B4-BE49-F238E27FC236}">
+                <a16:creationId xmlns:a16="http://schemas.microsoft.com/office/drawing/2014/main" id="{C8165921-CF43-4364-8571-5D92A20D3EF2}"/>
+              </a:ext>
+            </a:extLst>
+          </p:cNvPr>
+          <p:cNvSpPr/>
+          <p:nvPr/>
+        </p:nvSpPr>
+        <p:spPr>
+          <a:xfrm>
+            <a:off x="3860358" y="4731026"/>
+            <a:ext cx="1959997" cy="274320"/>
+          </a:xfrm>
+          <a:prstGeom prst="rect">
+            <a:avLst/>
+          </a:prstGeom>
+          <a:noFill/>
+          <a:ln w="38100">
+            <a:solidFill>
+              <a:srgbClr val="FF0000"/>
+            </a:solidFill>
+          </a:ln>
+        </p:spPr>
+        <p:style>
+          <a:lnRef idx="2">
+            <a:schemeClr val="accent1">
+              <a:shade val="50000"/>
+            </a:schemeClr>
+          </a:lnRef>
+          <a:fillRef idx="1">
+            <a:schemeClr val="accent1"/>
+          </a:fillRef>
+          <a:effectRef idx="0">
+            <a:schemeClr val="accent1"/>
+          </a:effectRef>
+          <a:fontRef idx="minor">
+            <a:schemeClr val="lt1"/>
+          </a:fontRef>
+        </p:style>
+        <p:txBody>
+          <a:bodyPr rtlCol="0" anchor="ctr"/>
+          <a:lstStyle/>
+          <a:p>
+            <a:pPr algn="ctr"/>
+            <a:endParaRPr kumimoji="1" lang="ja-JP" altLang="en-US"/>
+          </a:p>
+        </p:txBody>
+      </p:sp>
+    </p:spTree>
+    <p:extLst>
+      <p:ext uri="{BB962C8B-B14F-4D97-AF65-F5344CB8AC3E}">
+        <p14:creationId xmlns:p14="http://schemas.microsoft.com/office/powerpoint/2010/main" val="3340878889"/>
+      </p:ext>
+    </p:extLst>
+  </p:cSld>
+  <p:clrMapOvr>
+    <a:masterClrMapping/>
+  </p:clrMapOvr>
+</p:sld>
+</file>
+
+<file path=ppt/slides/slide11.xml><?xml version="1.0" encoding="utf-8"?>
+<p:sld xmlns:a="http://schemas.openxmlformats.org/drawingml/2006/main" xmlns:r="http://schemas.openxmlformats.org/officeDocument/2006/relationships" xmlns:p="http://schemas.openxmlformats.org/presentationml/2006/main">
+  <p:cSld>
+    <p:spTree>
+      <p:nvGrpSpPr>
+        <p:cNvPr id="1" name=""/>
+        <p:cNvGrpSpPr/>
+        <p:nvPr/>
+      </p:nvGrpSpPr>
+      <p:grpSpPr>
+        <a:xfrm>
+          <a:off x="0" y="0"/>
+          <a:ext cx="0" cy="0"/>
+          <a:chOff x="0" y="0"/>
+          <a:chExt cx="0" cy="0"/>
+        </a:xfrm>
+      </p:grpSpPr>
+      <p:pic>
+        <p:nvPicPr>
+          <p:cNvPr id="4" name="図 3">
+            <a:extLst>
+              <a:ext uri="{FF2B5EF4-FFF2-40B4-BE49-F238E27FC236}">
+                <a16:creationId xmlns:a16="http://schemas.microsoft.com/office/drawing/2014/main" id="{9B28616A-E80C-4FCD-88FD-40C35AB68C78}"/>
+              </a:ext>
+            </a:extLst>
+          </p:cNvPr>
+          <p:cNvPicPr>
+            <a:picLocks noChangeAspect="1"/>
+          </p:cNvPicPr>
+          <p:nvPr/>
+        </p:nvPicPr>
+        <p:blipFill>
+          <a:blip r:embed="rId2"/>
+          <a:stretch>
+            <a:fillRect/>
+          </a:stretch>
+        </p:blipFill>
+        <p:spPr>
+          <a:xfrm>
+            <a:off x="2561732" y="1023602"/>
+            <a:ext cx="7068536" cy="4810796"/>
+          </a:xfrm>
+          <a:prstGeom prst="rect">
+            <a:avLst/>
+          </a:prstGeom>
+        </p:spPr>
+      </p:pic>
+      <p:sp>
+        <p:nvSpPr>
+          <p:cNvPr id="5" name="正方形/長方形 4">
+            <a:extLst>
+              <a:ext uri="{FF2B5EF4-FFF2-40B4-BE49-F238E27FC236}">
+                <a16:creationId xmlns:a16="http://schemas.microsoft.com/office/drawing/2014/main" id="{8BBCC175-9761-4818-937C-E77A7065E919}"/>
+              </a:ext>
+            </a:extLst>
+          </p:cNvPr>
+          <p:cNvSpPr/>
+          <p:nvPr/>
+        </p:nvSpPr>
+        <p:spPr>
+          <a:xfrm>
+            <a:off x="3049325" y="2548393"/>
+            <a:ext cx="1228477" cy="274320"/>
+          </a:xfrm>
+          <a:prstGeom prst="rect">
+            <a:avLst/>
+          </a:prstGeom>
+          <a:noFill/>
+          <a:ln w="38100">
+            <a:solidFill>
+              <a:srgbClr val="FF0000"/>
+            </a:solidFill>
+          </a:ln>
+        </p:spPr>
+        <p:style>
+          <a:lnRef idx="2">
+            <a:schemeClr val="accent1">
+              <a:shade val="50000"/>
+            </a:schemeClr>
+          </a:lnRef>
+          <a:fillRef idx="1">
+            <a:schemeClr val="accent1"/>
+          </a:fillRef>
+          <a:effectRef idx="0">
+            <a:schemeClr val="accent1"/>
+          </a:effectRef>
+          <a:fontRef idx="minor">
+            <a:schemeClr val="lt1"/>
+          </a:fontRef>
+        </p:style>
+        <p:txBody>
+          <a:bodyPr rtlCol="0" anchor="ctr"/>
+          <a:lstStyle/>
+          <a:p>
+            <a:pPr algn="ctr"/>
+            <a:endParaRPr kumimoji="1" lang="ja-JP" altLang="en-US"/>
+          </a:p>
+        </p:txBody>
+      </p:sp>
+      <p:sp>
+        <p:nvSpPr>
+          <p:cNvPr id="6" name="正方形/長方形 5">
+            <a:extLst>
+              <a:ext uri="{FF2B5EF4-FFF2-40B4-BE49-F238E27FC236}">
+                <a16:creationId xmlns:a16="http://schemas.microsoft.com/office/drawing/2014/main" id="{C17F615D-0D82-4E88-B5B6-D84DB62E82BD}"/>
+              </a:ext>
+            </a:extLst>
+          </p:cNvPr>
+          <p:cNvSpPr/>
+          <p:nvPr/>
+        </p:nvSpPr>
+        <p:spPr>
+          <a:xfrm>
+            <a:off x="2802836" y="4878125"/>
+            <a:ext cx="1959996" cy="385638"/>
+          </a:xfrm>
+          <a:prstGeom prst="rect">
+            <a:avLst/>
+          </a:prstGeom>
+          <a:noFill/>
+          <a:ln w="38100">
+            <a:solidFill>
+              <a:srgbClr val="FF0000"/>
+            </a:solidFill>
+          </a:ln>
+        </p:spPr>
+        <p:style>
+          <a:lnRef idx="2">
+            <a:schemeClr val="accent1">
+              <a:shade val="50000"/>
+            </a:schemeClr>
+          </a:lnRef>
+          <a:fillRef idx="1">
+            <a:schemeClr val="accent1"/>
+          </a:fillRef>
+          <a:effectRef idx="0">
+            <a:schemeClr val="accent1"/>
+          </a:effectRef>
+          <a:fontRef idx="minor">
+            <a:schemeClr val="lt1"/>
+          </a:fontRef>
+        </p:style>
+        <p:txBody>
+          <a:bodyPr rtlCol="0" anchor="ctr"/>
+          <a:lstStyle/>
+          <a:p>
+            <a:pPr algn="ctr"/>
+            <a:endParaRPr kumimoji="1" lang="ja-JP" altLang="en-US"/>
+          </a:p>
+        </p:txBody>
+      </p:sp>
+    </p:spTree>
+    <p:extLst>
+      <p:ext uri="{BB962C8B-B14F-4D97-AF65-F5344CB8AC3E}">
+        <p14:creationId xmlns:p14="http://schemas.microsoft.com/office/powerpoint/2010/main" val="1482458015"/>
+      </p:ext>
+    </p:extLst>
+  </p:cSld>
+  <p:clrMapOvr>
+    <a:masterClrMapping/>
+  </p:clrMapOvr>
+</p:sld>
+</file>
+
+<file path=ppt/slides/slide12.xml><?xml version="1.0" encoding="utf-8"?>
+<p:sld xmlns:a="http://schemas.openxmlformats.org/drawingml/2006/main" xmlns:r="http://schemas.openxmlformats.org/officeDocument/2006/relationships" xmlns:p="http://schemas.openxmlformats.org/presentationml/2006/main">
+  <p:cSld>
+    <p:spTree>
+      <p:nvGrpSpPr>
+        <p:cNvPr id="1" name=""/>
+        <p:cNvGrpSpPr/>
+        <p:nvPr/>
+      </p:nvGrpSpPr>
+      <p:grpSpPr>
+        <a:xfrm>
+          <a:off x="0" y="0"/>
+          <a:ext cx="0" cy="0"/>
+          <a:chOff x="0" y="0"/>
+          <a:chExt cx="0" cy="0"/>
+        </a:xfrm>
+      </p:grpSpPr>
+      <p:pic>
+        <p:nvPicPr>
+          <p:cNvPr id="4" name="図 3">
+            <a:extLst>
+              <a:ext uri="{FF2B5EF4-FFF2-40B4-BE49-F238E27FC236}">
+                <a16:creationId xmlns:a16="http://schemas.microsoft.com/office/drawing/2014/main" id="{00940DA8-109E-4690-9FA9-D3988391DC3B}"/>
+              </a:ext>
+            </a:extLst>
+          </p:cNvPr>
+          <p:cNvPicPr>
+            <a:picLocks noChangeAspect="1"/>
+          </p:cNvPicPr>
+          <p:nvPr/>
+        </p:nvPicPr>
+        <p:blipFill>
+          <a:blip r:embed="rId2"/>
+          <a:stretch>
+            <a:fillRect/>
+          </a:stretch>
+        </p:blipFill>
+        <p:spPr>
+          <a:xfrm>
+            <a:off x="4215197" y="0"/>
+            <a:ext cx="3761605" cy="6858000"/>
+          </a:xfrm>
+          <a:prstGeom prst="rect">
+            <a:avLst/>
+          </a:prstGeom>
+        </p:spPr>
+      </p:pic>
+      <p:sp>
+        <p:nvSpPr>
+          <p:cNvPr id="5" name="正方形/長方形 4">
+            <a:extLst>
+              <a:ext uri="{FF2B5EF4-FFF2-40B4-BE49-F238E27FC236}">
+                <a16:creationId xmlns:a16="http://schemas.microsoft.com/office/drawing/2014/main" id="{03113724-9BA0-40D8-86CE-1FB8711C4B50}"/>
+              </a:ext>
+            </a:extLst>
+          </p:cNvPr>
+          <p:cNvSpPr/>
+          <p:nvPr/>
+        </p:nvSpPr>
+        <p:spPr>
+          <a:xfrm>
+            <a:off x="5561938" y="2532491"/>
+            <a:ext cx="846814" cy="186855"/>
+          </a:xfrm>
+          <a:prstGeom prst="rect">
+            <a:avLst/>
+          </a:prstGeom>
+          <a:noFill/>
+          <a:ln w="38100">
+            <a:solidFill>
+              <a:srgbClr val="FF0000"/>
+            </a:solidFill>
+          </a:ln>
+        </p:spPr>
+        <p:style>
+          <a:lnRef idx="2">
+            <a:schemeClr val="accent1">
+              <a:shade val="50000"/>
+            </a:schemeClr>
+          </a:lnRef>
+          <a:fillRef idx="1">
+            <a:schemeClr val="accent1"/>
+          </a:fillRef>
+          <a:effectRef idx="0">
+            <a:schemeClr val="accent1"/>
+          </a:effectRef>
+          <a:fontRef idx="minor">
+            <a:schemeClr val="lt1"/>
+          </a:fontRef>
+        </p:style>
+        <p:txBody>
+          <a:bodyPr rtlCol="0" anchor="ctr"/>
+          <a:lstStyle/>
+          <a:p>
+            <a:pPr algn="ctr"/>
+            <a:endParaRPr kumimoji="1" lang="ja-JP" altLang="en-US"/>
+          </a:p>
+        </p:txBody>
+      </p:sp>
+      <p:sp>
+        <p:nvSpPr>
+          <p:cNvPr id="6" name="正方形/長方形 5">
+            <a:extLst>
+              <a:ext uri="{FF2B5EF4-FFF2-40B4-BE49-F238E27FC236}">
+                <a16:creationId xmlns:a16="http://schemas.microsoft.com/office/drawing/2014/main" id="{9FEE2B9C-7B57-42EC-97AA-DF97ED279BDB}"/>
+              </a:ext>
+            </a:extLst>
+          </p:cNvPr>
+          <p:cNvSpPr/>
+          <p:nvPr/>
+        </p:nvSpPr>
+        <p:spPr>
+          <a:xfrm>
+            <a:off x="4370567" y="3030772"/>
+            <a:ext cx="1906987" cy="186855"/>
+          </a:xfrm>
+          <a:prstGeom prst="rect">
+            <a:avLst/>
+          </a:prstGeom>
+          <a:noFill/>
+          <a:ln w="38100">
+            <a:solidFill>
+              <a:srgbClr val="FF0000"/>
+            </a:solidFill>
+          </a:ln>
+        </p:spPr>
+        <p:style>
+          <a:lnRef idx="2">
+            <a:schemeClr val="accent1">
+              <a:shade val="50000"/>
+            </a:schemeClr>
+          </a:lnRef>
+          <a:fillRef idx="1">
+            <a:schemeClr val="accent1"/>
+          </a:fillRef>
+          <a:effectRef idx="0">
+            <a:schemeClr val="accent1"/>
+          </a:effectRef>
+          <a:fontRef idx="minor">
+            <a:schemeClr val="lt1"/>
+          </a:fontRef>
+        </p:style>
+        <p:txBody>
+          <a:bodyPr rtlCol="0" anchor="ctr"/>
+          <a:lstStyle/>
+          <a:p>
+            <a:pPr algn="ctr"/>
+            <a:endParaRPr kumimoji="1" lang="ja-JP" altLang="en-US"/>
+          </a:p>
+        </p:txBody>
+      </p:sp>
+      <p:sp>
+        <p:nvSpPr>
+          <p:cNvPr id="7" name="正方形/長方形 6">
+            <a:extLst>
+              <a:ext uri="{FF2B5EF4-FFF2-40B4-BE49-F238E27FC236}">
+                <a16:creationId xmlns:a16="http://schemas.microsoft.com/office/drawing/2014/main" id="{AEF36830-6070-4CC4-A174-78C807F4334D}"/>
+              </a:ext>
+            </a:extLst>
+          </p:cNvPr>
+          <p:cNvSpPr/>
+          <p:nvPr/>
+        </p:nvSpPr>
+        <p:spPr>
+          <a:xfrm>
+            <a:off x="4370566" y="3896139"/>
+            <a:ext cx="1580985" cy="155051"/>
+          </a:xfrm>
+          <a:prstGeom prst="rect">
+            <a:avLst/>
+          </a:prstGeom>
+          <a:noFill/>
+          <a:ln w="38100">
+            <a:solidFill>
+              <a:srgbClr val="FF0000"/>
+            </a:solidFill>
+          </a:ln>
+        </p:spPr>
+        <p:style>
+          <a:lnRef idx="2">
+            <a:schemeClr val="accent1">
+              <a:shade val="50000"/>
+            </a:schemeClr>
+          </a:lnRef>
+          <a:fillRef idx="1">
+            <a:schemeClr val="accent1"/>
+          </a:fillRef>
+          <a:effectRef idx="0">
+            <a:schemeClr val="accent1"/>
+          </a:effectRef>
+          <a:fontRef idx="minor">
+            <a:schemeClr val="lt1"/>
+          </a:fontRef>
+        </p:style>
+        <p:txBody>
+          <a:bodyPr rtlCol="0" anchor="ctr"/>
+          <a:lstStyle/>
+          <a:p>
+            <a:pPr algn="ctr"/>
+            <a:endParaRPr kumimoji="1" lang="ja-JP" altLang="en-US"/>
+          </a:p>
+        </p:txBody>
+      </p:sp>
+      <p:sp>
+        <p:nvSpPr>
+          <p:cNvPr id="8" name="正方形/長方形 7">
+            <a:extLst>
+              <a:ext uri="{FF2B5EF4-FFF2-40B4-BE49-F238E27FC236}">
+                <a16:creationId xmlns:a16="http://schemas.microsoft.com/office/drawing/2014/main" id="{0B7F6484-F1EB-4575-92F2-5EFE7E278E18}"/>
+              </a:ext>
+            </a:extLst>
+          </p:cNvPr>
+          <p:cNvSpPr/>
+          <p:nvPr/>
+        </p:nvSpPr>
+        <p:spPr>
+          <a:xfrm>
+            <a:off x="4370566" y="4215516"/>
+            <a:ext cx="1580985" cy="113969"/>
+          </a:xfrm>
+          <a:prstGeom prst="rect">
+            <a:avLst/>
+          </a:prstGeom>
+          <a:noFill/>
+          <a:ln w="38100">
+            <a:solidFill>
+              <a:srgbClr val="FF0000"/>
+            </a:solidFill>
+          </a:ln>
+        </p:spPr>
+        <p:style>
+          <a:lnRef idx="2">
+            <a:schemeClr val="accent1">
+              <a:shade val="50000"/>
+            </a:schemeClr>
+          </a:lnRef>
+          <a:fillRef idx="1">
+            <a:schemeClr val="accent1"/>
+          </a:fillRef>
+          <a:effectRef idx="0">
+            <a:schemeClr val="accent1"/>
+          </a:effectRef>
+          <a:fontRef idx="minor">
+            <a:schemeClr val="lt1"/>
+          </a:fontRef>
+        </p:style>
+        <p:txBody>
+          <a:bodyPr rtlCol="0" anchor="ctr"/>
+          <a:lstStyle/>
+          <a:p>
+            <a:pPr algn="ctr"/>
+            <a:endParaRPr kumimoji="1" lang="ja-JP" altLang="en-US"/>
+          </a:p>
+        </p:txBody>
+      </p:sp>
+      <p:sp>
+        <p:nvSpPr>
+          <p:cNvPr id="9" name="正方形/長方形 8">
+            <a:extLst>
+              <a:ext uri="{FF2B5EF4-FFF2-40B4-BE49-F238E27FC236}">
+                <a16:creationId xmlns:a16="http://schemas.microsoft.com/office/drawing/2014/main" id="{5372B87E-04FB-447A-ACD1-1FF0AD171EA0}"/>
+              </a:ext>
+            </a:extLst>
+          </p:cNvPr>
+          <p:cNvSpPr/>
+          <p:nvPr/>
+        </p:nvSpPr>
+        <p:spPr>
+          <a:xfrm>
+            <a:off x="4370565" y="5179612"/>
+            <a:ext cx="1580985" cy="113969"/>
+          </a:xfrm>
+          <a:prstGeom prst="rect">
+            <a:avLst/>
+          </a:prstGeom>
+          <a:noFill/>
+          <a:ln w="38100">
+            <a:solidFill>
+              <a:srgbClr val="FF0000"/>
+            </a:solidFill>
+          </a:ln>
+        </p:spPr>
+        <p:style>
+          <a:lnRef idx="2">
+            <a:schemeClr val="accent1">
+              <a:shade val="50000"/>
+            </a:schemeClr>
+          </a:lnRef>
+          <a:fillRef idx="1">
+            <a:schemeClr val="accent1"/>
+          </a:fillRef>
+          <a:effectRef idx="0">
+            <a:schemeClr val="accent1"/>
+          </a:effectRef>
+          <a:fontRef idx="minor">
+            <a:schemeClr val="lt1"/>
+          </a:fontRef>
+        </p:style>
+        <p:txBody>
+          <a:bodyPr rtlCol="0" anchor="ctr"/>
+          <a:lstStyle/>
+          <a:p>
+            <a:pPr algn="ctr"/>
+            <a:endParaRPr kumimoji="1" lang="ja-JP" altLang="en-US"/>
+          </a:p>
+        </p:txBody>
+      </p:sp>
+      <p:sp>
+        <p:nvSpPr>
+          <p:cNvPr id="10" name="正方形/長方形 9">
+            <a:extLst>
+              <a:ext uri="{FF2B5EF4-FFF2-40B4-BE49-F238E27FC236}">
+                <a16:creationId xmlns:a16="http://schemas.microsoft.com/office/drawing/2014/main" id="{FCBCA7A0-FEE1-47EA-9993-8277C312A5A8}"/>
+              </a:ext>
+            </a:extLst>
+          </p:cNvPr>
+          <p:cNvSpPr/>
+          <p:nvPr/>
+        </p:nvSpPr>
+        <p:spPr>
+          <a:xfrm>
+            <a:off x="4370565" y="5491701"/>
+            <a:ext cx="1580985" cy="113969"/>
+          </a:xfrm>
+          <a:prstGeom prst="rect">
+            <a:avLst/>
+          </a:prstGeom>
+          <a:noFill/>
+          <a:ln w="38100">
+            <a:solidFill>
+              <a:srgbClr val="FF0000"/>
+            </a:solidFill>
+          </a:ln>
+        </p:spPr>
+        <p:style>
+          <a:lnRef idx="2">
+            <a:schemeClr val="accent1">
+              <a:shade val="50000"/>
+            </a:schemeClr>
+          </a:lnRef>
+          <a:fillRef idx="1">
+            <a:schemeClr val="accent1"/>
+          </a:fillRef>
+          <a:effectRef idx="0">
+            <a:schemeClr val="accent1"/>
+          </a:effectRef>
+          <a:fontRef idx="minor">
+            <a:schemeClr val="lt1"/>
+          </a:fontRef>
+        </p:style>
+        <p:txBody>
+          <a:bodyPr rtlCol="0" anchor="ctr"/>
+          <a:lstStyle/>
+          <a:p>
+            <a:pPr algn="ctr"/>
+            <a:endParaRPr kumimoji="1" lang="ja-JP" altLang="en-US"/>
+          </a:p>
+        </p:txBody>
+      </p:sp>
+      <p:sp>
+        <p:nvSpPr>
+          <p:cNvPr id="11" name="正方形/長方形 10">
+            <a:extLst>
+              <a:ext uri="{FF2B5EF4-FFF2-40B4-BE49-F238E27FC236}">
+                <a16:creationId xmlns:a16="http://schemas.microsoft.com/office/drawing/2014/main" id="{260A2D02-D907-471E-819B-A0A7C4DB7718}"/>
+              </a:ext>
+            </a:extLst>
+          </p:cNvPr>
+          <p:cNvSpPr/>
+          <p:nvPr/>
+        </p:nvSpPr>
+        <p:spPr>
+          <a:xfrm>
+            <a:off x="4370564" y="5803790"/>
+            <a:ext cx="1580985" cy="113969"/>
+          </a:xfrm>
+          <a:prstGeom prst="rect">
+            <a:avLst/>
+          </a:prstGeom>
+          <a:noFill/>
+          <a:ln w="38100">
+            <a:solidFill>
+              <a:srgbClr val="FF0000"/>
+            </a:solidFill>
+          </a:ln>
+        </p:spPr>
+        <p:style>
+          <a:lnRef idx="2">
+            <a:schemeClr val="accent1">
+              <a:shade val="50000"/>
+            </a:schemeClr>
+          </a:lnRef>
+          <a:fillRef idx="1">
+            <a:schemeClr val="accent1"/>
+          </a:fillRef>
+          <a:effectRef idx="0">
+            <a:schemeClr val="accent1"/>
+          </a:effectRef>
+          <a:fontRef idx="minor">
+            <a:schemeClr val="lt1"/>
+          </a:fontRef>
+        </p:style>
+        <p:txBody>
+          <a:bodyPr rtlCol="0" anchor="ctr"/>
+          <a:lstStyle/>
+          <a:p>
+            <a:pPr algn="ctr"/>
+            <a:endParaRPr kumimoji="1" lang="ja-JP" altLang="en-US"/>
+          </a:p>
+        </p:txBody>
+      </p:sp>
+      <p:sp>
+        <p:nvSpPr>
+          <p:cNvPr id="12" name="正方形/長方形 11">
+            <a:extLst>
+              <a:ext uri="{FF2B5EF4-FFF2-40B4-BE49-F238E27FC236}">
+                <a16:creationId xmlns:a16="http://schemas.microsoft.com/office/drawing/2014/main" id="{86B2717E-9453-4CE8-850E-4F0D1076B33A}"/>
+              </a:ext>
+            </a:extLst>
+          </p:cNvPr>
+          <p:cNvSpPr/>
+          <p:nvPr/>
+        </p:nvSpPr>
+        <p:spPr>
+          <a:xfrm>
+            <a:off x="4370563" y="6580368"/>
+            <a:ext cx="229267" cy="155051"/>
+          </a:xfrm>
+          <a:prstGeom prst="rect">
+            <a:avLst/>
+          </a:prstGeom>
+          <a:noFill/>
+          <a:ln w="38100">
+            <a:solidFill>
+              <a:srgbClr val="FF0000"/>
+            </a:solidFill>
+          </a:ln>
+        </p:spPr>
+        <p:style>
+          <a:lnRef idx="2">
+            <a:schemeClr val="accent1">
+              <a:shade val="50000"/>
+            </a:schemeClr>
+          </a:lnRef>
+          <a:fillRef idx="1">
+            <a:schemeClr val="accent1"/>
+          </a:fillRef>
+          <a:effectRef idx="0">
+            <a:schemeClr val="accent1"/>
+          </a:effectRef>
+          <a:fontRef idx="minor">
+            <a:schemeClr val="lt1"/>
+          </a:fontRef>
+        </p:style>
+        <p:txBody>
+          <a:bodyPr rtlCol="0" anchor="ctr"/>
+          <a:lstStyle/>
+          <a:p>
+            <a:pPr algn="ctr"/>
+            <a:endParaRPr kumimoji="1" lang="ja-JP" altLang="en-US"/>
+          </a:p>
+        </p:txBody>
+      </p:sp>
+    </p:spTree>
+    <p:extLst>
+      <p:ext uri="{BB962C8B-B14F-4D97-AF65-F5344CB8AC3E}">
+        <p14:creationId xmlns:p14="http://schemas.microsoft.com/office/powerpoint/2010/main" val="1334835809"/>
+      </p:ext>
+    </p:extLst>
+  </p:cSld>
+  <p:clrMapOvr>
+    <a:masterClrMapping/>
+  </p:clrMapOvr>
+</p:sld>
+</file>
+
+<file path=ppt/slides/slide13.xml><?xml version="1.0" encoding="utf-8"?>
+<p:sld xmlns:a="http://schemas.openxmlformats.org/drawingml/2006/main" xmlns:r="http://schemas.openxmlformats.org/officeDocument/2006/relationships" xmlns:p="http://schemas.openxmlformats.org/presentationml/2006/main">
+  <p:cSld>
+    <p:spTree>
+      <p:nvGrpSpPr>
+        <p:cNvPr id="1" name=""/>
+        <p:cNvGrpSpPr/>
+        <p:nvPr/>
+      </p:nvGrpSpPr>
+      <p:grpSpPr>
+        <a:xfrm>
+          <a:off x="0" y="0"/>
+          <a:ext cx="0" cy="0"/>
+          <a:chOff x="0" y="0"/>
+          <a:chExt cx="0" cy="0"/>
+        </a:xfrm>
+      </p:grpSpPr>
+      <p:pic>
+        <p:nvPicPr>
+          <p:cNvPr id="4" name="図 3">
+            <a:extLst>
+              <a:ext uri="{FF2B5EF4-FFF2-40B4-BE49-F238E27FC236}">
+                <a16:creationId xmlns:a16="http://schemas.microsoft.com/office/drawing/2014/main" id="{0E7A6980-F69F-4D9B-A24E-F55A1D70EC31}"/>
+              </a:ext>
+            </a:extLst>
+          </p:cNvPr>
+          <p:cNvPicPr>
+            <a:picLocks noChangeAspect="1"/>
+          </p:cNvPicPr>
+          <p:nvPr/>
+        </p:nvPicPr>
+        <p:blipFill>
+          <a:blip r:embed="rId2"/>
+          <a:stretch>
+            <a:fillRect/>
+          </a:stretch>
+        </p:blipFill>
+        <p:spPr>
+          <a:xfrm>
+            <a:off x="3083324" y="0"/>
+            <a:ext cx="6025351" cy="6858000"/>
+          </a:xfrm>
+          <a:prstGeom prst="rect">
+            <a:avLst/>
+          </a:prstGeom>
+        </p:spPr>
+      </p:pic>
+      <p:sp>
+        <p:nvSpPr>
+          <p:cNvPr id="5" name="正方形/長方形 4">
+            <a:extLst>
+              <a:ext uri="{FF2B5EF4-FFF2-40B4-BE49-F238E27FC236}">
+                <a16:creationId xmlns:a16="http://schemas.microsoft.com/office/drawing/2014/main" id="{73E97D0C-0F53-48E9-9B20-F03A3F425523}"/>
+              </a:ext>
+            </a:extLst>
+          </p:cNvPr>
+          <p:cNvSpPr/>
+          <p:nvPr/>
+        </p:nvSpPr>
+        <p:spPr>
+          <a:xfrm>
+            <a:off x="3305088" y="1030358"/>
+            <a:ext cx="424074" cy="146435"/>
+          </a:xfrm>
+          <a:prstGeom prst="rect">
+            <a:avLst/>
+          </a:prstGeom>
+          <a:noFill/>
+          <a:ln w="38100">
+            <a:solidFill>
+              <a:srgbClr val="FF0000"/>
+            </a:solidFill>
+          </a:ln>
+        </p:spPr>
+        <p:style>
+          <a:lnRef idx="2">
+            <a:schemeClr val="accent1">
+              <a:shade val="50000"/>
+            </a:schemeClr>
+          </a:lnRef>
+          <a:fillRef idx="1">
+            <a:schemeClr val="accent1"/>
+          </a:fillRef>
+          <a:effectRef idx="0">
+            <a:schemeClr val="accent1"/>
+          </a:effectRef>
+          <a:fontRef idx="minor">
+            <a:schemeClr val="lt1"/>
+          </a:fontRef>
+        </p:style>
+        <p:txBody>
+          <a:bodyPr rtlCol="0" anchor="ctr"/>
+          <a:lstStyle/>
+          <a:p>
+            <a:pPr algn="ctr"/>
+            <a:endParaRPr kumimoji="1" lang="ja-JP" altLang="en-US"/>
+          </a:p>
+        </p:txBody>
+      </p:sp>
+      <p:sp>
+        <p:nvSpPr>
+          <p:cNvPr id="6" name="正方形/長方形 5">
+            <a:extLst>
+              <a:ext uri="{FF2B5EF4-FFF2-40B4-BE49-F238E27FC236}">
+                <a16:creationId xmlns:a16="http://schemas.microsoft.com/office/drawing/2014/main" id="{A9CD67CC-0ED0-43A2-A1C5-915A3E546983}"/>
+              </a:ext>
+            </a:extLst>
+          </p:cNvPr>
+          <p:cNvSpPr/>
+          <p:nvPr/>
+        </p:nvSpPr>
+        <p:spPr>
+          <a:xfrm>
+            <a:off x="3354121" y="5122629"/>
+            <a:ext cx="2009034" cy="146435"/>
+          </a:xfrm>
+          <a:prstGeom prst="rect">
+            <a:avLst/>
+          </a:prstGeom>
+          <a:noFill/>
+          <a:ln w="38100">
+            <a:solidFill>
+              <a:srgbClr val="FF0000"/>
+            </a:solidFill>
+          </a:ln>
+        </p:spPr>
+        <p:style>
+          <a:lnRef idx="2">
+            <a:schemeClr val="accent1">
+              <a:shade val="50000"/>
+            </a:schemeClr>
+          </a:lnRef>
+          <a:fillRef idx="1">
+            <a:schemeClr val="accent1"/>
+          </a:fillRef>
+          <a:effectRef idx="0">
+            <a:schemeClr val="accent1"/>
+          </a:effectRef>
+          <a:fontRef idx="minor">
+            <a:schemeClr val="lt1"/>
+          </a:fontRef>
+        </p:style>
+        <p:txBody>
+          <a:bodyPr rtlCol="0" anchor="ctr"/>
+          <a:lstStyle/>
+          <a:p>
+            <a:pPr algn="ctr"/>
+            <a:endParaRPr kumimoji="1" lang="ja-JP" altLang="en-US"/>
+          </a:p>
+        </p:txBody>
+      </p:sp>
+      <p:sp>
+        <p:nvSpPr>
+          <p:cNvPr id="8" name="正方形/長方形 7">
+            <a:extLst>
+              <a:ext uri="{FF2B5EF4-FFF2-40B4-BE49-F238E27FC236}">
+                <a16:creationId xmlns:a16="http://schemas.microsoft.com/office/drawing/2014/main" id="{D47AC17C-F8A5-48D2-BF2B-E67C01022A7E}"/>
+              </a:ext>
+            </a:extLst>
+          </p:cNvPr>
+          <p:cNvSpPr/>
+          <p:nvPr/>
+        </p:nvSpPr>
+        <p:spPr>
+          <a:xfrm>
+            <a:off x="3354121" y="5533446"/>
+            <a:ext cx="2009034" cy="146435"/>
+          </a:xfrm>
+          <a:prstGeom prst="rect">
+            <a:avLst/>
+          </a:prstGeom>
+          <a:noFill/>
+          <a:ln w="38100">
+            <a:solidFill>
+              <a:srgbClr val="FF0000"/>
+            </a:solidFill>
+          </a:ln>
+        </p:spPr>
+        <p:style>
+          <a:lnRef idx="2">
+            <a:schemeClr val="accent1">
+              <a:shade val="50000"/>
+            </a:schemeClr>
+          </a:lnRef>
+          <a:fillRef idx="1">
+            <a:schemeClr val="accent1"/>
+          </a:fillRef>
+          <a:effectRef idx="0">
+            <a:schemeClr val="accent1"/>
+          </a:effectRef>
+          <a:fontRef idx="minor">
+            <a:schemeClr val="lt1"/>
+          </a:fontRef>
+        </p:style>
+        <p:txBody>
+          <a:bodyPr rtlCol="0" anchor="ctr"/>
+          <a:lstStyle/>
+          <a:p>
+            <a:pPr algn="ctr"/>
+            <a:endParaRPr kumimoji="1" lang="ja-JP" altLang="en-US"/>
+          </a:p>
+        </p:txBody>
+      </p:sp>
+      <p:sp>
+        <p:nvSpPr>
+          <p:cNvPr id="9" name="正方形/長方形 8">
+            <a:extLst>
+              <a:ext uri="{FF2B5EF4-FFF2-40B4-BE49-F238E27FC236}">
+                <a16:creationId xmlns:a16="http://schemas.microsoft.com/office/drawing/2014/main" id="{56146354-7979-4686-B9D1-AAADE7DEEEA3}"/>
+              </a:ext>
+            </a:extLst>
+          </p:cNvPr>
+          <p:cNvSpPr/>
+          <p:nvPr/>
+        </p:nvSpPr>
+        <p:spPr>
+          <a:xfrm>
+            <a:off x="3354121" y="6528684"/>
+            <a:ext cx="315406" cy="190168"/>
+          </a:xfrm>
+          <a:prstGeom prst="rect">
+            <a:avLst/>
+          </a:prstGeom>
+          <a:noFill/>
+          <a:ln w="38100">
+            <a:solidFill>
+              <a:srgbClr val="FF0000"/>
+            </a:solidFill>
+          </a:ln>
+        </p:spPr>
+        <p:style>
+          <a:lnRef idx="2">
+            <a:schemeClr val="accent1">
+              <a:shade val="50000"/>
+            </a:schemeClr>
+          </a:lnRef>
+          <a:fillRef idx="1">
+            <a:schemeClr val="accent1"/>
+          </a:fillRef>
+          <a:effectRef idx="0">
+            <a:schemeClr val="accent1"/>
+          </a:effectRef>
+          <a:fontRef idx="minor">
+            <a:schemeClr val="lt1"/>
+          </a:fontRef>
+        </p:style>
+        <p:txBody>
+          <a:bodyPr rtlCol="0" anchor="ctr"/>
+          <a:lstStyle/>
+          <a:p>
+            <a:pPr algn="ctr"/>
+            <a:endParaRPr kumimoji="1" lang="ja-JP" altLang="en-US"/>
+          </a:p>
+        </p:txBody>
+      </p:sp>
+    </p:spTree>
+    <p:extLst>
+      <p:ext uri="{BB962C8B-B14F-4D97-AF65-F5344CB8AC3E}">
+        <p14:creationId xmlns:p14="http://schemas.microsoft.com/office/powerpoint/2010/main" val="382554591"/>
+      </p:ext>
+    </p:extLst>
+  </p:cSld>
+  <p:clrMapOvr>
+    <a:masterClrMapping/>
+  </p:clrMapOvr>
+</p:sld>
+</file>
+
+<file path=ppt/slides/slide14.xml><?xml version="1.0" encoding="utf-8"?>
+<p:sld xmlns:a="http://schemas.openxmlformats.org/drawingml/2006/main" xmlns:r="http://schemas.openxmlformats.org/officeDocument/2006/relationships" xmlns:p="http://schemas.openxmlformats.org/presentationml/2006/main">
+  <p:cSld>
+    <p:spTree>
+      <p:nvGrpSpPr>
+        <p:cNvPr id="1" name=""/>
+        <p:cNvGrpSpPr/>
+        <p:nvPr/>
+      </p:nvGrpSpPr>
+      <p:grpSpPr>
+        <a:xfrm>
+          <a:off x="0" y="0"/>
+          <a:ext cx="0" cy="0"/>
+          <a:chOff x="0" y="0"/>
+          <a:chExt cx="0" cy="0"/>
+        </a:xfrm>
+      </p:grpSpPr>
+      <p:pic>
+        <p:nvPicPr>
+          <p:cNvPr id="4" name="図 3">
+            <a:extLst>
+              <a:ext uri="{FF2B5EF4-FFF2-40B4-BE49-F238E27FC236}">
+                <a16:creationId xmlns:a16="http://schemas.microsoft.com/office/drawing/2014/main" id="{D8FC5F19-C452-419F-8B0D-84AE4BBDBD39}"/>
+              </a:ext>
+            </a:extLst>
+          </p:cNvPr>
+          <p:cNvPicPr>
+            <a:picLocks noChangeAspect="1"/>
+          </p:cNvPicPr>
+          <p:nvPr/>
+        </p:nvPicPr>
+        <p:blipFill>
+          <a:blip r:embed="rId2"/>
+          <a:stretch>
+            <a:fillRect/>
+          </a:stretch>
+        </p:blipFill>
+        <p:spPr>
+          <a:xfrm>
+            <a:off x="1214090" y="0"/>
+            <a:ext cx="9763819" cy="6858000"/>
+          </a:xfrm>
+          <a:prstGeom prst="rect">
+            <a:avLst/>
+          </a:prstGeom>
+        </p:spPr>
+      </p:pic>
+      <p:sp>
+        <p:nvSpPr>
+          <p:cNvPr id="5" name="正方形/長方形 4">
+            <a:extLst>
+              <a:ext uri="{FF2B5EF4-FFF2-40B4-BE49-F238E27FC236}">
+                <a16:creationId xmlns:a16="http://schemas.microsoft.com/office/drawing/2014/main" id="{93B524CE-CF1E-43EB-9342-C5A519466E4C}"/>
+              </a:ext>
+            </a:extLst>
+          </p:cNvPr>
+          <p:cNvSpPr/>
+          <p:nvPr/>
+        </p:nvSpPr>
+        <p:spPr>
+          <a:xfrm>
+            <a:off x="1505443" y="1352385"/>
+            <a:ext cx="518164" cy="190168"/>
+          </a:xfrm>
+          <a:prstGeom prst="rect">
+            <a:avLst/>
+          </a:prstGeom>
+          <a:noFill/>
+          <a:ln w="38100">
+            <a:solidFill>
+              <a:srgbClr val="FF0000"/>
+            </a:solidFill>
+          </a:ln>
+        </p:spPr>
+        <p:style>
+          <a:lnRef idx="2">
+            <a:schemeClr val="accent1">
+              <a:shade val="50000"/>
+            </a:schemeClr>
+          </a:lnRef>
+          <a:fillRef idx="1">
+            <a:schemeClr val="accent1"/>
+          </a:fillRef>
+          <a:effectRef idx="0">
+            <a:schemeClr val="accent1"/>
+          </a:effectRef>
+          <a:fontRef idx="minor">
+            <a:schemeClr val="lt1"/>
+          </a:fontRef>
+        </p:style>
+        <p:txBody>
+          <a:bodyPr rtlCol="0" anchor="ctr"/>
+          <a:lstStyle/>
+          <a:p>
+            <a:pPr algn="ctr"/>
+            <a:endParaRPr kumimoji="1" lang="ja-JP" altLang="en-US"/>
+          </a:p>
+        </p:txBody>
+      </p:sp>
+    </p:spTree>
+    <p:extLst>
+      <p:ext uri="{BB962C8B-B14F-4D97-AF65-F5344CB8AC3E}">
+        <p14:creationId xmlns:p14="http://schemas.microsoft.com/office/powerpoint/2010/main" val="2928594247"/>
+      </p:ext>
+    </p:extLst>
+  </p:cSld>
+  <p:clrMapOvr>
+    <a:masterClrMapping/>
+  </p:clrMapOvr>
+</p:sld>
+</file>
+
+<file path=ppt/slides/slide2.xml><?xml version="1.0" encoding="utf-8"?>
+<p:sld xmlns:a="http://schemas.openxmlformats.org/drawingml/2006/main" xmlns:r="http://schemas.openxmlformats.org/officeDocument/2006/relationships" xmlns:p="http://schemas.openxmlformats.org/presentationml/2006/main">
+  <p:cSld>
+    <p:spTree>
+      <p:nvGrpSpPr>
+        <p:cNvPr id="1" name=""/>
+        <p:cNvGrpSpPr/>
+        <p:nvPr/>
+      </p:nvGrpSpPr>
+      <p:grpSpPr>
+        <a:xfrm>
+          <a:off x="0" y="0"/>
+          <a:ext cx="0" cy="0"/>
+          <a:chOff x="0" y="0"/>
+          <a:chExt cx="0" cy="0"/>
+        </a:xfrm>
+      </p:grpSpPr>
+      <p:pic>
+        <p:nvPicPr>
+          <p:cNvPr id="6" name="図 5">
+            <a:extLst>
+              <a:ext uri="{FF2B5EF4-FFF2-40B4-BE49-F238E27FC236}">
+                <a16:creationId xmlns:a16="http://schemas.microsoft.com/office/drawing/2014/main" id="{AFAB6DCF-9572-434B-958D-1558F2EC51FA}"/>
+              </a:ext>
+            </a:extLst>
+          </p:cNvPr>
+          <p:cNvPicPr>
+            <a:picLocks noChangeAspect="1"/>
+          </p:cNvPicPr>
+          <p:nvPr/>
+        </p:nvPicPr>
+        <p:blipFill>
+          <a:blip r:embed="rId2"/>
+          <a:stretch>
+            <a:fillRect/>
+          </a:stretch>
+        </p:blipFill>
+        <p:spPr>
+          <a:xfrm>
+            <a:off x="6249725" y="123247"/>
+            <a:ext cx="5569757" cy="3003300"/>
+          </a:xfrm>
+          <a:prstGeom prst="rect">
+            <a:avLst/>
+          </a:prstGeom>
+        </p:spPr>
+      </p:pic>
+      <p:pic>
+        <p:nvPicPr>
+          <p:cNvPr id="7" name="図 6">
+            <a:extLst>
+              <a:ext uri="{FF2B5EF4-FFF2-40B4-BE49-F238E27FC236}">
+                <a16:creationId xmlns:a16="http://schemas.microsoft.com/office/drawing/2014/main" id="{1E4BFAE0-77B9-48DE-90C7-DC6260D91ED2}"/>
+              </a:ext>
+            </a:extLst>
+          </p:cNvPr>
+          <p:cNvPicPr>
+            <a:picLocks noChangeAspect="1"/>
+          </p:cNvPicPr>
+          <p:nvPr/>
+        </p:nvPicPr>
+        <p:blipFill>
+          <a:blip r:embed="rId3"/>
+          <a:stretch>
+            <a:fillRect/>
+          </a:stretch>
+        </p:blipFill>
+        <p:spPr>
+          <a:xfrm>
+            <a:off x="0" y="0"/>
+            <a:ext cx="5483909" cy="6858000"/>
+          </a:xfrm>
+          <a:prstGeom prst="rect">
+            <a:avLst/>
+          </a:prstGeom>
+        </p:spPr>
+      </p:pic>
+      <p:sp>
+        <p:nvSpPr>
+          <p:cNvPr id="8" name="正方形/長方形 7">
+            <a:extLst>
+              <a:ext uri="{FF2B5EF4-FFF2-40B4-BE49-F238E27FC236}">
+                <a16:creationId xmlns:a16="http://schemas.microsoft.com/office/drawing/2014/main" id="{4CC20435-A3F5-4049-9E8E-9CDD390E1A35}"/>
+              </a:ext>
+            </a:extLst>
+          </p:cNvPr>
+          <p:cNvSpPr/>
+          <p:nvPr/>
+        </p:nvSpPr>
+        <p:spPr>
+          <a:xfrm>
+            <a:off x="10312842" y="2866446"/>
+            <a:ext cx="1506640" cy="260102"/>
+          </a:xfrm>
+          <a:prstGeom prst="rect">
+            <a:avLst/>
+          </a:prstGeom>
+          <a:noFill/>
+          <a:ln w="38100">
+            <a:solidFill>
+              <a:srgbClr val="FF0000"/>
+            </a:solidFill>
+          </a:ln>
+        </p:spPr>
+        <p:style>
+          <a:lnRef idx="2">
+            <a:schemeClr val="accent1">
+              <a:shade val="50000"/>
+            </a:schemeClr>
+          </a:lnRef>
+          <a:fillRef idx="1">
+            <a:schemeClr val="accent1"/>
+          </a:fillRef>
+          <a:effectRef idx="0">
+            <a:schemeClr val="accent1"/>
+          </a:effectRef>
+          <a:fontRef idx="minor">
+            <a:schemeClr val="lt1"/>
+          </a:fontRef>
+        </p:style>
+        <p:txBody>
+          <a:bodyPr rtlCol="0" anchor="ctr"/>
+          <a:lstStyle/>
+          <a:p>
+            <a:pPr algn="ctr"/>
+            <a:endParaRPr kumimoji="1" lang="ja-JP" altLang="en-US"/>
+          </a:p>
+        </p:txBody>
+      </p:sp>
+      <p:sp>
+        <p:nvSpPr>
+          <p:cNvPr id="9" name="正方形/長方形 8">
+            <a:extLst>
+              <a:ext uri="{FF2B5EF4-FFF2-40B4-BE49-F238E27FC236}">
+                <a16:creationId xmlns:a16="http://schemas.microsoft.com/office/drawing/2014/main" id="{B52DE81D-F066-4058-8995-BD81F627DCBC}"/>
+              </a:ext>
+            </a:extLst>
+          </p:cNvPr>
+          <p:cNvSpPr/>
+          <p:nvPr/>
+        </p:nvSpPr>
+        <p:spPr>
+          <a:xfrm>
+            <a:off x="148425" y="2327083"/>
+            <a:ext cx="948855" cy="260102"/>
+          </a:xfrm>
+          <a:prstGeom prst="rect">
+            <a:avLst/>
+          </a:prstGeom>
+          <a:noFill/>
+          <a:ln w="38100">
+            <a:solidFill>
+              <a:srgbClr val="FF0000"/>
+            </a:solidFill>
+          </a:ln>
+        </p:spPr>
+        <p:style>
+          <a:lnRef idx="2">
+            <a:schemeClr val="accent1">
+              <a:shade val="50000"/>
+            </a:schemeClr>
+          </a:lnRef>
+          <a:fillRef idx="1">
+            <a:schemeClr val="accent1"/>
+          </a:fillRef>
+          <a:effectRef idx="0">
+            <a:schemeClr val="accent1"/>
+          </a:effectRef>
+          <a:fontRef idx="minor">
+            <a:schemeClr val="lt1"/>
+          </a:fontRef>
+        </p:style>
+        <p:txBody>
+          <a:bodyPr rtlCol="0" anchor="ctr"/>
+          <a:lstStyle/>
+          <a:p>
+            <a:pPr algn="ctr"/>
+            <a:endParaRPr kumimoji="1" lang="ja-JP" altLang="en-US"/>
+          </a:p>
+        </p:txBody>
+      </p:sp>
+      <p:sp>
+        <p:nvSpPr>
+          <p:cNvPr id="10" name="正方形/長方形 9">
+            <a:extLst>
+              <a:ext uri="{FF2B5EF4-FFF2-40B4-BE49-F238E27FC236}">
+                <a16:creationId xmlns:a16="http://schemas.microsoft.com/office/drawing/2014/main" id="{F13239EA-48D4-432F-BC05-B85DA4479F2A}"/>
+              </a:ext>
+            </a:extLst>
+          </p:cNvPr>
+          <p:cNvSpPr/>
+          <p:nvPr/>
+        </p:nvSpPr>
+        <p:spPr>
+          <a:xfrm>
+            <a:off x="148425" y="4837045"/>
+            <a:ext cx="917050" cy="260102"/>
+          </a:xfrm>
+          <a:prstGeom prst="rect">
+            <a:avLst/>
+          </a:prstGeom>
+          <a:noFill/>
+          <a:ln w="38100">
+            <a:solidFill>
+              <a:srgbClr val="FF0000"/>
+            </a:solidFill>
+          </a:ln>
+        </p:spPr>
+        <p:style>
+          <a:lnRef idx="2">
+            <a:schemeClr val="accent1">
+              <a:shade val="50000"/>
+            </a:schemeClr>
+          </a:lnRef>
+          <a:fillRef idx="1">
+            <a:schemeClr val="accent1"/>
+          </a:fillRef>
+          <a:effectRef idx="0">
+            <a:schemeClr val="accent1"/>
+          </a:effectRef>
+          <a:fontRef idx="minor">
+            <a:schemeClr val="lt1"/>
+          </a:fontRef>
+        </p:style>
+        <p:txBody>
+          <a:bodyPr rtlCol="0" anchor="ctr"/>
+          <a:lstStyle/>
+          <a:p>
+            <a:pPr algn="ctr"/>
+            <a:endParaRPr kumimoji="1" lang="ja-JP" altLang="en-US"/>
+          </a:p>
+        </p:txBody>
+      </p:sp>
+      <p:sp>
+        <p:nvSpPr>
+          <p:cNvPr id="11" name="正方形/長方形 10">
+            <a:extLst>
+              <a:ext uri="{FF2B5EF4-FFF2-40B4-BE49-F238E27FC236}">
+                <a16:creationId xmlns:a16="http://schemas.microsoft.com/office/drawing/2014/main" id="{4D18B074-8FA9-4291-816D-624361D60F3C}"/>
+              </a:ext>
+            </a:extLst>
+          </p:cNvPr>
+          <p:cNvSpPr/>
+          <p:nvPr/>
+        </p:nvSpPr>
+        <p:spPr>
+          <a:xfrm>
+            <a:off x="164327" y="5837281"/>
+            <a:ext cx="416118" cy="260102"/>
+          </a:xfrm>
+          <a:prstGeom prst="rect">
+            <a:avLst/>
+          </a:prstGeom>
+          <a:noFill/>
+          <a:ln w="38100">
+            <a:solidFill>
+              <a:srgbClr val="FF0000"/>
+            </a:solidFill>
+          </a:ln>
+        </p:spPr>
+        <p:style>
+          <a:lnRef idx="2">
+            <a:schemeClr val="accent1">
+              <a:shade val="50000"/>
+            </a:schemeClr>
+          </a:lnRef>
+          <a:fillRef idx="1">
+            <a:schemeClr val="accent1"/>
+          </a:fillRef>
+          <a:effectRef idx="0">
+            <a:schemeClr val="accent1"/>
+          </a:effectRef>
+          <a:fontRef idx="minor">
+            <a:schemeClr val="lt1"/>
+          </a:fontRef>
+        </p:style>
+        <p:txBody>
+          <a:bodyPr rtlCol="0" anchor="ctr"/>
+          <a:lstStyle/>
+          <a:p>
+            <a:pPr algn="ctr"/>
+            <a:endParaRPr kumimoji="1" lang="ja-JP" altLang="en-US"/>
+          </a:p>
+        </p:txBody>
+      </p:sp>
+      <p:sp>
+        <p:nvSpPr>
+          <p:cNvPr id="12" name="正方形/長方形 11">
+            <a:extLst>
+              <a:ext uri="{FF2B5EF4-FFF2-40B4-BE49-F238E27FC236}">
+                <a16:creationId xmlns:a16="http://schemas.microsoft.com/office/drawing/2014/main" id="{E4410EBB-13DE-40E4-9970-F00B667B09E8}"/>
+              </a:ext>
+            </a:extLst>
+          </p:cNvPr>
+          <p:cNvSpPr/>
+          <p:nvPr/>
+        </p:nvSpPr>
+        <p:spPr>
+          <a:xfrm>
+            <a:off x="164327" y="6442906"/>
+            <a:ext cx="901148" cy="260102"/>
+          </a:xfrm>
+          <a:prstGeom prst="rect">
+            <a:avLst/>
+          </a:prstGeom>
+          <a:noFill/>
+          <a:ln w="38100">
+            <a:solidFill>
+              <a:srgbClr val="FF0000"/>
+            </a:solidFill>
+          </a:ln>
+        </p:spPr>
+        <p:style>
+          <a:lnRef idx="2">
+            <a:schemeClr val="accent1">
+              <a:shade val="50000"/>
+            </a:schemeClr>
+          </a:lnRef>
+          <a:fillRef idx="1">
+            <a:schemeClr val="accent1"/>
+          </a:fillRef>
+          <a:effectRef idx="0">
+            <a:schemeClr val="accent1"/>
+          </a:effectRef>
+          <a:fontRef idx="minor">
+            <a:schemeClr val="lt1"/>
+          </a:fontRef>
+        </p:style>
+        <p:txBody>
+          <a:bodyPr rtlCol="0" anchor="ctr"/>
+          <a:lstStyle/>
+          <a:p>
+            <a:pPr algn="ctr"/>
+            <a:endParaRPr kumimoji="1" lang="ja-JP" altLang="en-US"/>
+          </a:p>
+        </p:txBody>
+      </p:sp>
+    </p:spTree>
+    <p:extLst>
+      <p:ext uri="{BB962C8B-B14F-4D97-AF65-F5344CB8AC3E}">
+        <p14:creationId xmlns:p14="http://schemas.microsoft.com/office/powerpoint/2010/main" val="244292912"/>
+      </p:ext>
+    </p:extLst>
+  </p:cSld>
+  <p:clrMapOvr>
+    <a:masterClrMapping/>
+  </p:clrMapOvr>
+</p:sld>
+</file>
+
+<file path=ppt/slides/slide3.xml><?xml version="1.0" encoding="utf-8"?>
+<p:sld xmlns:a="http://schemas.openxmlformats.org/drawingml/2006/main" xmlns:r="http://schemas.openxmlformats.org/officeDocument/2006/relationships" xmlns:p="http://schemas.openxmlformats.org/presentationml/2006/main">
+  <p:cSld>
+    <p:spTree>
+      <p:nvGrpSpPr>
+        <p:cNvPr id="1" name=""/>
+        <p:cNvGrpSpPr/>
+        <p:nvPr/>
+      </p:nvGrpSpPr>
+      <p:grpSpPr>
+        <a:xfrm>
+          <a:off x="0" y="0"/>
+          <a:ext cx="0" cy="0"/>
+          <a:chOff x="0" y="0"/>
+          <a:chExt cx="0" cy="0"/>
+        </a:xfrm>
+      </p:grpSpPr>
+      <p:grpSp>
+        <p:nvGrpSpPr>
+          <p:cNvPr id="11" name="グループ化 10">
+            <a:extLst>
+              <a:ext uri="{FF2B5EF4-FFF2-40B4-BE49-F238E27FC236}">
+                <a16:creationId xmlns:a16="http://schemas.microsoft.com/office/drawing/2014/main" id="{18609D37-905F-4F75-963D-F54ACD576B41}"/>
+              </a:ext>
+            </a:extLst>
+          </p:cNvPr>
+          <p:cNvGrpSpPr/>
+          <p:nvPr/>
+        </p:nvGrpSpPr>
+        <p:grpSpPr>
+          <a:xfrm>
+            <a:off x="104401" y="452110"/>
+            <a:ext cx="8493609" cy="1499935"/>
+            <a:chOff x="104401" y="452110"/>
+            <a:chExt cx="8493609" cy="1499935"/>
+          </a:xfrm>
+        </p:grpSpPr>
+        <p:pic>
+          <p:nvPicPr>
+            <p:cNvPr id="8" name="図 7">
+              <a:extLst>
+                <a:ext uri="{FF2B5EF4-FFF2-40B4-BE49-F238E27FC236}">
+                  <a16:creationId xmlns:a16="http://schemas.microsoft.com/office/drawing/2014/main" id="{563593F8-199F-4A6A-AF18-75157B2B8F07}"/>
+                </a:ext>
+              </a:extLst>
+            </p:cNvPr>
+            <p:cNvPicPr>
+              <a:picLocks noChangeAspect="1"/>
+            </p:cNvPicPr>
+            <p:nvPr/>
+          </p:nvPicPr>
+          <p:blipFill>
+            <a:blip r:embed="rId2"/>
+            <a:stretch>
+              <a:fillRect/>
+            </a:stretch>
+          </p:blipFill>
+          <p:spPr>
+            <a:xfrm>
+              <a:off x="104401" y="452110"/>
+              <a:ext cx="8493609" cy="1499935"/>
+            </a:xfrm>
+            <a:prstGeom prst="rect">
+              <a:avLst/>
+            </a:prstGeom>
+          </p:spPr>
+        </p:pic>
+        <p:sp>
+          <p:nvSpPr>
+            <p:cNvPr id="9" name="正方形/長方形 8">
+              <a:extLst>
+                <a:ext uri="{FF2B5EF4-FFF2-40B4-BE49-F238E27FC236}">
+                  <a16:creationId xmlns:a16="http://schemas.microsoft.com/office/drawing/2014/main" id="{64447B4A-114C-4585-9D01-6AB28E2E51B3}"/>
+                </a:ext>
+              </a:extLst>
+            </p:cNvPr>
+            <p:cNvSpPr/>
+            <p:nvPr/>
+          </p:nvSpPr>
+          <p:spPr>
+            <a:xfrm>
+              <a:off x="5929024" y="1166192"/>
+              <a:ext cx="2384065" cy="185530"/>
+            </a:xfrm>
+            <a:prstGeom prst="rect">
+              <a:avLst/>
+            </a:prstGeom>
+            <a:noFill/>
+            <a:ln w="38100">
+              <a:solidFill>
+                <a:srgbClr val="FF0000"/>
+              </a:solidFill>
+            </a:ln>
+          </p:spPr>
+          <p:style>
+            <a:lnRef idx="2">
+              <a:schemeClr val="accent1">
+                <a:shade val="50000"/>
+              </a:schemeClr>
+            </a:lnRef>
+            <a:fillRef idx="1">
+              <a:schemeClr val="accent1"/>
+            </a:fillRef>
+            <a:effectRef idx="0">
+              <a:schemeClr val="accent1"/>
+            </a:effectRef>
+            <a:fontRef idx="minor">
+              <a:schemeClr val="lt1"/>
+            </a:fontRef>
+          </p:style>
+          <p:txBody>
+            <a:bodyPr rtlCol="0" anchor="ctr"/>
+            <a:lstStyle/>
+            <a:p>
+              <a:pPr algn="ctr"/>
+              <a:endParaRPr kumimoji="1" lang="ja-JP" altLang="en-US"/>
+            </a:p>
+          </p:txBody>
+        </p:sp>
+      </p:grpSp>
+      <p:grpSp>
+        <p:nvGrpSpPr>
+          <p:cNvPr id="12" name="グループ化 11">
+            <a:extLst>
+              <a:ext uri="{FF2B5EF4-FFF2-40B4-BE49-F238E27FC236}">
+                <a16:creationId xmlns:a16="http://schemas.microsoft.com/office/drawing/2014/main" id="{A54177A3-D7B5-4E93-9286-E961FF8A69BD}"/>
+              </a:ext>
+            </a:extLst>
+          </p:cNvPr>
+          <p:cNvGrpSpPr/>
+          <p:nvPr/>
+        </p:nvGrpSpPr>
+        <p:grpSpPr>
+          <a:xfrm>
+            <a:off x="0" y="2273107"/>
+            <a:ext cx="12192000" cy="2311785"/>
+            <a:chOff x="0" y="2273107"/>
+            <a:chExt cx="12192000" cy="2311785"/>
+          </a:xfrm>
+        </p:grpSpPr>
+        <p:pic>
+          <p:nvPicPr>
+            <p:cNvPr id="7" name="図 6">
+              <a:extLst>
+                <a:ext uri="{FF2B5EF4-FFF2-40B4-BE49-F238E27FC236}">
+                  <a16:creationId xmlns:a16="http://schemas.microsoft.com/office/drawing/2014/main" id="{278F2645-768D-4C34-9F79-F79EDD68B31F}"/>
+                </a:ext>
+              </a:extLst>
+            </p:cNvPr>
+            <p:cNvPicPr>
+              <a:picLocks noChangeAspect="1"/>
+            </p:cNvPicPr>
+            <p:nvPr/>
+          </p:nvPicPr>
+          <p:blipFill>
+            <a:blip r:embed="rId3"/>
+            <a:stretch>
+              <a:fillRect/>
+            </a:stretch>
+          </p:blipFill>
+          <p:spPr>
+            <a:xfrm>
+              <a:off x="0" y="2273107"/>
+              <a:ext cx="12192000" cy="2311785"/>
+            </a:xfrm>
+            <a:prstGeom prst="rect">
+              <a:avLst/>
+            </a:prstGeom>
+          </p:spPr>
+        </p:pic>
+        <p:sp>
+          <p:nvSpPr>
+            <p:cNvPr id="10" name="正方形/長方形 9">
+              <a:extLst>
+                <a:ext uri="{FF2B5EF4-FFF2-40B4-BE49-F238E27FC236}">
+                  <a16:creationId xmlns:a16="http://schemas.microsoft.com/office/drawing/2014/main" id="{21819953-D42F-4B32-B9F9-B15745F92A95}"/>
+                </a:ext>
+              </a:extLst>
+            </p:cNvPr>
+            <p:cNvSpPr/>
+            <p:nvPr/>
+          </p:nvSpPr>
+          <p:spPr>
+            <a:xfrm>
+              <a:off x="4407674" y="4117450"/>
+              <a:ext cx="1205947" cy="251791"/>
+            </a:xfrm>
+            <a:prstGeom prst="rect">
+              <a:avLst/>
+            </a:prstGeom>
+            <a:noFill/>
+            <a:ln w="38100">
+              <a:solidFill>
+                <a:srgbClr val="FF0000"/>
+              </a:solidFill>
+            </a:ln>
+          </p:spPr>
+          <p:style>
+            <a:lnRef idx="2">
+              <a:schemeClr val="accent1">
+                <a:shade val="50000"/>
+              </a:schemeClr>
+            </a:lnRef>
+            <a:fillRef idx="1">
+              <a:schemeClr val="accent1"/>
+            </a:fillRef>
+            <a:effectRef idx="0">
+              <a:schemeClr val="accent1"/>
+            </a:effectRef>
+            <a:fontRef idx="minor">
+              <a:schemeClr val="lt1"/>
+            </a:fontRef>
+          </p:style>
+          <p:txBody>
+            <a:bodyPr rtlCol="0" anchor="ctr"/>
+            <a:lstStyle/>
+            <a:p>
+              <a:pPr algn="ctr"/>
+              <a:endParaRPr kumimoji="1" lang="ja-JP" altLang="en-US"/>
+            </a:p>
+          </p:txBody>
+        </p:sp>
+      </p:grpSp>
+    </p:spTree>
+    <p:extLst>
+      <p:ext uri="{BB962C8B-B14F-4D97-AF65-F5344CB8AC3E}">
+        <p14:creationId xmlns:p14="http://schemas.microsoft.com/office/powerpoint/2010/main" val="488422701"/>
+      </p:ext>
+    </p:extLst>
+  </p:cSld>
+  <p:clrMapOvr>
+    <a:masterClrMapping/>
+  </p:clrMapOvr>
+</p:sld>
+</file>
+
+<file path=ppt/slides/slide4.xml><?xml version="1.0" encoding="utf-8"?>
+<p:sld xmlns:a="http://schemas.openxmlformats.org/drawingml/2006/main" xmlns:r="http://schemas.openxmlformats.org/officeDocument/2006/relationships" xmlns:p="http://schemas.openxmlformats.org/presentationml/2006/main">
+  <p:cSld>
+    <p:spTree>
+      <p:nvGrpSpPr>
+        <p:cNvPr id="1" name=""/>
+        <p:cNvGrpSpPr/>
+        <p:nvPr/>
+      </p:nvGrpSpPr>
+      <p:grpSpPr>
+        <a:xfrm>
+          <a:off x="0" y="0"/>
+          <a:ext cx="0" cy="0"/>
+          <a:chOff x="0" y="0"/>
+          <a:chExt cx="0" cy="0"/>
+        </a:xfrm>
+      </p:grpSpPr>
+      <p:pic>
+        <p:nvPicPr>
+          <p:cNvPr id="6" name="図 5">
+            <a:extLst>
+              <a:ext uri="{FF2B5EF4-FFF2-40B4-BE49-F238E27FC236}">
+                <a16:creationId xmlns:a16="http://schemas.microsoft.com/office/drawing/2014/main" id="{20F675C3-38D8-4A97-B773-433C9E8FAAAB}"/>
+              </a:ext>
+            </a:extLst>
+          </p:cNvPr>
+          <p:cNvPicPr>
+            <a:picLocks noChangeAspect="1"/>
+          </p:cNvPicPr>
+          <p:nvPr/>
+        </p:nvPicPr>
+        <p:blipFill>
+          <a:blip r:embed="rId2"/>
+          <a:stretch>
+            <a:fillRect/>
+          </a:stretch>
+        </p:blipFill>
+        <p:spPr>
+          <a:xfrm>
+            <a:off x="6654190" y="393441"/>
+            <a:ext cx="4982270" cy="6277851"/>
+          </a:xfrm>
+          <a:prstGeom prst="rect">
+            <a:avLst/>
+          </a:prstGeom>
+        </p:spPr>
+      </p:pic>
+      <p:grpSp>
+        <p:nvGrpSpPr>
+          <p:cNvPr id="13" name="グループ化 12">
+            <a:extLst>
+              <a:ext uri="{FF2B5EF4-FFF2-40B4-BE49-F238E27FC236}">
+                <a16:creationId xmlns:a16="http://schemas.microsoft.com/office/drawing/2014/main" id="{5BF069E2-2D9A-4ADC-A40F-272061B82222}"/>
+              </a:ext>
+            </a:extLst>
+          </p:cNvPr>
+          <p:cNvGrpSpPr/>
+          <p:nvPr/>
+        </p:nvGrpSpPr>
+        <p:grpSpPr>
+          <a:xfrm>
+            <a:off x="1451712" y="898743"/>
+            <a:ext cx="5058481" cy="4782217"/>
+            <a:chOff x="1451712" y="898743"/>
+            <a:chExt cx="5058481" cy="4782217"/>
+          </a:xfrm>
+        </p:grpSpPr>
+        <p:pic>
+          <p:nvPicPr>
+            <p:cNvPr id="5" name="図 4">
+              <a:extLst>
+                <a:ext uri="{FF2B5EF4-FFF2-40B4-BE49-F238E27FC236}">
+                  <a16:creationId xmlns:a16="http://schemas.microsoft.com/office/drawing/2014/main" id="{7F5AAE51-4B64-4371-BD13-6BB9B3269E6E}"/>
+                </a:ext>
+              </a:extLst>
+            </p:cNvPr>
+            <p:cNvPicPr>
+              <a:picLocks noChangeAspect="1"/>
+            </p:cNvPicPr>
+            <p:nvPr/>
+          </p:nvPicPr>
+          <p:blipFill>
+            <a:blip r:embed="rId3"/>
+            <a:stretch>
+              <a:fillRect/>
+            </a:stretch>
+          </p:blipFill>
+          <p:spPr>
+            <a:xfrm>
+              <a:off x="1451712" y="898743"/>
+              <a:ext cx="5058481" cy="4782217"/>
+            </a:xfrm>
+            <a:prstGeom prst="rect">
+              <a:avLst/>
+            </a:prstGeom>
+          </p:spPr>
+        </p:pic>
+        <p:sp>
+          <p:nvSpPr>
+            <p:cNvPr id="7" name="正方形/長方形 6">
+              <a:extLst>
+                <a:ext uri="{FF2B5EF4-FFF2-40B4-BE49-F238E27FC236}">
+                  <a16:creationId xmlns:a16="http://schemas.microsoft.com/office/drawing/2014/main" id="{21EF74B3-A639-484F-B0AC-ED6384B7F765}"/>
+                </a:ext>
+              </a:extLst>
+            </p:cNvPr>
+            <p:cNvSpPr/>
+            <p:nvPr/>
+          </p:nvSpPr>
+          <p:spPr>
+            <a:xfrm>
+              <a:off x="1775792" y="2829339"/>
+              <a:ext cx="1675074" cy="382988"/>
+            </a:xfrm>
+            <a:prstGeom prst="rect">
+              <a:avLst/>
+            </a:prstGeom>
+            <a:noFill/>
+            <a:ln w="38100">
+              <a:solidFill>
+                <a:srgbClr val="FF0000"/>
+              </a:solidFill>
+            </a:ln>
+          </p:spPr>
+          <p:style>
+            <a:lnRef idx="2">
+              <a:schemeClr val="accent1">
+                <a:shade val="50000"/>
+              </a:schemeClr>
+            </a:lnRef>
+            <a:fillRef idx="1">
+              <a:schemeClr val="accent1"/>
+            </a:fillRef>
+            <a:effectRef idx="0">
+              <a:schemeClr val="accent1"/>
+            </a:effectRef>
+            <a:fontRef idx="minor">
+              <a:schemeClr val="lt1"/>
+            </a:fontRef>
+          </p:style>
+          <p:txBody>
+            <a:bodyPr rtlCol="0" anchor="ctr"/>
+            <a:lstStyle/>
+            <a:p>
+              <a:pPr algn="ctr"/>
+              <a:endParaRPr kumimoji="1" lang="ja-JP" altLang="en-US"/>
+            </a:p>
+          </p:txBody>
+        </p:sp>
+        <p:sp>
+          <p:nvSpPr>
+            <p:cNvPr id="8" name="正方形/長方形 7">
+              <a:extLst>
+                <a:ext uri="{FF2B5EF4-FFF2-40B4-BE49-F238E27FC236}">
+                  <a16:creationId xmlns:a16="http://schemas.microsoft.com/office/drawing/2014/main" id="{700FE201-2AC0-48FE-BFD5-778132E89BB6}"/>
+                </a:ext>
+              </a:extLst>
+            </p:cNvPr>
+            <p:cNvSpPr/>
+            <p:nvPr/>
+          </p:nvSpPr>
+          <p:spPr>
+            <a:xfrm>
+              <a:off x="1775792" y="3721210"/>
+              <a:ext cx="1675074" cy="382988"/>
+            </a:xfrm>
+            <a:prstGeom prst="rect">
+              <a:avLst/>
+            </a:prstGeom>
+            <a:noFill/>
+            <a:ln w="38100">
+              <a:solidFill>
+                <a:srgbClr val="FF0000"/>
+              </a:solidFill>
+            </a:ln>
+          </p:spPr>
+          <p:style>
+            <a:lnRef idx="2">
+              <a:schemeClr val="accent1">
+                <a:shade val="50000"/>
+              </a:schemeClr>
+            </a:lnRef>
+            <a:fillRef idx="1">
+              <a:schemeClr val="accent1"/>
+            </a:fillRef>
+            <a:effectRef idx="0">
+              <a:schemeClr val="accent1"/>
+            </a:effectRef>
+            <a:fontRef idx="minor">
+              <a:schemeClr val="lt1"/>
+            </a:fontRef>
+          </p:style>
+          <p:txBody>
+            <a:bodyPr rtlCol="0" anchor="ctr"/>
+            <a:lstStyle/>
+            <a:p>
+              <a:pPr algn="ctr"/>
+              <a:endParaRPr kumimoji="1" lang="ja-JP" altLang="en-US"/>
+            </a:p>
+          </p:txBody>
+        </p:sp>
+        <p:sp>
+          <p:nvSpPr>
+            <p:cNvPr id="9" name="正方形/長方形 8">
+              <a:extLst>
+                <a:ext uri="{FF2B5EF4-FFF2-40B4-BE49-F238E27FC236}">
+                  <a16:creationId xmlns:a16="http://schemas.microsoft.com/office/drawing/2014/main" id="{497F6D06-79EA-4874-9A57-4FA3673D5B88}"/>
+                </a:ext>
+              </a:extLst>
+            </p:cNvPr>
+            <p:cNvSpPr/>
+            <p:nvPr/>
+          </p:nvSpPr>
+          <p:spPr>
+            <a:xfrm>
+              <a:off x="1677725" y="4701085"/>
+              <a:ext cx="4571999" cy="590508"/>
+            </a:xfrm>
+            <a:prstGeom prst="rect">
+              <a:avLst/>
+            </a:prstGeom>
+            <a:noFill/>
+            <a:ln w="38100">
+              <a:solidFill>
+                <a:srgbClr val="FF0000"/>
+              </a:solidFill>
+            </a:ln>
+          </p:spPr>
+          <p:style>
+            <a:lnRef idx="2">
+              <a:schemeClr val="accent1">
+                <a:shade val="50000"/>
+              </a:schemeClr>
+            </a:lnRef>
+            <a:fillRef idx="1">
+              <a:schemeClr val="accent1"/>
+            </a:fillRef>
+            <a:effectRef idx="0">
+              <a:schemeClr val="accent1"/>
+            </a:effectRef>
+            <a:fontRef idx="minor">
+              <a:schemeClr val="lt1"/>
+            </a:fontRef>
+          </p:style>
+          <p:txBody>
+            <a:bodyPr rtlCol="0" anchor="ctr"/>
+            <a:lstStyle/>
+            <a:p>
+              <a:pPr algn="ctr"/>
+              <a:endParaRPr kumimoji="1" lang="ja-JP" altLang="en-US"/>
+            </a:p>
+          </p:txBody>
+        </p:sp>
+      </p:grpSp>
+      <p:sp>
+        <p:nvSpPr>
+          <p:cNvPr id="10" name="正方形/長方形 9">
+            <a:extLst>
+              <a:ext uri="{FF2B5EF4-FFF2-40B4-BE49-F238E27FC236}">
+                <a16:creationId xmlns:a16="http://schemas.microsoft.com/office/drawing/2014/main" id="{DAD2EF17-F1E8-41B4-8BCD-FE420A09057F}"/>
+              </a:ext>
+            </a:extLst>
+          </p:cNvPr>
+          <p:cNvSpPr/>
+          <p:nvPr/>
+        </p:nvSpPr>
+        <p:spPr>
+          <a:xfrm>
+            <a:off x="6859325" y="5748006"/>
+            <a:ext cx="4571999" cy="590508"/>
+          </a:xfrm>
+          <a:prstGeom prst="rect">
+            <a:avLst/>
+          </a:prstGeom>
+          <a:noFill/>
+          <a:ln w="38100">
+            <a:solidFill>
+              <a:srgbClr val="FF0000"/>
+            </a:solidFill>
+          </a:ln>
+        </p:spPr>
+        <p:style>
+          <a:lnRef idx="2">
+            <a:schemeClr val="accent1">
+              <a:shade val="50000"/>
+            </a:schemeClr>
+          </a:lnRef>
+          <a:fillRef idx="1">
+            <a:schemeClr val="accent1"/>
+          </a:fillRef>
+          <a:effectRef idx="0">
+            <a:schemeClr val="accent1"/>
+          </a:effectRef>
+          <a:fontRef idx="minor">
+            <a:schemeClr val="lt1"/>
+          </a:fontRef>
+        </p:style>
+        <p:txBody>
+          <a:bodyPr rtlCol="0" anchor="ctr"/>
+          <a:lstStyle/>
+          <a:p>
+            <a:pPr algn="ctr"/>
+            <a:endParaRPr kumimoji="1" lang="ja-JP" altLang="en-US"/>
+          </a:p>
+        </p:txBody>
+      </p:sp>
+      <p:sp>
+        <p:nvSpPr>
+          <p:cNvPr id="11" name="正方形/長方形 10">
+            <a:extLst>
+              <a:ext uri="{FF2B5EF4-FFF2-40B4-BE49-F238E27FC236}">
+                <a16:creationId xmlns:a16="http://schemas.microsoft.com/office/drawing/2014/main" id="{0324668F-8A90-4238-ACC0-B4F95E4F39D2}"/>
+              </a:ext>
+            </a:extLst>
+          </p:cNvPr>
+          <p:cNvSpPr/>
+          <p:nvPr/>
+        </p:nvSpPr>
+        <p:spPr>
+          <a:xfrm>
+            <a:off x="6859324" y="3262268"/>
+            <a:ext cx="4571999" cy="458942"/>
+          </a:xfrm>
+          <a:prstGeom prst="rect">
+            <a:avLst/>
+          </a:prstGeom>
+          <a:noFill/>
+          <a:ln w="38100">
+            <a:solidFill>
+              <a:srgbClr val="FF0000"/>
+            </a:solidFill>
+          </a:ln>
+        </p:spPr>
+        <p:style>
+          <a:lnRef idx="2">
+            <a:schemeClr val="accent1">
+              <a:shade val="50000"/>
+            </a:schemeClr>
+          </a:lnRef>
+          <a:fillRef idx="1">
+            <a:schemeClr val="accent1"/>
+          </a:fillRef>
+          <a:effectRef idx="0">
+            <a:schemeClr val="accent1"/>
+          </a:effectRef>
+          <a:fontRef idx="minor">
+            <a:schemeClr val="lt1"/>
+          </a:fontRef>
+        </p:style>
+        <p:txBody>
+          <a:bodyPr rtlCol="0" anchor="ctr"/>
+          <a:lstStyle/>
+          <a:p>
+            <a:pPr algn="ctr"/>
+            <a:endParaRPr kumimoji="1" lang="ja-JP" altLang="en-US"/>
+          </a:p>
+        </p:txBody>
+      </p:sp>
+      <p:sp>
+        <p:nvSpPr>
+          <p:cNvPr id="12" name="正方形/長方形 11">
+            <a:extLst>
+              <a:ext uri="{FF2B5EF4-FFF2-40B4-BE49-F238E27FC236}">
+                <a16:creationId xmlns:a16="http://schemas.microsoft.com/office/drawing/2014/main" id="{E9A4B1D6-1B39-44CC-B011-62DC82336F0A}"/>
+              </a:ext>
+            </a:extLst>
+          </p:cNvPr>
+          <p:cNvSpPr/>
+          <p:nvPr/>
+        </p:nvSpPr>
+        <p:spPr>
+          <a:xfrm>
+            <a:off x="6859323" y="4412556"/>
+            <a:ext cx="4571999" cy="458942"/>
+          </a:xfrm>
+          <a:prstGeom prst="rect">
+            <a:avLst/>
+          </a:prstGeom>
+          <a:noFill/>
+          <a:ln w="38100">
+            <a:solidFill>
+              <a:srgbClr val="FF0000"/>
+            </a:solidFill>
+          </a:ln>
+        </p:spPr>
+        <p:style>
+          <a:lnRef idx="2">
+            <a:schemeClr val="accent1">
+              <a:shade val="50000"/>
+            </a:schemeClr>
+          </a:lnRef>
+          <a:fillRef idx="1">
+            <a:schemeClr val="accent1"/>
+          </a:fillRef>
+          <a:effectRef idx="0">
+            <a:schemeClr val="accent1"/>
+          </a:effectRef>
+          <a:fontRef idx="minor">
+            <a:schemeClr val="lt1"/>
+          </a:fontRef>
+        </p:style>
+        <p:txBody>
+          <a:bodyPr rtlCol="0" anchor="ctr"/>
+          <a:lstStyle/>
+          <a:p>
+            <a:pPr algn="ctr"/>
+            <a:endParaRPr kumimoji="1" lang="ja-JP" altLang="en-US"/>
+          </a:p>
+        </p:txBody>
+      </p:sp>
+    </p:spTree>
+    <p:extLst>
+      <p:ext uri="{BB962C8B-B14F-4D97-AF65-F5344CB8AC3E}">
+        <p14:creationId xmlns:p14="http://schemas.microsoft.com/office/powerpoint/2010/main" val="3174681991"/>
+      </p:ext>
+    </p:extLst>
+  </p:cSld>
+  <p:clrMapOvr>
+    <a:masterClrMapping/>
+  </p:clrMapOvr>
+</p:sld>
+</file>
+
+<file path=ppt/slides/slide5.xml><?xml version="1.0" encoding="utf-8"?>
+<p:sld xmlns:a="http://schemas.openxmlformats.org/drawingml/2006/main" xmlns:r="http://schemas.openxmlformats.org/officeDocument/2006/relationships" xmlns:p="http://schemas.openxmlformats.org/presentationml/2006/main">
+  <p:cSld>
+    <p:spTree>
+      <p:nvGrpSpPr>
+        <p:cNvPr id="1" name=""/>
+        <p:cNvGrpSpPr/>
+        <p:nvPr/>
+      </p:nvGrpSpPr>
+      <p:grpSpPr>
+        <a:xfrm>
+          <a:off x="0" y="0"/>
+          <a:ext cx="0" cy="0"/>
+          <a:chOff x="0" y="0"/>
+          <a:chExt cx="0" cy="0"/>
+        </a:xfrm>
+      </p:grpSpPr>
+      <p:pic>
+        <p:nvPicPr>
+          <p:cNvPr id="4" name="図 3">
+            <a:extLst>
+              <a:ext uri="{FF2B5EF4-FFF2-40B4-BE49-F238E27FC236}">
+                <a16:creationId xmlns:a16="http://schemas.microsoft.com/office/drawing/2014/main" id="{918C95B7-5142-4702-9066-8C027A276D07}"/>
+              </a:ext>
+            </a:extLst>
+          </p:cNvPr>
+          <p:cNvPicPr>
+            <a:picLocks noChangeAspect="1"/>
+          </p:cNvPicPr>
+          <p:nvPr/>
+        </p:nvPicPr>
+        <p:blipFill>
+          <a:blip r:embed="rId2"/>
+          <a:stretch>
+            <a:fillRect/>
+          </a:stretch>
+        </p:blipFill>
+        <p:spPr>
+          <a:xfrm>
+            <a:off x="0" y="2224636"/>
+            <a:ext cx="12192000" cy="2408727"/>
+          </a:xfrm>
+          <a:prstGeom prst="rect">
+            <a:avLst/>
+          </a:prstGeom>
+        </p:spPr>
+      </p:pic>
+    </p:spTree>
+    <p:extLst>
+      <p:ext uri="{BB962C8B-B14F-4D97-AF65-F5344CB8AC3E}">
+        <p14:creationId xmlns:p14="http://schemas.microsoft.com/office/powerpoint/2010/main" val="1653271136"/>
+      </p:ext>
+    </p:extLst>
+  </p:cSld>
+  <p:clrMapOvr>
+    <a:masterClrMapping/>
+  </p:clrMapOvr>
+</p:sld>
+</file>
+
+<file path=ppt/slides/slide6.xml><?xml version="1.0" encoding="utf-8"?>
+<p:sld xmlns:a="http://schemas.openxmlformats.org/drawingml/2006/main" xmlns:r="http://schemas.openxmlformats.org/officeDocument/2006/relationships" xmlns:p="http://schemas.openxmlformats.org/presentationml/2006/main">
+  <p:cSld>
+    <p:spTree>
+      <p:nvGrpSpPr>
+        <p:cNvPr id="1" name=""/>
+        <p:cNvGrpSpPr/>
+        <p:nvPr/>
+      </p:nvGrpSpPr>
+      <p:grpSpPr>
+        <a:xfrm>
+          <a:off x="0" y="0"/>
+          <a:ext cx="0" cy="0"/>
+          <a:chOff x="0" y="0"/>
+          <a:chExt cx="0" cy="0"/>
+        </a:xfrm>
+      </p:grpSpPr>
+      <p:pic>
+        <p:nvPicPr>
+          <p:cNvPr id="4" name="図 3">
+            <a:extLst>
+              <a:ext uri="{FF2B5EF4-FFF2-40B4-BE49-F238E27FC236}">
+                <a16:creationId xmlns:a16="http://schemas.microsoft.com/office/drawing/2014/main" id="{2C801006-A26D-437A-9071-93098FC345AE}"/>
+              </a:ext>
+            </a:extLst>
+          </p:cNvPr>
+          <p:cNvPicPr>
+            <a:picLocks noChangeAspect="1"/>
+          </p:cNvPicPr>
+          <p:nvPr/>
+        </p:nvPicPr>
+        <p:blipFill>
+          <a:blip r:embed="rId2"/>
+          <a:stretch>
+            <a:fillRect/>
+          </a:stretch>
+        </p:blipFill>
+        <p:spPr>
+          <a:xfrm>
+            <a:off x="0" y="2339687"/>
+            <a:ext cx="12192000" cy="2178626"/>
+          </a:xfrm>
+          <a:prstGeom prst="rect">
+            <a:avLst/>
+          </a:prstGeom>
+        </p:spPr>
+      </p:pic>
+    </p:spTree>
+    <p:extLst>
+      <p:ext uri="{BB962C8B-B14F-4D97-AF65-F5344CB8AC3E}">
+        <p14:creationId xmlns:p14="http://schemas.microsoft.com/office/powerpoint/2010/main" val="4085935609"/>
+      </p:ext>
+    </p:extLst>
+  </p:cSld>
+  <p:clrMapOvr>
+    <a:masterClrMapping/>
+  </p:clrMapOvr>
+</p:sld>
+</file>
+
+<file path=ppt/slides/slide7.xml><?xml version="1.0" encoding="utf-8"?>
+<p:sld xmlns:a="http://schemas.openxmlformats.org/drawingml/2006/main" xmlns:r="http://schemas.openxmlformats.org/officeDocument/2006/relationships" xmlns:p="http://schemas.openxmlformats.org/presentationml/2006/main">
+  <p:cSld>
+    <p:spTree>
+      <p:nvGrpSpPr>
+        <p:cNvPr id="1" name=""/>
+        <p:cNvGrpSpPr/>
+        <p:nvPr/>
+      </p:nvGrpSpPr>
+      <p:grpSpPr>
+        <a:xfrm>
+          <a:off x="0" y="0"/>
+          <a:ext cx="0" cy="0"/>
+          <a:chOff x="0" y="0"/>
+          <a:chExt cx="0" cy="0"/>
+        </a:xfrm>
+      </p:grpSpPr>
+      <p:pic>
+        <p:nvPicPr>
+          <p:cNvPr id="4" name="図 3">
+            <a:extLst>
+              <a:ext uri="{FF2B5EF4-FFF2-40B4-BE49-F238E27FC236}">
+                <a16:creationId xmlns:a16="http://schemas.microsoft.com/office/drawing/2014/main" id="{644CC47E-B79A-48AB-BE1F-E7C0565758E4}"/>
+              </a:ext>
+            </a:extLst>
+          </p:cNvPr>
+          <p:cNvPicPr>
+            <a:picLocks noChangeAspect="1"/>
+          </p:cNvPicPr>
+          <p:nvPr/>
+        </p:nvPicPr>
+        <p:blipFill>
+          <a:blip r:embed="rId2"/>
+          <a:stretch>
+            <a:fillRect/>
+          </a:stretch>
+        </p:blipFill>
+        <p:spPr>
+          <a:xfrm>
+            <a:off x="3324112" y="0"/>
+            <a:ext cx="5543776" cy="6858000"/>
+          </a:xfrm>
+          <a:prstGeom prst="rect">
+            <a:avLst/>
+          </a:prstGeom>
+        </p:spPr>
+      </p:pic>
+    </p:spTree>
+    <p:extLst>
+      <p:ext uri="{BB962C8B-B14F-4D97-AF65-F5344CB8AC3E}">
+        <p14:creationId xmlns:p14="http://schemas.microsoft.com/office/powerpoint/2010/main" val="1133026444"/>
+      </p:ext>
+    </p:extLst>
+  </p:cSld>
+  <p:clrMapOvr>
+    <a:masterClrMapping/>
+  </p:clrMapOvr>
+</p:sld>
+</file>
+
+<file path=ppt/slides/slide8.xml><?xml version="1.0" encoding="utf-8"?>
+<p:sld xmlns:a="http://schemas.openxmlformats.org/drawingml/2006/main" xmlns:r="http://schemas.openxmlformats.org/officeDocument/2006/relationships" xmlns:p="http://schemas.openxmlformats.org/presentationml/2006/main">
+  <p:cSld>
+    <p:spTree>
+      <p:nvGrpSpPr>
+        <p:cNvPr id="1" name=""/>
+        <p:cNvGrpSpPr/>
+        <p:nvPr/>
+      </p:nvGrpSpPr>
+      <p:grpSpPr>
+        <a:xfrm>
+          <a:off x="0" y="0"/>
+          <a:ext cx="0" cy="0"/>
+          <a:chOff x="0" y="0"/>
+          <a:chExt cx="0" cy="0"/>
+        </a:xfrm>
+      </p:grpSpPr>
+      <p:pic>
+        <p:nvPicPr>
+          <p:cNvPr id="4" name="図 3">
+            <a:extLst>
+              <a:ext uri="{FF2B5EF4-FFF2-40B4-BE49-F238E27FC236}">
+                <a16:creationId xmlns:a16="http://schemas.microsoft.com/office/drawing/2014/main" id="{497E6AB7-E682-4515-8522-C0007CE2355B}"/>
+              </a:ext>
+            </a:extLst>
+          </p:cNvPr>
+          <p:cNvPicPr>
+            <a:picLocks noChangeAspect="1"/>
+          </p:cNvPicPr>
+          <p:nvPr/>
+        </p:nvPicPr>
+        <p:blipFill>
+          <a:blip r:embed="rId2"/>
+          <a:stretch>
+            <a:fillRect/>
+          </a:stretch>
+        </p:blipFill>
+        <p:spPr>
+          <a:xfrm>
+            <a:off x="398794" y="0"/>
+            <a:ext cx="5128783" cy="6858000"/>
+          </a:xfrm>
+          <a:prstGeom prst="rect">
+            <a:avLst/>
+          </a:prstGeom>
+        </p:spPr>
+      </p:pic>
+      <p:pic>
+        <p:nvPicPr>
+          <p:cNvPr id="5" name="図 4">
+            <a:extLst>
+              <a:ext uri="{FF2B5EF4-FFF2-40B4-BE49-F238E27FC236}">
+                <a16:creationId xmlns:a16="http://schemas.microsoft.com/office/drawing/2014/main" id="{005C5993-B335-40B6-B917-74BD2A158FC6}"/>
+              </a:ext>
+            </a:extLst>
+          </p:cNvPr>
+          <p:cNvPicPr>
+            <a:picLocks noChangeAspect="1"/>
+          </p:cNvPicPr>
+          <p:nvPr/>
+        </p:nvPicPr>
+        <p:blipFill>
+          <a:blip r:embed="rId3"/>
+          <a:stretch>
+            <a:fillRect/>
+          </a:stretch>
+        </p:blipFill>
+        <p:spPr>
+          <a:xfrm>
+            <a:off x="6227100" y="637925"/>
+            <a:ext cx="5128783" cy="1495293"/>
+          </a:xfrm>
+          <a:prstGeom prst="rect">
+            <a:avLst/>
+          </a:prstGeom>
+        </p:spPr>
+      </p:pic>
+    </p:spTree>
+    <p:extLst>
+      <p:ext uri="{BB962C8B-B14F-4D97-AF65-F5344CB8AC3E}">
+        <p14:creationId xmlns:p14="http://schemas.microsoft.com/office/powerpoint/2010/main" val="4020901204"/>
+      </p:ext>
+    </p:extLst>
+  </p:cSld>
+  <p:clrMapOvr>
+    <a:masterClrMapping/>
+  </p:clrMapOvr>
+</p:sld>
+</file>
+
+<file path=ppt/slides/slide9.xml><?xml version="1.0" encoding="utf-8"?>
+<p:sld xmlns:a="http://schemas.openxmlformats.org/drawingml/2006/main" xmlns:r="http://schemas.openxmlformats.org/officeDocument/2006/relationships" xmlns:p="http://schemas.openxmlformats.org/presentationml/2006/main">
+  <p:cSld>
+    <p:spTree>
+      <p:nvGrpSpPr>
+        <p:cNvPr id="1" name=""/>
+        <p:cNvGrpSpPr/>
+        <p:nvPr/>
+      </p:nvGrpSpPr>
+      <p:grpSpPr>
+        <a:xfrm>
+          <a:off x="0" y="0"/>
+          <a:ext cx="0" cy="0"/>
+          <a:chOff x="0" y="0"/>
+          <a:chExt cx="0" cy="0"/>
+        </a:xfrm>
+      </p:grpSpPr>
       <p:pic>
         <p:nvPicPr>
           <p:cNvPr id="4" name="図 3">
@@ -3700,1138 +6309,6 @@
     <p:extLst>
       <p:ext uri="{BB962C8B-B14F-4D97-AF65-F5344CB8AC3E}">
         <p14:creationId xmlns:p14="http://schemas.microsoft.com/office/powerpoint/2010/main" val="584013304"/>
-      </p:ext>
-    </p:extLst>
-  </p:cSld>
-  <p:clrMapOvr>
-    <a:masterClrMapping/>
-  </p:clrMapOvr>
-</p:sld>
-</file>
-
-<file path=ppt/slides/slide2.xml><?xml version="1.0" encoding="utf-8"?>
-<p:sld xmlns:a="http://schemas.openxmlformats.org/drawingml/2006/main" xmlns:r="http://schemas.openxmlformats.org/officeDocument/2006/relationships" xmlns:p="http://schemas.openxmlformats.org/presentationml/2006/main">
-  <p:cSld>
-    <p:spTree>
-      <p:nvGrpSpPr>
-        <p:cNvPr id="1" name=""/>
-        <p:cNvGrpSpPr/>
-        <p:nvPr/>
-      </p:nvGrpSpPr>
-      <p:grpSpPr>
-        <a:xfrm>
-          <a:off x="0" y="0"/>
-          <a:ext cx="0" cy="0"/>
-          <a:chOff x="0" y="0"/>
-          <a:chExt cx="0" cy="0"/>
-        </a:xfrm>
-      </p:grpSpPr>
-      <p:pic>
-        <p:nvPicPr>
-          <p:cNvPr id="4" name="図 3">
-            <a:extLst>
-              <a:ext uri="{FF2B5EF4-FFF2-40B4-BE49-F238E27FC236}">
-                <a16:creationId xmlns:a16="http://schemas.microsoft.com/office/drawing/2014/main" id="{2EF13CF4-797B-4831-A78B-5E7618CEAA9E}"/>
-              </a:ext>
-            </a:extLst>
-          </p:cNvPr>
-          <p:cNvPicPr>
-            <a:picLocks noChangeAspect="1"/>
-          </p:cNvPicPr>
-          <p:nvPr/>
-        </p:nvPicPr>
-        <p:blipFill>
-          <a:blip r:embed="rId2"/>
-          <a:stretch>
-            <a:fillRect/>
-          </a:stretch>
-        </p:blipFill>
-        <p:spPr>
-          <a:xfrm>
-            <a:off x="3509601" y="1542787"/>
-            <a:ext cx="5172797" cy="3772426"/>
-          </a:xfrm>
-          <a:prstGeom prst="rect">
-            <a:avLst/>
-          </a:prstGeom>
-        </p:spPr>
-      </p:pic>
-      <p:sp>
-        <p:nvSpPr>
-          <p:cNvPr id="5" name="正方形/長方形 4">
-            <a:extLst>
-              <a:ext uri="{FF2B5EF4-FFF2-40B4-BE49-F238E27FC236}">
-                <a16:creationId xmlns:a16="http://schemas.microsoft.com/office/drawing/2014/main" id="{C8165921-CF43-4364-8571-5D92A20D3EF2}"/>
-              </a:ext>
-            </a:extLst>
-          </p:cNvPr>
-          <p:cNvSpPr/>
-          <p:nvPr/>
-        </p:nvSpPr>
-        <p:spPr>
-          <a:xfrm>
-            <a:off x="3860358" y="4731026"/>
-            <a:ext cx="1959997" cy="274320"/>
-          </a:xfrm>
-          <a:prstGeom prst="rect">
-            <a:avLst/>
-          </a:prstGeom>
-          <a:noFill/>
-          <a:ln w="38100">
-            <a:solidFill>
-              <a:srgbClr val="FF0000"/>
-            </a:solidFill>
-          </a:ln>
-        </p:spPr>
-        <p:style>
-          <a:lnRef idx="2">
-            <a:schemeClr val="accent1">
-              <a:shade val="50000"/>
-            </a:schemeClr>
-          </a:lnRef>
-          <a:fillRef idx="1">
-            <a:schemeClr val="accent1"/>
-          </a:fillRef>
-          <a:effectRef idx="0">
-            <a:schemeClr val="accent1"/>
-          </a:effectRef>
-          <a:fontRef idx="minor">
-            <a:schemeClr val="lt1"/>
-          </a:fontRef>
-        </p:style>
-        <p:txBody>
-          <a:bodyPr rtlCol="0" anchor="ctr"/>
-          <a:lstStyle/>
-          <a:p>
-            <a:pPr algn="ctr"/>
-            <a:endParaRPr kumimoji="1" lang="ja-JP" altLang="en-US"/>
-          </a:p>
-        </p:txBody>
-      </p:sp>
-    </p:spTree>
-    <p:extLst>
-      <p:ext uri="{BB962C8B-B14F-4D97-AF65-F5344CB8AC3E}">
-        <p14:creationId xmlns:p14="http://schemas.microsoft.com/office/powerpoint/2010/main" val="3340878889"/>
-      </p:ext>
-    </p:extLst>
-  </p:cSld>
-  <p:clrMapOvr>
-    <a:masterClrMapping/>
-  </p:clrMapOvr>
-</p:sld>
-</file>
-
-<file path=ppt/slides/slide3.xml><?xml version="1.0" encoding="utf-8"?>
-<p:sld xmlns:a="http://schemas.openxmlformats.org/drawingml/2006/main" xmlns:r="http://schemas.openxmlformats.org/officeDocument/2006/relationships" xmlns:p="http://schemas.openxmlformats.org/presentationml/2006/main">
-  <p:cSld>
-    <p:spTree>
-      <p:nvGrpSpPr>
-        <p:cNvPr id="1" name=""/>
-        <p:cNvGrpSpPr/>
-        <p:nvPr/>
-      </p:nvGrpSpPr>
-      <p:grpSpPr>
-        <a:xfrm>
-          <a:off x="0" y="0"/>
-          <a:ext cx="0" cy="0"/>
-          <a:chOff x="0" y="0"/>
-          <a:chExt cx="0" cy="0"/>
-        </a:xfrm>
-      </p:grpSpPr>
-      <p:pic>
-        <p:nvPicPr>
-          <p:cNvPr id="4" name="図 3">
-            <a:extLst>
-              <a:ext uri="{FF2B5EF4-FFF2-40B4-BE49-F238E27FC236}">
-                <a16:creationId xmlns:a16="http://schemas.microsoft.com/office/drawing/2014/main" id="{9B28616A-E80C-4FCD-88FD-40C35AB68C78}"/>
-              </a:ext>
-            </a:extLst>
-          </p:cNvPr>
-          <p:cNvPicPr>
-            <a:picLocks noChangeAspect="1"/>
-          </p:cNvPicPr>
-          <p:nvPr/>
-        </p:nvPicPr>
-        <p:blipFill>
-          <a:blip r:embed="rId2"/>
-          <a:stretch>
-            <a:fillRect/>
-          </a:stretch>
-        </p:blipFill>
-        <p:spPr>
-          <a:xfrm>
-            <a:off x="2561732" y="1023602"/>
-            <a:ext cx="7068536" cy="4810796"/>
-          </a:xfrm>
-          <a:prstGeom prst="rect">
-            <a:avLst/>
-          </a:prstGeom>
-        </p:spPr>
-      </p:pic>
-      <p:sp>
-        <p:nvSpPr>
-          <p:cNvPr id="5" name="正方形/長方形 4">
-            <a:extLst>
-              <a:ext uri="{FF2B5EF4-FFF2-40B4-BE49-F238E27FC236}">
-                <a16:creationId xmlns:a16="http://schemas.microsoft.com/office/drawing/2014/main" id="{8BBCC175-9761-4818-937C-E77A7065E919}"/>
-              </a:ext>
-            </a:extLst>
-          </p:cNvPr>
-          <p:cNvSpPr/>
-          <p:nvPr/>
-        </p:nvSpPr>
-        <p:spPr>
-          <a:xfrm>
-            <a:off x="3049325" y="2548393"/>
-            <a:ext cx="1228477" cy="274320"/>
-          </a:xfrm>
-          <a:prstGeom prst="rect">
-            <a:avLst/>
-          </a:prstGeom>
-          <a:noFill/>
-          <a:ln w="38100">
-            <a:solidFill>
-              <a:srgbClr val="FF0000"/>
-            </a:solidFill>
-          </a:ln>
-        </p:spPr>
-        <p:style>
-          <a:lnRef idx="2">
-            <a:schemeClr val="accent1">
-              <a:shade val="50000"/>
-            </a:schemeClr>
-          </a:lnRef>
-          <a:fillRef idx="1">
-            <a:schemeClr val="accent1"/>
-          </a:fillRef>
-          <a:effectRef idx="0">
-            <a:schemeClr val="accent1"/>
-          </a:effectRef>
-          <a:fontRef idx="minor">
-            <a:schemeClr val="lt1"/>
-          </a:fontRef>
-        </p:style>
-        <p:txBody>
-          <a:bodyPr rtlCol="0" anchor="ctr"/>
-          <a:lstStyle/>
-          <a:p>
-            <a:pPr algn="ctr"/>
-            <a:endParaRPr kumimoji="1" lang="ja-JP" altLang="en-US"/>
-          </a:p>
-        </p:txBody>
-      </p:sp>
-      <p:sp>
-        <p:nvSpPr>
-          <p:cNvPr id="6" name="正方形/長方形 5">
-            <a:extLst>
-              <a:ext uri="{FF2B5EF4-FFF2-40B4-BE49-F238E27FC236}">
-                <a16:creationId xmlns:a16="http://schemas.microsoft.com/office/drawing/2014/main" id="{C17F615D-0D82-4E88-B5B6-D84DB62E82BD}"/>
-              </a:ext>
-            </a:extLst>
-          </p:cNvPr>
-          <p:cNvSpPr/>
-          <p:nvPr/>
-        </p:nvSpPr>
-        <p:spPr>
-          <a:xfrm>
-            <a:off x="2802836" y="4878125"/>
-            <a:ext cx="1959996" cy="385638"/>
-          </a:xfrm>
-          <a:prstGeom prst="rect">
-            <a:avLst/>
-          </a:prstGeom>
-          <a:noFill/>
-          <a:ln w="38100">
-            <a:solidFill>
-              <a:srgbClr val="FF0000"/>
-            </a:solidFill>
-          </a:ln>
-        </p:spPr>
-        <p:style>
-          <a:lnRef idx="2">
-            <a:schemeClr val="accent1">
-              <a:shade val="50000"/>
-            </a:schemeClr>
-          </a:lnRef>
-          <a:fillRef idx="1">
-            <a:schemeClr val="accent1"/>
-          </a:fillRef>
-          <a:effectRef idx="0">
-            <a:schemeClr val="accent1"/>
-          </a:effectRef>
-          <a:fontRef idx="minor">
-            <a:schemeClr val="lt1"/>
-          </a:fontRef>
-        </p:style>
-        <p:txBody>
-          <a:bodyPr rtlCol="0" anchor="ctr"/>
-          <a:lstStyle/>
-          <a:p>
-            <a:pPr algn="ctr"/>
-            <a:endParaRPr kumimoji="1" lang="ja-JP" altLang="en-US"/>
-          </a:p>
-        </p:txBody>
-      </p:sp>
-    </p:spTree>
-    <p:extLst>
-      <p:ext uri="{BB962C8B-B14F-4D97-AF65-F5344CB8AC3E}">
-        <p14:creationId xmlns:p14="http://schemas.microsoft.com/office/powerpoint/2010/main" val="1482458015"/>
-      </p:ext>
-    </p:extLst>
-  </p:cSld>
-  <p:clrMapOvr>
-    <a:masterClrMapping/>
-  </p:clrMapOvr>
-</p:sld>
-</file>
-
-<file path=ppt/slides/slide4.xml><?xml version="1.0" encoding="utf-8"?>
-<p:sld xmlns:a="http://schemas.openxmlformats.org/drawingml/2006/main" xmlns:r="http://schemas.openxmlformats.org/officeDocument/2006/relationships" xmlns:p="http://schemas.openxmlformats.org/presentationml/2006/main">
-  <p:cSld>
-    <p:spTree>
-      <p:nvGrpSpPr>
-        <p:cNvPr id="1" name=""/>
-        <p:cNvGrpSpPr/>
-        <p:nvPr/>
-      </p:nvGrpSpPr>
-      <p:grpSpPr>
-        <a:xfrm>
-          <a:off x="0" y="0"/>
-          <a:ext cx="0" cy="0"/>
-          <a:chOff x="0" y="0"/>
-          <a:chExt cx="0" cy="0"/>
-        </a:xfrm>
-      </p:grpSpPr>
-      <p:pic>
-        <p:nvPicPr>
-          <p:cNvPr id="4" name="図 3">
-            <a:extLst>
-              <a:ext uri="{FF2B5EF4-FFF2-40B4-BE49-F238E27FC236}">
-                <a16:creationId xmlns:a16="http://schemas.microsoft.com/office/drawing/2014/main" id="{00940DA8-109E-4690-9FA9-D3988391DC3B}"/>
-              </a:ext>
-            </a:extLst>
-          </p:cNvPr>
-          <p:cNvPicPr>
-            <a:picLocks noChangeAspect="1"/>
-          </p:cNvPicPr>
-          <p:nvPr/>
-        </p:nvPicPr>
-        <p:blipFill>
-          <a:blip r:embed="rId2"/>
-          <a:stretch>
-            <a:fillRect/>
-          </a:stretch>
-        </p:blipFill>
-        <p:spPr>
-          <a:xfrm>
-            <a:off x="4215197" y="0"/>
-            <a:ext cx="3761605" cy="6858000"/>
-          </a:xfrm>
-          <a:prstGeom prst="rect">
-            <a:avLst/>
-          </a:prstGeom>
-        </p:spPr>
-      </p:pic>
-      <p:sp>
-        <p:nvSpPr>
-          <p:cNvPr id="5" name="正方形/長方形 4">
-            <a:extLst>
-              <a:ext uri="{FF2B5EF4-FFF2-40B4-BE49-F238E27FC236}">
-                <a16:creationId xmlns:a16="http://schemas.microsoft.com/office/drawing/2014/main" id="{03113724-9BA0-40D8-86CE-1FB8711C4B50}"/>
-              </a:ext>
-            </a:extLst>
-          </p:cNvPr>
-          <p:cNvSpPr/>
-          <p:nvPr/>
-        </p:nvSpPr>
-        <p:spPr>
-          <a:xfrm>
-            <a:off x="5561938" y="2532491"/>
-            <a:ext cx="846814" cy="186855"/>
-          </a:xfrm>
-          <a:prstGeom prst="rect">
-            <a:avLst/>
-          </a:prstGeom>
-          <a:noFill/>
-          <a:ln w="38100">
-            <a:solidFill>
-              <a:srgbClr val="FF0000"/>
-            </a:solidFill>
-          </a:ln>
-        </p:spPr>
-        <p:style>
-          <a:lnRef idx="2">
-            <a:schemeClr val="accent1">
-              <a:shade val="50000"/>
-            </a:schemeClr>
-          </a:lnRef>
-          <a:fillRef idx="1">
-            <a:schemeClr val="accent1"/>
-          </a:fillRef>
-          <a:effectRef idx="0">
-            <a:schemeClr val="accent1"/>
-          </a:effectRef>
-          <a:fontRef idx="minor">
-            <a:schemeClr val="lt1"/>
-          </a:fontRef>
-        </p:style>
-        <p:txBody>
-          <a:bodyPr rtlCol="0" anchor="ctr"/>
-          <a:lstStyle/>
-          <a:p>
-            <a:pPr algn="ctr"/>
-            <a:endParaRPr kumimoji="1" lang="ja-JP" altLang="en-US"/>
-          </a:p>
-        </p:txBody>
-      </p:sp>
-      <p:sp>
-        <p:nvSpPr>
-          <p:cNvPr id="6" name="正方形/長方形 5">
-            <a:extLst>
-              <a:ext uri="{FF2B5EF4-FFF2-40B4-BE49-F238E27FC236}">
-                <a16:creationId xmlns:a16="http://schemas.microsoft.com/office/drawing/2014/main" id="{9FEE2B9C-7B57-42EC-97AA-DF97ED279BDB}"/>
-              </a:ext>
-            </a:extLst>
-          </p:cNvPr>
-          <p:cNvSpPr/>
-          <p:nvPr/>
-        </p:nvSpPr>
-        <p:spPr>
-          <a:xfrm>
-            <a:off x="4370567" y="3030772"/>
-            <a:ext cx="1906987" cy="186855"/>
-          </a:xfrm>
-          <a:prstGeom prst="rect">
-            <a:avLst/>
-          </a:prstGeom>
-          <a:noFill/>
-          <a:ln w="38100">
-            <a:solidFill>
-              <a:srgbClr val="FF0000"/>
-            </a:solidFill>
-          </a:ln>
-        </p:spPr>
-        <p:style>
-          <a:lnRef idx="2">
-            <a:schemeClr val="accent1">
-              <a:shade val="50000"/>
-            </a:schemeClr>
-          </a:lnRef>
-          <a:fillRef idx="1">
-            <a:schemeClr val="accent1"/>
-          </a:fillRef>
-          <a:effectRef idx="0">
-            <a:schemeClr val="accent1"/>
-          </a:effectRef>
-          <a:fontRef idx="minor">
-            <a:schemeClr val="lt1"/>
-          </a:fontRef>
-        </p:style>
-        <p:txBody>
-          <a:bodyPr rtlCol="0" anchor="ctr"/>
-          <a:lstStyle/>
-          <a:p>
-            <a:pPr algn="ctr"/>
-            <a:endParaRPr kumimoji="1" lang="ja-JP" altLang="en-US"/>
-          </a:p>
-        </p:txBody>
-      </p:sp>
-      <p:sp>
-        <p:nvSpPr>
-          <p:cNvPr id="7" name="正方形/長方形 6">
-            <a:extLst>
-              <a:ext uri="{FF2B5EF4-FFF2-40B4-BE49-F238E27FC236}">
-                <a16:creationId xmlns:a16="http://schemas.microsoft.com/office/drawing/2014/main" id="{AEF36830-6070-4CC4-A174-78C807F4334D}"/>
-              </a:ext>
-            </a:extLst>
-          </p:cNvPr>
-          <p:cNvSpPr/>
-          <p:nvPr/>
-        </p:nvSpPr>
-        <p:spPr>
-          <a:xfrm>
-            <a:off x="4370566" y="3896139"/>
-            <a:ext cx="1580985" cy="155051"/>
-          </a:xfrm>
-          <a:prstGeom prst="rect">
-            <a:avLst/>
-          </a:prstGeom>
-          <a:noFill/>
-          <a:ln w="38100">
-            <a:solidFill>
-              <a:srgbClr val="FF0000"/>
-            </a:solidFill>
-          </a:ln>
-        </p:spPr>
-        <p:style>
-          <a:lnRef idx="2">
-            <a:schemeClr val="accent1">
-              <a:shade val="50000"/>
-            </a:schemeClr>
-          </a:lnRef>
-          <a:fillRef idx="1">
-            <a:schemeClr val="accent1"/>
-          </a:fillRef>
-          <a:effectRef idx="0">
-            <a:schemeClr val="accent1"/>
-          </a:effectRef>
-          <a:fontRef idx="minor">
-            <a:schemeClr val="lt1"/>
-          </a:fontRef>
-        </p:style>
-        <p:txBody>
-          <a:bodyPr rtlCol="0" anchor="ctr"/>
-          <a:lstStyle/>
-          <a:p>
-            <a:pPr algn="ctr"/>
-            <a:endParaRPr kumimoji="1" lang="ja-JP" altLang="en-US"/>
-          </a:p>
-        </p:txBody>
-      </p:sp>
-      <p:sp>
-        <p:nvSpPr>
-          <p:cNvPr id="8" name="正方形/長方形 7">
-            <a:extLst>
-              <a:ext uri="{FF2B5EF4-FFF2-40B4-BE49-F238E27FC236}">
-                <a16:creationId xmlns:a16="http://schemas.microsoft.com/office/drawing/2014/main" id="{0B7F6484-F1EB-4575-92F2-5EFE7E278E18}"/>
-              </a:ext>
-            </a:extLst>
-          </p:cNvPr>
-          <p:cNvSpPr/>
-          <p:nvPr/>
-        </p:nvSpPr>
-        <p:spPr>
-          <a:xfrm>
-            <a:off x="4370566" y="4215516"/>
-            <a:ext cx="1580985" cy="113969"/>
-          </a:xfrm>
-          <a:prstGeom prst="rect">
-            <a:avLst/>
-          </a:prstGeom>
-          <a:noFill/>
-          <a:ln w="38100">
-            <a:solidFill>
-              <a:srgbClr val="FF0000"/>
-            </a:solidFill>
-          </a:ln>
-        </p:spPr>
-        <p:style>
-          <a:lnRef idx="2">
-            <a:schemeClr val="accent1">
-              <a:shade val="50000"/>
-            </a:schemeClr>
-          </a:lnRef>
-          <a:fillRef idx="1">
-            <a:schemeClr val="accent1"/>
-          </a:fillRef>
-          <a:effectRef idx="0">
-            <a:schemeClr val="accent1"/>
-          </a:effectRef>
-          <a:fontRef idx="minor">
-            <a:schemeClr val="lt1"/>
-          </a:fontRef>
-        </p:style>
-        <p:txBody>
-          <a:bodyPr rtlCol="0" anchor="ctr"/>
-          <a:lstStyle/>
-          <a:p>
-            <a:pPr algn="ctr"/>
-            <a:endParaRPr kumimoji="1" lang="ja-JP" altLang="en-US"/>
-          </a:p>
-        </p:txBody>
-      </p:sp>
-      <p:sp>
-        <p:nvSpPr>
-          <p:cNvPr id="9" name="正方形/長方形 8">
-            <a:extLst>
-              <a:ext uri="{FF2B5EF4-FFF2-40B4-BE49-F238E27FC236}">
-                <a16:creationId xmlns:a16="http://schemas.microsoft.com/office/drawing/2014/main" id="{5372B87E-04FB-447A-ACD1-1FF0AD171EA0}"/>
-              </a:ext>
-            </a:extLst>
-          </p:cNvPr>
-          <p:cNvSpPr/>
-          <p:nvPr/>
-        </p:nvSpPr>
-        <p:spPr>
-          <a:xfrm>
-            <a:off x="4370565" y="5179612"/>
-            <a:ext cx="1580985" cy="113969"/>
-          </a:xfrm>
-          <a:prstGeom prst="rect">
-            <a:avLst/>
-          </a:prstGeom>
-          <a:noFill/>
-          <a:ln w="38100">
-            <a:solidFill>
-              <a:srgbClr val="FF0000"/>
-            </a:solidFill>
-          </a:ln>
-        </p:spPr>
-        <p:style>
-          <a:lnRef idx="2">
-            <a:schemeClr val="accent1">
-              <a:shade val="50000"/>
-            </a:schemeClr>
-          </a:lnRef>
-          <a:fillRef idx="1">
-            <a:schemeClr val="accent1"/>
-          </a:fillRef>
-          <a:effectRef idx="0">
-            <a:schemeClr val="accent1"/>
-          </a:effectRef>
-          <a:fontRef idx="minor">
-            <a:schemeClr val="lt1"/>
-          </a:fontRef>
-        </p:style>
-        <p:txBody>
-          <a:bodyPr rtlCol="0" anchor="ctr"/>
-          <a:lstStyle/>
-          <a:p>
-            <a:pPr algn="ctr"/>
-            <a:endParaRPr kumimoji="1" lang="ja-JP" altLang="en-US"/>
-          </a:p>
-        </p:txBody>
-      </p:sp>
-      <p:sp>
-        <p:nvSpPr>
-          <p:cNvPr id="10" name="正方形/長方形 9">
-            <a:extLst>
-              <a:ext uri="{FF2B5EF4-FFF2-40B4-BE49-F238E27FC236}">
-                <a16:creationId xmlns:a16="http://schemas.microsoft.com/office/drawing/2014/main" id="{FCBCA7A0-FEE1-47EA-9993-8277C312A5A8}"/>
-              </a:ext>
-            </a:extLst>
-          </p:cNvPr>
-          <p:cNvSpPr/>
-          <p:nvPr/>
-        </p:nvSpPr>
-        <p:spPr>
-          <a:xfrm>
-            <a:off x="4370565" y="5491701"/>
-            <a:ext cx="1580985" cy="113969"/>
-          </a:xfrm>
-          <a:prstGeom prst="rect">
-            <a:avLst/>
-          </a:prstGeom>
-          <a:noFill/>
-          <a:ln w="38100">
-            <a:solidFill>
-              <a:srgbClr val="FF0000"/>
-            </a:solidFill>
-          </a:ln>
-        </p:spPr>
-        <p:style>
-          <a:lnRef idx="2">
-            <a:schemeClr val="accent1">
-              <a:shade val="50000"/>
-            </a:schemeClr>
-          </a:lnRef>
-          <a:fillRef idx="1">
-            <a:schemeClr val="accent1"/>
-          </a:fillRef>
-          <a:effectRef idx="0">
-            <a:schemeClr val="accent1"/>
-          </a:effectRef>
-          <a:fontRef idx="minor">
-            <a:schemeClr val="lt1"/>
-          </a:fontRef>
-        </p:style>
-        <p:txBody>
-          <a:bodyPr rtlCol="0" anchor="ctr"/>
-          <a:lstStyle/>
-          <a:p>
-            <a:pPr algn="ctr"/>
-            <a:endParaRPr kumimoji="1" lang="ja-JP" altLang="en-US"/>
-          </a:p>
-        </p:txBody>
-      </p:sp>
-      <p:sp>
-        <p:nvSpPr>
-          <p:cNvPr id="11" name="正方形/長方形 10">
-            <a:extLst>
-              <a:ext uri="{FF2B5EF4-FFF2-40B4-BE49-F238E27FC236}">
-                <a16:creationId xmlns:a16="http://schemas.microsoft.com/office/drawing/2014/main" id="{260A2D02-D907-471E-819B-A0A7C4DB7718}"/>
-              </a:ext>
-            </a:extLst>
-          </p:cNvPr>
-          <p:cNvSpPr/>
-          <p:nvPr/>
-        </p:nvSpPr>
-        <p:spPr>
-          <a:xfrm>
-            <a:off x="4370564" y="5803790"/>
-            <a:ext cx="1580985" cy="113969"/>
-          </a:xfrm>
-          <a:prstGeom prst="rect">
-            <a:avLst/>
-          </a:prstGeom>
-          <a:noFill/>
-          <a:ln w="38100">
-            <a:solidFill>
-              <a:srgbClr val="FF0000"/>
-            </a:solidFill>
-          </a:ln>
-        </p:spPr>
-        <p:style>
-          <a:lnRef idx="2">
-            <a:schemeClr val="accent1">
-              <a:shade val="50000"/>
-            </a:schemeClr>
-          </a:lnRef>
-          <a:fillRef idx="1">
-            <a:schemeClr val="accent1"/>
-          </a:fillRef>
-          <a:effectRef idx="0">
-            <a:schemeClr val="accent1"/>
-          </a:effectRef>
-          <a:fontRef idx="minor">
-            <a:schemeClr val="lt1"/>
-          </a:fontRef>
-        </p:style>
-        <p:txBody>
-          <a:bodyPr rtlCol="0" anchor="ctr"/>
-          <a:lstStyle/>
-          <a:p>
-            <a:pPr algn="ctr"/>
-            <a:endParaRPr kumimoji="1" lang="ja-JP" altLang="en-US"/>
-          </a:p>
-        </p:txBody>
-      </p:sp>
-      <p:sp>
-        <p:nvSpPr>
-          <p:cNvPr id="12" name="正方形/長方形 11">
-            <a:extLst>
-              <a:ext uri="{FF2B5EF4-FFF2-40B4-BE49-F238E27FC236}">
-                <a16:creationId xmlns:a16="http://schemas.microsoft.com/office/drawing/2014/main" id="{86B2717E-9453-4CE8-850E-4F0D1076B33A}"/>
-              </a:ext>
-            </a:extLst>
-          </p:cNvPr>
-          <p:cNvSpPr/>
-          <p:nvPr/>
-        </p:nvSpPr>
-        <p:spPr>
-          <a:xfrm>
-            <a:off x="4370563" y="6580368"/>
-            <a:ext cx="229267" cy="155051"/>
-          </a:xfrm>
-          <a:prstGeom prst="rect">
-            <a:avLst/>
-          </a:prstGeom>
-          <a:noFill/>
-          <a:ln w="38100">
-            <a:solidFill>
-              <a:srgbClr val="FF0000"/>
-            </a:solidFill>
-          </a:ln>
-        </p:spPr>
-        <p:style>
-          <a:lnRef idx="2">
-            <a:schemeClr val="accent1">
-              <a:shade val="50000"/>
-            </a:schemeClr>
-          </a:lnRef>
-          <a:fillRef idx="1">
-            <a:schemeClr val="accent1"/>
-          </a:fillRef>
-          <a:effectRef idx="0">
-            <a:schemeClr val="accent1"/>
-          </a:effectRef>
-          <a:fontRef idx="minor">
-            <a:schemeClr val="lt1"/>
-          </a:fontRef>
-        </p:style>
-        <p:txBody>
-          <a:bodyPr rtlCol="0" anchor="ctr"/>
-          <a:lstStyle/>
-          <a:p>
-            <a:pPr algn="ctr"/>
-            <a:endParaRPr kumimoji="1" lang="ja-JP" altLang="en-US"/>
-          </a:p>
-        </p:txBody>
-      </p:sp>
-    </p:spTree>
-    <p:extLst>
-      <p:ext uri="{BB962C8B-B14F-4D97-AF65-F5344CB8AC3E}">
-        <p14:creationId xmlns:p14="http://schemas.microsoft.com/office/powerpoint/2010/main" val="1334835809"/>
-      </p:ext>
-    </p:extLst>
-  </p:cSld>
-  <p:clrMapOvr>
-    <a:masterClrMapping/>
-  </p:clrMapOvr>
-</p:sld>
-</file>
-
-<file path=ppt/slides/slide5.xml><?xml version="1.0" encoding="utf-8"?>
-<p:sld xmlns:a="http://schemas.openxmlformats.org/drawingml/2006/main" xmlns:r="http://schemas.openxmlformats.org/officeDocument/2006/relationships" xmlns:p="http://schemas.openxmlformats.org/presentationml/2006/main">
-  <p:cSld>
-    <p:spTree>
-      <p:nvGrpSpPr>
-        <p:cNvPr id="1" name=""/>
-        <p:cNvGrpSpPr/>
-        <p:nvPr/>
-      </p:nvGrpSpPr>
-      <p:grpSpPr>
-        <a:xfrm>
-          <a:off x="0" y="0"/>
-          <a:ext cx="0" cy="0"/>
-          <a:chOff x="0" y="0"/>
-          <a:chExt cx="0" cy="0"/>
-        </a:xfrm>
-      </p:grpSpPr>
-      <p:pic>
-        <p:nvPicPr>
-          <p:cNvPr id="4" name="図 3">
-            <a:extLst>
-              <a:ext uri="{FF2B5EF4-FFF2-40B4-BE49-F238E27FC236}">
-                <a16:creationId xmlns:a16="http://schemas.microsoft.com/office/drawing/2014/main" id="{0E7A6980-F69F-4D9B-A24E-F55A1D70EC31}"/>
-              </a:ext>
-            </a:extLst>
-          </p:cNvPr>
-          <p:cNvPicPr>
-            <a:picLocks noChangeAspect="1"/>
-          </p:cNvPicPr>
-          <p:nvPr/>
-        </p:nvPicPr>
-        <p:blipFill>
-          <a:blip r:embed="rId2"/>
-          <a:stretch>
-            <a:fillRect/>
-          </a:stretch>
-        </p:blipFill>
-        <p:spPr>
-          <a:xfrm>
-            <a:off x="3083324" y="0"/>
-            <a:ext cx="6025351" cy="6858000"/>
-          </a:xfrm>
-          <a:prstGeom prst="rect">
-            <a:avLst/>
-          </a:prstGeom>
-        </p:spPr>
-      </p:pic>
-      <p:sp>
-        <p:nvSpPr>
-          <p:cNvPr id="5" name="正方形/長方形 4">
-            <a:extLst>
-              <a:ext uri="{FF2B5EF4-FFF2-40B4-BE49-F238E27FC236}">
-                <a16:creationId xmlns:a16="http://schemas.microsoft.com/office/drawing/2014/main" id="{73E97D0C-0F53-48E9-9B20-F03A3F425523}"/>
-              </a:ext>
-            </a:extLst>
-          </p:cNvPr>
-          <p:cNvSpPr/>
-          <p:nvPr/>
-        </p:nvSpPr>
-        <p:spPr>
-          <a:xfrm>
-            <a:off x="3305088" y="1030358"/>
-            <a:ext cx="424074" cy="146435"/>
-          </a:xfrm>
-          <a:prstGeom prst="rect">
-            <a:avLst/>
-          </a:prstGeom>
-          <a:noFill/>
-          <a:ln w="38100">
-            <a:solidFill>
-              <a:srgbClr val="FF0000"/>
-            </a:solidFill>
-          </a:ln>
-        </p:spPr>
-        <p:style>
-          <a:lnRef idx="2">
-            <a:schemeClr val="accent1">
-              <a:shade val="50000"/>
-            </a:schemeClr>
-          </a:lnRef>
-          <a:fillRef idx="1">
-            <a:schemeClr val="accent1"/>
-          </a:fillRef>
-          <a:effectRef idx="0">
-            <a:schemeClr val="accent1"/>
-          </a:effectRef>
-          <a:fontRef idx="minor">
-            <a:schemeClr val="lt1"/>
-          </a:fontRef>
-        </p:style>
-        <p:txBody>
-          <a:bodyPr rtlCol="0" anchor="ctr"/>
-          <a:lstStyle/>
-          <a:p>
-            <a:pPr algn="ctr"/>
-            <a:endParaRPr kumimoji="1" lang="ja-JP" altLang="en-US"/>
-          </a:p>
-        </p:txBody>
-      </p:sp>
-      <p:sp>
-        <p:nvSpPr>
-          <p:cNvPr id="6" name="正方形/長方形 5">
-            <a:extLst>
-              <a:ext uri="{FF2B5EF4-FFF2-40B4-BE49-F238E27FC236}">
-                <a16:creationId xmlns:a16="http://schemas.microsoft.com/office/drawing/2014/main" id="{A9CD67CC-0ED0-43A2-A1C5-915A3E546983}"/>
-              </a:ext>
-            </a:extLst>
-          </p:cNvPr>
-          <p:cNvSpPr/>
-          <p:nvPr/>
-        </p:nvSpPr>
-        <p:spPr>
-          <a:xfrm>
-            <a:off x="3354121" y="5122629"/>
-            <a:ext cx="2009034" cy="146435"/>
-          </a:xfrm>
-          <a:prstGeom prst="rect">
-            <a:avLst/>
-          </a:prstGeom>
-          <a:noFill/>
-          <a:ln w="38100">
-            <a:solidFill>
-              <a:srgbClr val="FF0000"/>
-            </a:solidFill>
-          </a:ln>
-        </p:spPr>
-        <p:style>
-          <a:lnRef idx="2">
-            <a:schemeClr val="accent1">
-              <a:shade val="50000"/>
-            </a:schemeClr>
-          </a:lnRef>
-          <a:fillRef idx="1">
-            <a:schemeClr val="accent1"/>
-          </a:fillRef>
-          <a:effectRef idx="0">
-            <a:schemeClr val="accent1"/>
-          </a:effectRef>
-          <a:fontRef idx="minor">
-            <a:schemeClr val="lt1"/>
-          </a:fontRef>
-        </p:style>
-        <p:txBody>
-          <a:bodyPr rtlCol="0" anchor="ctr"/>
-          <a:lstStyle/>
-          <a:p>
-            <a:pPr algn="ctr"/>
-            <a:endParaRPr kumimoji="1" lang="ja-JP" altLang="en-US"/>
-          </a:p>
-        </p:txBody>
-      </p:sp>
-      <p:sp>
-        <p:nvSpPr>
-          <p:cNvPr id="8" name="正方形/長方形 7">
-            <a:extLst>
-              <a:ext uri="{FF2B5EF4-FFF2-40B4-BE49-F238E27FC236}">
-                <a16:creationId xmlns:a16="http://schemas.microsoft.com/office/drawing/2014/main" id="{D47AC17C-F8A5-48D2-BF2B-E67C01022A7E}"/>
-              </a:ext>
-            </a:extLst>
-          </p:cNvPr>
-          <p:cNvSpPr/>
-          <p:nvPr/>
-        </p:nvSpPr>
-        <p:spPr>
-          <a:xfrm>
-            <a:off x="3354121" y="5533446"/>
-            <a:ext cx="2009034" cy="146435"/>
-          </a:xfrm>
-          <a:prstGeom prst="rect">
-            <a:avLst/>
-          </a:prstGeom>
-          <a:noFill/>
-          <a:ln w="38100">
-            <a:solidFill>
-              <a:srgbClr val="FF0000"/>
-            </a:solidFill>
-          </a:ln>
-        </p:spPr>
-        <p:style>
-          <a:lnRef idx="2">
-            <a:schemeClr val="accent1">
-              <a:shade val="50000"/>
-            </a:schemeClr>
-          </a:lnRef>
-          <a:fillRef idx="1">
-            <a:schemeClr val="accent1"/>
-          </a:fillRef>
-          <a:effectRef idx="0">
-            <a:schemeClr val="accent1"/>
-          </a:effectRef>
-          <a:fontRef idx="minor">
-            <a:schemeClr val="lt1"/>
-          </a:fontRef>
-        </p:style>
-        <p:txBody>
-          <a:bodyPr rtlCol="0" anchor="ctr"/>
-          <a:lstStyle/>
-          <a:p>
-            <a:pPr algn="ctr"/>
-            <a:endParaRPr kumimoji="1" lang="ja-JP" altLang="en-US"/>
-          </a:p>
-        </p:txBody>
-      </p:sp>
-      <p:sp>
-        <p:nvSpPr>
-          <p:cNvPr id="9" name="正方形/長方形 8">
-            <a:extLst>
-              <a:ext uri="{FF2B5EF4-FFF2-40B4-BE49-F238E27FC236}">
-                <a16:creationId xmlns:a16="http://schemas.microsoft.com/office/drawing/2014/main" id="{56146354-7979-4686-B9D1-AAADE7DEEEA3}"/>
-              </a:ext>
-            </a:extLst>
-          </p:cNvPr>
-          <p:cNvSpPr/>
-          <p:nvPr/>
-        </p:nvSpPr>
-        <p:spPr>
-          <a:xfrm>
-            <a:off x="3354121" y="6528684"/>
-            <a:ext cx="315406" cy="190168"/>
-          </a:xfrm>
-          <a:prstGeom prst="rect">
-            <a:avLst/>
-          </a:prstGeom>
-          <a:noFill/>
-          <a:ln w="38100">
-            <a:solidFill>
-              <a:srgbClr val="FF0000"/>
-            </a:solidFill>
-          </a:ln>
-        </p:spPr>
-        <p:style>
-          <a:lnRef idx="2">
-            <a:schemeClr val="accent1">
-              <a:shade val="50000"/>
-            </a:schemeClr>
-          </a:lnRef>
-          <a:fillRef idx="1">
-            <a:schemeClr val="accent1"/>
-          </a:fillRef>
-          <a:effectRef idx="0">
-            <a:schemeClr val="accent1"/>
-          </a:effectRef>
-          <a:fontRef idx="minor">
-            <a:schemeClr val="lt1"/>
-          </a:fontRef>
-        </p:style>
-        <p:txBody>
-          <a:bodyPr rtlCol="0" anchor="ctr"/>
-          <a:lstStyle/>
-          <a:p>
-            <a:pPr algn="ctr"/>
-            <a:endParaRPr kumimoji="1" lang="ja-JP" altLang="en-US"/>
-          </a:p>
-        </p:txBody>
-      </p:sp>
-    </p:spTree>
-    <p:extLst>
-      <p:ext uri="{BB962C8B-B14F-4D97-AF65-F5344CB8AC3E}">
-        <p14:creationId xmlns:p14="http://schemas.microsoft.com/office/powerpoint/2010/main" val="382554591"/>
-      </p:ext>
-    </p:extLst>
-  </p:cSld>
-  <p:clrMapOvr>
-    <a:masterClrMapping/>
-  </p:clrMapOvr>
-</p:sld>
-</file>
-
-<file path=ppt/slides/slide6.xml><?xml version="1.0" encoding="utf-8"?>
-<p:sld xmlns:a="http://schemas.openxmlformats.org/drawingml/2006/main" xmlns:r="http://schemas.openxmlformats.org/officeDocument/2006/relationships" xmlns:p="http://schemas.openxmlformats.org/presentationml/2006/main">
-  <p:cSld>
-    <p:spTree>
-      <p:nvGrpSpPr>
-        <p:cNvPr id="1" name=""/>
-        <p:cNvGrpSpPr/>
-        <p:nvPr/>
-      </p:nvGrpSpPr>
-      <p:grpSpPr>
-        <a:xfrm>
-          <a:off x="0" y="0"/>
-          <a:ext cx="0" cy="0"/>
-          <a:chOff x="0" y="0"/>
-          <a:chExt cx="0" cy="0"/>
-        </a:xfrm>
-      </p:grpSpPr>
-      <p:pic>
-        <p:nvPicPr>
-          <p:cNvPr id="4" name="図 3">
-            <a:extLst>
-              <a:ext uri="{FF2B5EF4-FFF2-40B4-BE49-F238E27FC236}">
-                <a16:creationId xmlns:a16="http://schemas.microsoft.com/office/drawing/2014/main" id="{D8FC5F19-C452-419F-8B0D-84AE4BBDBD39}"/>
-              </a:ext>
-            </a:extLst>
-          </p:cNvPr>
-          <p:cNvPicPr>
-            <a:picLocks noChangeAspect="1"/>
-          </p:cNvPicPr>
-          <p:nvPr/>
-        </p:nvPicPr>
-        <p:blipFill>
-          <a:blip r:embed="rId2"/>
-          <a:stretch>
-            <a:fillRect/>
-          </a:stretch>
-        </p:blipFill>
-        <p:spPr>
-          <a:xfrm>
-            <a:off x="1214090" y="0"/>
-            <a:ext cx="9763819" cy="6858000"/>
-          </a:xfrm>
-          <a:prstGeom prst="rect">
-            <a:avLst/>
-          </a:prstGeom>
-        </p:spPr>
-      </p:pic>
-      <p:sp>
-        <p:nvSpPr>
-          <p:cNvPr id="5" name="正方形/長方形 4">
-            <a:extLst>
-              <a:ext uri="{FF2B5EF4-FFF2-40B4-BE49-F238E27FC236}">
-                <a16:creationId xmlns:a16="http://schemas.microsoft.com/office/drawing/2014/main" id="{93B524CE-CF1E-43EB-9342-C5A519466E4C}"/>
-              </a:ext>
-            </a:extLst>
-          </p:cNvPr>
-          <p:cNvSpPr/>
-          <p:nvPr/>
-        </p:nvSpPr>
-        <p:spPr>
-          <a:xfrm>
-            <a:off x="1505443" y="1352385"/>
-            <a:ext cx="518164" cy="190168"/>
-          </a:xfrm>
-          <a:prstGeom prst="rect">
-            <a:avLst/>
-          </a:prstGeom>
-          <a:noFill/>
-          <a:ln w="38100">
-            <a:solidFill>
-              <a:srgbClr val="FF0000"/>
-            </a:solidFill>
-          </a:ln>
-        </p:spPr>
-        <p:style>
-          <a:lnRef idx="2">
-            <a:schemeClr val="accent1">
-              <a:shade val="50000"/>
-            </a:schemeClr>
-          </a:lnRef>
-          <a:fillRef idx="1">
-            <a:schemeClr val="accent1"/>
-          </a:fillRef>
-          <a:effectRef idx="0">
-            <a:schemeClr val="accent1"/>
-          </a:effectRef>
-          <a:fontRef idx="minor">
-            <a:schemeClr val="lt1"/>
-          </a:fontRef>
-        </p:style>
-        <p:txBody>
-          <a:bodyPr rtlCol="0" anchor="ctr"/>
-          <a:lstStyle/>
-          <a:p>
-            <a:pPr algn="ctr"/>
-            <a:endParaRPr kumimoji="1" lang="ja-JP" altLang="en-US"/>
-          </a:p>
-        </p:txBody>
-      </p:sp>
-    </p:spTree>
-    <p:extLst>
-      <p:ext uri="{BB962C8B-B14F-4D97-AF65-F5344CB8AC3E}">
-        <p14:creationId xmlns:p14="http://schemas.microsoft.com/office/powerpoint/2010/main" val="2928594247"/>
       </p:ext>
     </p:extLst>
   </p:cSld>

--- a/images_for_ipynb/image_resource.pptx
+++ b/images_for_ipynb/image_resource.pptx
@@ -272,9 +272,9 @@
           <a:p>
             <a:fld id="{C58386F1-37CF-4CAC-89F9-22A5833C6FCA}" type="datetimeFigureOut">
               <a:rPr kumimoji="1" lang="ja-JP" altLang="en-US" smtClean="0"/>
-              <a:t>2021/11/18</a:t>
+              <a:t>2021/11/19</a:t>
             </a:fld>
-            <a:endParaRPr kumimoji="1" lang="ja-JP" altLang="en-US"/>
+            <a:endParaRPr kumimoji="1" lang="ja-JP" altLang="en-US" dirty="0"/>
           </a:p>
         </p:txBody>
       </p:sp>
@@ -299,7 +299,7 @@
           <a:bodyPr/>
           <a:lstStyle/>
           <a:p>
-            <a:endParaRPr kumimoji="1" lang="ja-JP" altLang="en-US"/>
+            <a:endParaRPr kumimoji="1" lang="ja-JP" altLang="en-US" dirty="0"/>
           </a:p>
         </p:txBody>
       </p:sp>
@@ -328,7 +328,7 @@
               <a:rPr kumimoji="1" lang="ja-JP" altLang="en-US" smtClean="0"/>
               <a:t>‹#›</a:t>
             </a:fld>
-            <a:endParaRPr kumimoji="1" lang="ja-JP" altLang="en-US"/>
+            <a:endParaRPr kumimoji="1" lang="ja-JP" altLang="en-US" dirty="0"/>
           </a:p>
         </p:txBody>
       </p:sp>
@@ -502,9 +502,9 @@
           <a:p>
             <a:fld id="{C58386F1-37CF-4CAC-89F9-22A5833C6FCA}" type="datetimeFigureOut">
               <a:rPr kumimoji="1" lang="ja-JP" altLang="en-US" smtClean="0"/>
-              <a:t>2021/11/18</a:t>
+              <a:t>2021/11/19</a:t>
             </a:fld>
-            <a:endParaRPr kumimoji="1" lang="ja-JP" altLang="en-US"/>
+            <a:endParaRPr kumimoji="1" lang="ja-JP" altLang="en-US" dirty="0"/>
           </a:p>
         </p:txBody>
       </p:sp>
@@ -529,7 +529,7 @@
           <a:bodyPr/>
           <a:lstStyle/>
           <a:p>
-            <a:endParaRPr kumimoji="1" lang="ja-JP" altLang="en-US"/>
+            <a:endParaRPr kumimoji="1" lang="ja-JP" altLang="en-US" dirty="0"/>
           </a:p>
         </p:txBody>
       </p:sp>
@@ -558,7 +558,7 @@
               <a:rPr kumimoji="1" lang="ja-JP" altLang="en-US" smtClean="0"/>
               <a:t>‹#›</a:t>
             </a:fld>
-            <a:endParaRPr kumimoji="1" lang="ja-JP" altLang="en-US"/>
+            <a:endParaRPr kumimoji="1" lang="ja-JP" altLang="en-US" dirty="0"/>
           </a:p>
         </p:txBody>
       </p:sp>
@@ -742,9 +742,9 @@
           <a:p>
             <a:fld id="{C58386F1-37CF-4CAC-89F9-22A5833C6FCA}" type="datetimeFigureOut">
               <a:rPr kumimoji="1" lang="ja-JP" altLang="en-US" smtClean="0"/>
-              <a:t>2021/11/18</a:t>
+              <a:t>2021/11/19</a:t>
             </a:fld>
-            <a:endParaRPr kumimoji="1" lang="ja-JP" altLang="en-US"/>
+            <a:endParaRPr kumimoji="1" lang="ja-JP" altLang="en-US" dirty="0"/>
           </a:p>
         </p:txBody>
       </p:sp>
@@ -769,7 +769,7 @@
           <a:bodyPr/>
           <a:lstStyle/>
           <a:p>
-            <a:endParaRPr kumimoji="1" lang="ja-JP" altLang="en-US"/>
+            <a:endParaRPr kumimoji="1" lang="ja-JP" altLang="en-US" dirty="0"/>
           </a:p>
         </p:txBody>
       </p:sp>
@@ -798,7 +798,7 @@
               <a:rPr kumimoji="1" lang="ja-JP" altLang="en-US" smtClean="0"/>
               <a:t>‹#›</a:t>
             </a:fld>
-            <a:endParaRPr kumimoji="1" lang="ja-JP" altLang="en-US"/>
+            <a:endParaRPr kumimoji="1" lang="ja-JP" altLang="en-US" dirty="0"/>
           </a:p>
         </p:txBody>
       </p:sp>
@@ -972,9 +972,9 @@
           <a:p>
             <a:fld id="{C58386F1-37CF-4CAC-89F9-22A5833C6FCA}" type="datetimeFigureOut">
               <a:rPr kumimoji="1" lang="ja-JP" altLang="en-US" smtClean="0"/>
-              <a:t>2021/11/18</a:t>
+              <a:t>2021/11/19</a:t>
             </a:fld>
-            <a:endParaRPr kumimoji="1" lang="ja-JP" altLang="en-US"/>
+            <a:endParaRPr kumimoji="1" lang="ja-JP" altLang="en-US" dirty="0"/>
           </a:p>
         </p:txBody>
       </p:sp>
@@ -999,7 +999,7 @@
           <a:bodyPr/>
           <a:lstStyle/>
           <a:p>
-            <a:endParaRPr kumimoji="1" lang="ja-JP" altLang="en-US"/>
+            <a:endParaRPr kumimoji="1" lang="ja-JP" altLang="en-US" dirty="0"/>
           </a:p>
         </p:txBody>
       </p:sp>
@@ -1028,7 +1028,7 @@
               <a:rPr kumimoji="1" lang="ja-JP" altLang="en-US" smtClean="0"/>
               <a:t>‹#›</a:t>
             </a:fld>
-            <a:endParaRPr kumimoji="1" lang="ja-JP" altLang="en-US"/>
+            <a:endParaRPr kumimoji="1" lang="ja-JP" altLang="en-US" dirty="0"/>
           </a:p>
         </p:txBody>
       </p:sp>
@@ -1247,9 +1247,9 @@
           <a:p>
             <a:fld id="{C58386F1-37CF-4CAC-89F9-22A5833C6FCA}" type="datetimeFigureOut">
               <a:rPr kumimoji="1" lang="ja-JP" altLang="en-US" smtClean="0"/>
-              <a:t>2021/11/18</a:t>
+              <a:t>2021/11/19</a:t>
             </a:fld>
-            <a:endParaRPr kumimoji="1" lang="ja-JP" altLang="en-US"/>
+            <a:endParaRPr kumimoji="1" lang="ja-JP" altLang="en-US" dirty="0"/>
           </a:p>
         </p:txBody>
       </p:sp>
@@ -1274,7 +1274,7 @@
           <a:bodyPr/>
           <a:lstStyle/>
           <a:p>
-            <a:endParaRPr kumimoji="1" lang="ja-JP" altLang="en-US"/>
+            <a:endParaRPr kumimoji="1" lang="ja-JP" altLang="en-US" dirty="0"/>
           </a:p>
         </p:txBody>
       </p:sp>
@@ -1303,7 +1303,7 @@
               <a:rPr kumimoji="1" lang="ja-JP" altLang="en-US" smtClean="0"/>
               <a:t>‹#›</a:t>
             </a:fld>
-            <a:endParaRPr kumimoji="1" lang="ja-JP" altLang="en-US"/>
+            <a:endParaRPr kumimoji="1" lang="ja-JP" altLang="en-US" dirty="0"/>
           </a:p>
         </p:txBody>
       </p:sp>
@@ -1576,9 +1576,9 @@
           <a:p>
             <a:fld id="{C58386F1-37CF-4CAC-89F9-22A5833C6FCA}" type="datetimeFigureOut">
               <a:rPr kumimoji="1" lang="ja-JP" altLang="en-US" smtClean="0"/>
-              <a:t>2021/11/18</a:t>
+              <a:t>2021/11/19</a:t>
             </a:fld>
-            <a:endParaRPr kumimoji="1" lang="ja-JP" altLang="en-US"/>
+            <a:endParaRPr kumimoji="1" lang="ja-JP" altLang="en-US" dirty="0"/>
           </a:p>
         </p:txBody>
       </p:sp>
@@ -1603,7 +1603,7 @@
           <a:bodyPr/>
           <a:lstStyle/>
           <a:p>
-            <a:endParaRPr kumimoji="1" lang="ja-JP" altLang="en-US"/>
+            <a:endParaRPr kumimoji="1" lang="ja-JP" altLang="en-US" dirty="0"/>
           </a:p>
         </p:txBody>
       </p:sp>
@@ -1632,7 +1632,7 @@
               <a:rPr kumimoji="1" lang="ja-JP" altLang="en-US" smtClean="0"/>
               <a:t>‹#›</a:t>
             </a:fld>
-            <a:endParaRPr kumimoji="1" lang="ja-JP" altLang="en-US"/>
+            <a:endParaRPr kumimoji="1" lang="ja-JP" altLang="en-US" dirty="0"/>
           </a:p>
         </p:txBody>
       </p:sp>
@@ -2052,9 +2052,9 @@
           <a:p>
             <a:fld id="{C58386F1-37CF-4CAC-89F9-22A5833C6FCA}" type="datetimeFigureOut">
               <a:rPr kumimoji="1" lang="ja-JP" altLang="en-US" smtClean="0"/>
-              <a:t>2021/11/18</a:t>
+              <a:t>2021/11/19</a:t>
             </a:fld>
-            <a:endParaRPr kumimoji="1" lang="ja-JP" altLang="en-US"/>
+            <a:endParaRPr kumimoji="1" lang="ja-JP" altLang="en-US" dirty="0"/>
           </a:p>
         </p:txBody>
       </p:sp>
@@ -2079,7 +2079,7 @@
           <a:bodyPr/>
           <a:lstStyle/>
           <a:p>
-            <a:endParaRPr kumimoji="1" lang="ja-JP" altLang="en-US"/>
+            <a:endParaRPr kumimoji="1" lang="ja-JP" altLang="en-US" dirty="0"/>
           </a:p>
         </p:txBody>
       </p:sp>
@@ -2108,7 +2108,7 @@
               <a:rPr kumimoji="1" lang="ja-JP" altLang="en-US" smtClean="0"/>
               <a:t>‹#›</a:t>
             </a:fld>
-            <a:endParaRPr kumimoji="1" lang="ja-JP" altLang="en-US"/>
+            <a:endParaRPr kumimoji="1" lang="ja-JP" altLang="en-US" dirty="0"/>
           </a:p>
         </p:txBody>
       </p:sp>
@@ -2193,9 +2193,9 @@
           <a:p>
             <a:fld id="{C58386F1-37CF-4CAC-89F9-22A5833C6FCA}" type="datetimeFigureOut">
               <a:rPr kumimoji="1" lang="ja-JP" altLang="en-US" smtClean="0"/>
-              <a:t>2021/11/18</a:t>
+              <a:t>2021/11/19</a:t>
             </a:fld>
-            <a:endParaRPr kumimoji="1" lang="ja-JP" altLang="en-US"/>
+            <a:endParaRPr kumimoji="1" lang="ja-JP" altLang="en-US" dirty="0"/>
           </a:p>
         </p:txBody>
       </p:sp>
@@ -2220,7 +2220,7 @@
           <a:bodyPr/>
           <a:lstStyle/>
           <a:p>
-            <a:endParaRPr kumimoji="1" lang="ja-JP" altLang="en-US"/>
+            <a:endParaRPr kumimoji="1" lang="ja-JP" altLang="en-US" dirty="0"/>
           </a:p>
         </p:txBody>
       </p:sp>
@@ -2249,7 +2249,7 @@
               <a:rPr kumimoji="1" lang="ja-JP" altLang="en-US" smtClean="0"/>
               <a:t>‹#›</a:t>
             </a:fld>
-            <a:endParaRPr kumimoji="1" lang="ja-JP" altLang="en-US"/>
+            <a:endParaRPr kumimoji="1" lang="ja-JP" altLang="en-US" dirty="0"/>
           </a:p>
         </p:txBody>
       </p:sp>
@@ -2306,9 +2306,9 @@
           <a:p>
             <a:fld id="{C58386F1-37CF-4CAC-89F9-22A5833C6FCA}" type="datetimeFigureOut">
               <a:rPr kumimoji="1" lang="ja-JP" altLang="en-US" smtClean="0"/>
-              <a:t>2021/11/18</a:t>
+              <a:t>2021/11/19</a:t>
             </a:fld>
-            <a:endParaRPr kumimoji="1" lang="ja-JP" altLang="en-US"/>
+            <a:endParaRPr kumimoji="1" lang="ja-JP" altLang="en-US" dirty="0"/>
           </a:p>
         </p:txBody>
       </p:sp>
@@ -2333,7 +2333,7 @@
           <a:bodyPr/>
           <a:lstStyle/>
           <a:p>
-            <a:endParaRPr kumimoji="1" lang="ja-JP" altLang="en-US"/>
+            <a:endParaRPr kumimoji="1" lang="ja-JP" altLang="en-US" dirty="0"/>
           </a:p>
         </p:txBody>
       </p:sp>
@@ -2362,7 +2362,7 @@
               <a:rPr kumimoji="1" lang="ja-JP" altLang="en-US" smtClean="0"/>
               <a:t>‹#›</a:t>
             </a:fld>
-            <a:endParaRPr kumimoji="1" lang="ja-JP" altLang="en-US"/>
+            <a:endParaRPr kumimoji="1" lang="ja-JP" altLang="en-US" dirty="0"/>
           </a:p>
         </p:txBody>
       </p:sp>
@@ -2649,9 +2649,9 @@
           <a:p>
             <a:fld id="{C58386F1-37CF-4CAC-89F9-22A5833C6FCA}" type="datetimeFigureOut">
               <a:rPr kumimoji="1" lang="ja-JP" altLang="en-US" smtClean="0"/>
-              <a:t>2021/11/18</a:t>
+              <a:t>2021/11/19</a:t>
             </a:fld>
-            <a:endParaRPr kumimoji="1" lang="ja-JP" altLang="en-US"/>
+            <a:endParaRPr kumimoji="1" lang="ja-JP" altLang="en-US" dirty="0"/>
           </a:p>
         </p:txBody>
       </p:sp>
@@ -2676,7 +2676,7 @@
           <a:bodyPr/>
           <a:lstStyle/>
           <a:p>
-            <a:endParaRPr kumimoji="1" lang="ja-JP" altLang="en-US"/>
+            <a:endParaRPr kumimoji="1" lang="ja-JP" altLang="en-US" dirty="0"/>
           </a:p>
         </p:txBody>
       </p:sp>
@@ -2705,7 +2705,7 @@
               <a:rPr kumimoji="1" lang="ja-JP" altLang="en-US" smtClean="0"/>
               <a:t>‹#›</a:t>
             </a:fld>
-            <a:endParaRPr kumimoji="1" lang="ja-JP" altLang="en-US"/>
+            <a:endParaRPr kumimoji="1" lang="ja-JP" altLang="en-US" dirty="0"/>
           </a:p>
         </p:txBody>
       </p:sp>
@@ -2839,7 +2839,7 @@
             </a:lvl9pPr>
           </a:lstStyle>
           <a:p>
-            <a:endParaRPr kumimoji="1" lang="ja-JP" altLang="en-US"/>
+            <a:endParaRPr kumimoji="1" lang="ja-JP" altLang="en-US" dirty="0"/>
           </a:p>
         </p:txBody>
       </p:sp>
@@ -2937,9 +2937,9 @@
           <a:p>
             <a:fld id="{C58386F1-37CF-4CAC-89F9-22A5833C6FCA}" type="datetimeFigureOut">
               <a:rPr kumimoji="1" lang="ja-JP" altLang="en-US" smtClean="0"/>
-              <a:t>2021/11/18</a:t>
+              <a:t>2021/11/19</a:t>
             </a:fld>
-            <a:endParaRPr kumimoji="1" lang="ja-JP" altLang="en-US"/>
+            <a:endParaRPr kumimoji="1" lang="ja-JP" altLang="en-US" dirty="0"/>
           </a:p>
         </p:txBody>
       </p:sp>
@@ -2964,7 +2964,7 @@
           <a:bodyPr/>
           <a:lstStyle/>
           <a:p>
-            <a:endParaRPr kumimoji="1" lang="ja-JP" altLang="en-US"/>
+            <a:endParaRPr kumimoji="1" lang="ja-JP" altLang="en-US" dirty="0"/>
           </a:p>
         </p:txBody>
       </p:sp>
@@ -2993,7 +2993,7 @@
               <a:rPr kumimoji="1" lang="ja-JP" altLang="en-US" smtClean="0"/>
               <a:t>‹#›</a:t>
             </a:fld>
-            <a:endParaRPr kumimoji="1" lang="ja-JP" altLang="en-US"/>
+            <a:endParaRPr kumimoji="1" lang="ja-JP" altLang="en-US" dirty="0"/>
           </a:p>
         </p:txBody>
       </p:sp>
@@ -3210,9 +3210,9 @@
           <a:p>
             <a:fld id="{C58386F1-37CF-4CAC-89F9-22A5833C6FCA}" type="datetimeFigureOut">
               <a:rPr kumimoji="1" lang="ja-JP" altLang="en-US" smtClean="0"/>
-              <a:t>2021/11/18</a:t>
+              <a:t>2021/11/19</a:t>
             </a:fld>
-            <a:endParaRPr kumimoji="1" lang="ja-JP" altLang="en-US"/>
+            <a:endParaRPr kumimoji="1" lang="ja-JP" altLang="en-US" dirty="0"/>
           </a:p>
         </p:txBody>
       </p:sp>
@@ -3255,7 +3255,7 @@
             </a:lvl1pPr>
           </a:lstStyle>
           <a:p>
-            <a:endParaRPr kumimoji="1" lang="ja-JP" altLang="en-US"/>
+            <a:endParaRPr kumimoji="1" lang="ja-JP" altLang="en-US" dirty="0"/>
           </a:p>
         </p:txBody>
       </p:sp>
@@ -3302,7 +3302,7 @@
               <a:rPr kumimoji="1" lang="ja-JP" altLang="en-US" smtClean="0"/>
               <a:t>‹#›</a:t>
             </a:fld>
-            <a:endParaRPr kumimoji="1" lang="ja-JP" altLang="en-US"/>
+            <a:endParaRPr kumimoji="1" lang="ja-JP" altLang="en-US" dirty="0"/>
           </a:p>
         </p:txBody>
       </p:sp>
@@ -3725,7 +3725,7 @@
             <a:lstStyle/>
             <a:p>
               <a:pPr algn="ctr"/>
-              <a:endParaRPr kumimoji="1" lang="ja-JP" altLang="en-US"/>
+              <a:endParaRPr kumimoji="1" lang="ja-JP" altLang="en-US" dirty="0"/>
             </a:p>
           </p:txBody>
         </p:sp>
@@ -3777,7 +3777,7 @@
             <a:lstStyle/>
             <a:p>
               <a:pPr algn="ctr"/>
-              <a:endParaRPr kumimoji="1" lang="ja-JP" altLang="en-US"/>
+              <a:endParaRPr kumimoji="1" lang="ja-JP" altLang="en-US" dirty="0"/>
             </a:p>
           </p:txBody>
         </p:sp>
@@ -3890,7 +3890,7 @@
           <a:lstStyle/>
           <a:p>
             <a:pPr algn="ctr"/>
-            <a:endParaRPr kumimoji="1" lang="ja-JP" altLang="en-US"/>
+            <a:endParaRPr kumimoji="1" lang="ja-JP" altLang="en-US" dirty="0"/>
           </a:p>
         </p:txBody>
       </p:sp>
@@ -4002,7 +4002,7 @@
           <a:lstStyle/>
           <a:p>
             <a:pPr algn="ctr"/>
-            <a:endParaRPr kumimoji="1" lang="ja-JP" altLang="en-US"/>
+            <a:endParaRPr kumimoji="1" lang="ja-JP" altLang="en-US" dirty="0"/>
           </a:p>
         </p:txBody>
       </p:sp>
@@ -4054,7 +4054,7 @@
           <a:lstStyle/>
           <a:p>
             <a:pPr algn="ctr"/>
-            <a:endParaRPr kumimoji="1" lang="ja-JP" altLang="en-US"/>
+            <a:endParaRPr kumimoji="1" lang="ja-JP" altLang="en-US" dirty="0"/>
           </a:p>
         </p:txBody>
       </p:sp>
@@ -4166,7 +4166,7 @@
           <a:lstStyle/>
           <a:p>
             <a:pPr algn="ctr"/>
-            <a:endParaRPr kumimoji="1" lang="ja-JP" altLang="en-US"/>
+            <a:endParaRPr kumimoji="1" lang="ja-JP" altLang="en-US" dirty="0"/>
           </a:p>
         </p:txBody>
       </p:sp>
@@ -4218,7 +4218,7 @@
           <a:lstStyle/>
           <a:p>
             <a:pPr algn="ctr"/>
-            <a:endParaRPr kumimoji="1" lang="ja-JP" altLang="en-US"/>
+            <a:endParaRPr kumimoji="1" lang="ja-JP" altLang="en-US" dirty="0"/>
           </a:p>
         </p:txBody>
       </p:sp>
@@ -4270,7 +4270,7 @@
           <a:lstStyle/>
           <a:p>
             <a:pPr algn="ctr"/>
-            <a:endParaRPr kumimoji="1" lang="ja-JP" altLang="en-US"/>
+            <a:endParaRPr kumimoji="1" lang="ja-JP" altLang="en-US" dirty="0"/>
           </a:p>
         </p:txBody>
       </p:sp>
@@ -4322,7 +4322,7 @@
           <a:lstStyle/>
           <a:p>
             <a:pPr algn="ctr"/>
-            <a:endParaRPr kumimoji="1" lang="ja-JP" altLang="en-US"/>
+            <a:endParaRPr kumimoji="1" lang="ja-JP" altLang="en-US" dirty="0"/>
           </a:p>
         </p:txBody>
       </p:sp>
@@ -4374,7 +4374,7 @@
           <a:lstStyle/>
           <a:p>
             <a:pPr algn="ctr"/>
-            <a:endParaRPr kumimoji="1" lang="ja-JP" altLang="en-US"/>
+            <a:endParaRPr kumimoji="1" lang="ja-JP" altLang="en-US" dirty="0"/>
           </a:p>
         </p:txBody>
       </p:sp>
@@ -4426,7 +4426,7 @@
           <a:lstStyle/>
           <a:p>
             <a:pPr algn="ctr"/>
-            <a:endParaRPr kumimoji="1" lang="ja-JP" altLang="en-US"/>
+            <a:endParaRPr kumimoji="1" lang="ja-JP" altLang="en-US" dirty="0"/>
           </a:p>
         </p:txBody>
       </p:sp>
@@ -4478,7 +4478,7 @@
           <a:lstStyle/>
           <a:p>
             <a:pPr algn="ctr"/>
-            <a:endParaRPr kumimoji="1" lang="ja-JP" altLang="en-US"/>
+            <a:endParaRPr kumimoji="1" lang="ja-JP" altLang="en-US" dirty="0"/>
           </a:p>
         </p:txBody>
       </p:sp>
@@ -4530,7 +4530,7 @@
           <a:lstStyle/>
           <a:p>
             <a:pPr algn="ctr"/>
-            <a:endParaRPr kumimoji="1" lang="ja-JP" altLang="en-US"/>
+            <a:endParaRPr kumimoji="1" lang="ja-JP" altLang="en-US" dirty="0"/>
           </a:p>
         </p:txBody>
       </p:sp>
@@ -4642,7 +4642,7 @@
           <a:lstStyle/>
           <a:p>
             <a:pPr algn="ctr"/>
-            <a:endParaRPr kumimoji="1" lang="ja-JP" altLang="en-US"/>
+            <a:endParaRPr kumimoji="1" lang="ja-JP" altLang="en-US" dirty="0"/>
           </a:p>
         </p:txBody>
       </p:sp>
@@ -4694,7 +4694,7 @@
           <a:lstStyle/>
           <a:p>
             <a:pPr algn="ctr"/>
-            <a:endParaRPr kumimoji="1" lang="ja-JP" altLang="en-US"/>
+            <a:endParaRPr kumimoji="1" lang="ja-JP" altLang="en-US" dirty="0"/>
           </a:p>
         </p:txBody>
       </p:sp>
@@ -4746,7 +4746,7 @@
           <a:lstStyle/>
           <a:p>
             <a:pPr algn="ctr"/>
-            <a:endParaRPr kumimoji="1" lang="ja-JP" altLang="en-US"/>
+            <a:endParaRPr kumimoji="1" lang="ja-JP" altLang="en-US" dirty="0"/>
           </a:p>
         </p:txBody>
       </p:sp>
@@ -4798,7 +4798,7 @@
           <a:lstStyle/>
           <a:p>
             <a:pPr algn="ctr"/>
-            <a:endParaRPr kumimoji="1" lang="ja-JP" altLang="en-US"/>
+            <a:endParaRPr kumimoji="1" lang="ja-JP" altLang="en-US" dirty="0"/>
           </a:p>
         </p:txBody>
       </p:sp>
@@ -4910,7 +4910,7 @@
           <a:lstStyle/>
           <a:p>
             <a:pPr algn="ctr"/>
-            <a:endParaRPr kumimoji="1" lang="ja-JP" altLang="en-US"/>
+            <a:endParaRPr kumimoji="1" lang="ja-JP" altLang="en-US" dirty="0"/>
           </a:p>
         </p:txBody>
       </p:sp>
@@ -5052,7 +5052,7 @@
           <a:lstStyle/>
           <a:p>
             <a:pPr algn="ctr"/>
-            <a:endParaRPr kumimoji="1" lang="ja-JP" altLang="en-US"/>
+            <a:endParaRPr kumimoji="1" lang="ja-JP" altLang="en-US" dirty="0"/>
           </a:p>
         </p:txBody>
       </p:sp>
@@ -5104,7 +5104,7 @@
           <a:lstStyle/>
           <a:p>
             <a:pPr algn="ctr"/>
-            <a:endParaRPr kumimoji="1" lang="ja-JP" altLang="en-US"/>
+            <a:endParaRPr kumimoji="1" lang="ja-JP" altLang="en-US" dirty="0"/>
           </a:p>
         </p:txBody>
       </p:sp>
@@ -5156,7 +5156,7 @@
           <a:lstStyle/>
           <a:p>
             <a:pPr algn="ctr"/>
-            <a:endParaRPr kumimoji="1" lang="ja-JP" altLang="en-US"/>
+            <a:endParaRPr kumimoji="1" lang="ja-JP" altLang="en-US" dirty="0"/>
           </a:p>
         </p:txBody>
       </p:sp>
@@ -5208,7 +5208,7 @@
           <a:lstStyle/>
           <a:p>
             <a:pPr algn="ctr"/>
-            <a:endParaRPr kumimoji="1" lang="ja-JP" altLang="en-US"/>
+            <a:endParaRPr kumimoji="1" lang="ja-JP" altLang="en-US" dirty="0"/>
           </a:p>
         </p:txBody>
       </p:sp>
@@ -5260,7 +5260,7 @@
           <a:lstStyle/>
           <a:p>
             <a:pPr algn="ctr"/>
-            <a:endParaRPr kumimoji="1" lang="ja-JP" altLang="en-US"/>
+            <a:endParaRPr kumimoji="1" lang="ja-JP" altLang="en-US" dirty="0"/>
           </a:p>
         </p:txBody>
       </p:sp>
@@ -5392,7 +5392,7 @@
             <a:lstStyle/>
             <a:p>
               <a:pPr algn="ctr"/>
-              <a:endParaRPr kumimoji="1" lang="ja-JP" altLang="en-US"/>
+              <a:endParaRPr kumimoji="1" lang="ja-JP" altLang="en-US" dirty="0"/>
             </a:p>
           </p:txBody>
         </p:sp>
@@ -5495,7 +5495,7 @@
             <a:lstStyle/>
             <a:p>
               <a:pPr algn="ctr"/>
-              <a:endParaRPr kumimoji="1" lang="ja-JP" altLang="en-US"/>
+              <a:endParaRPr kumimoji="1" lang="ja-JP" altLang="en-US" dirty="0"/>
             </a:p>
           </p:txBody>
         </p:sp>
@@ -5658,7 +5658,7 @@
             <a:lstStyle/>
             <a:p>
               <a:pPr algn="ctr"/>
-              <a:endParaRPr kumimoji="1" lang="ja-JP" altLang="en-US"/>
+              <a:endParaRPr kumimoji="1" lang="ja-JP" altLang="en-US" dirty="0"/>
             </a:p>
           </p:txBody>
         </p:sp>
@@ -5710,7 +5710,7 @@
             <a:lstStyle/>
             <a:p>
               <a:pPr algn="ctr"/>
-              <a:endParaRPr kumimoji="1" lang="ja-JP" altLang="en-US"/>
+              <a:endParaRPr kumimoji="1" lang="ja-JP" altLang="en-US" dirty="0"/>
             </a:p>
           </p:txBody>
         </p:sp>
@@ -5762,7 +5762,7 @@
             <a:lstStyle/>
             <a:p>
               <a:pPr algn="ctr"/>
-              <a:endParaRPr kumimoji="1" lang="ja-JP" altLang="en-US"/>
+              <a:endParaRPr kumimoji="1" lang="ja-JP" altLang="en-US" dirty="0"/>
             </a:p>
           </p:txBody>
         </p:sp>
@@ -5815,7 +5815,7 @@
           <a:lstStyle/>
           <a:p>
             <a:pPr algn="ctr"/>
-            <a:endParaRPr kumimoji="1" lang="ja-JP" altLang="en-US"/>
+            <a:endParaRPr kumimoji="1" lang="ja-JP" altLang="en-US" dirty="0"/>
           </a:p>
         </p:txBody>
       </p:sp>
@@ -5867,7 +5867,7 @@
           <a:lstStyle/>
           <a:p>
             <a:pPr algn="ctr"/>
-            <a:endParaRPr kumimoji="1" lang="ja-JP" altLang="en-US"/>
+            <a:endParaRPr kumimoji="1" lang="ja-JP" altLang="en-US" dirty="0"/>
           </a:p>
         </p:txBody>
       </p:sp>
@@ -5919,7 +5919,7 @@
           <a:lstStyle/>
           <a:p>
             <a:pPr algn="ctr"/>
-            <a:endParaRPr kumimoji="1" lang="ja-JP" altLang="en-US"/>
+            <a:endParaRPr kumimoji="1" lang="ja-JP" altLang="en-US" dirty="0"/>
           </a:p>
         </p:txBody>
       </p:sp>
@@ -6013,36 +6013,109 @@
           <a:chExt cx="0" cy="0"/>
         </a:xfrm>
       </p:grpSpPr>
-      <p:pic>
-        <p:nvPicPr>
-          <p:cNvPr id="4" name="図 3">
-            <a:extLst>
-              <a:ext uri="{FF2B5EF4-FFF2-40B4-BE49-F238E27FC236}">
-                <a16:creationId xmlns:a16="http://schemas.microsoft.com/office/drawing/2014/main" id="{2C801006-A26D-437A-9071-93098FC345AE}"/>
-              </a:ext>
-            </a:extLst>
-          </p:cNvPr>
-          <p:cNvPicPr>
-            <a:picLocks noChangeAspect="1"/>
-          </p:cNvPicPr>
+      <p:grpSp>
+        <p:nvGrpSpPr>
+          <p:cNvPr id="2" name="グループ化 1">
+            <a:extLst>
+              <a:ext uri="{FF2B5EF4-FFF2-40B4-BE49-F238E27FC236}">
+                <a16:creationId xmlns:a16="http://schemas.microsoft.com/office/drawing/2014/main" id="{6B095086-6A1F-4B46-BA76-99C8F6099003}"/>
+              </a:ext>
+            </a:extLst>
+          </p:cNvPr>
+          <p:cNvGrpSpPr/>
           <p:nvPr/>
-        </p:nvPicPr>
-        <p:blipFill>
-          <a:blip r:embed="rId2"/>
-          <a:stretch>
-            <a:fillRect/>
-          </a:stretch>
-        </p:blipFill>
-        <p:spPr>
+        </p:nvGrpSpPr>
+        <p:grpSpPr>
           <a:xfrm>
             <a:off x="0" y="2339687"/>
             <a:ext cx="12192000" cy="2178626"/>
+            <a:chOff x="0" y="2339687"/>
+            <a:chExt cx="12192000" cy="2178626"/>
           </a:xfrm>
-          <a:prstGeom prst="rect">
-            <a:avLst/>
-          </a:prstGeom>
-        </p:spPr>
-      </p:pic>
+        </p:grpSpPr>
+        <p:pic>
+          <p:nvPicPr>
+            <p:cNvPr id="4" name="図 3">
+              <a:extLst>
+                <a:ext uri="{FF2B5EF4-FFF2-40B4-BE49-F238E27FC236}">
+                  <a16:creationId xmlns:a16="http://schemas.microsoft.com/office/drawing/2014/main" id="{2C801006-A26D-437A-9071-93098FC345AE}"/>
+                </a:ext>
+              </a:extLst>
+            </p:cNvPr>
+            <p:cNvPicPr>
+              <a:picLocks noChangeAspect="1"/>
+            </p:cNvPicPr>
+            <p:nvPr/>
+          </p:nvPicPr>
+          <p:blipFill>
+            <a:blip r:embed="rId2"/>
+            <a:stretch>
+              <a:fillRect/>
+            </a:stretch>
+          </p:blipFill>
+          <p:spPr>
+            <a:xfrm>
+              <a:off x="0" y="2339687"/>
+              <a:ext cx="12192000" cy="2178626"/>
+            </a:xfrm>
+            <a:prstGeom prst="rect">
+              <a:avLst/>
+            </a:prstGeom>
+          </p:spPr>
+        </p:pic>
+        <p:sp>
+          <p:nvSpPr>
+            <p:cNvPr id="3" name="正方形/長方形 2">
+              <a:extLst>
+                <a:ext uri="{FF2B5EF4-FFF2-40B4-BE49-F238E27FC236}">
+                  <a16:creationId xmlns:a16="http://schemas.microsoft.com/office/drawing/2014/main" id="{48CD638F-FEC6-496B-AE92-35CABB1979F0}"/>
+                </a:ext>
+              </a:extLst>
+            </p:cNvPr>
+            <p:cNvSpPr/>
+            <p:nvPr/>
+          </p:nvSpPr>
+          <p:spPr>
+            <a:xfrm>
+              <a:off x="10642821" y="2655735"/>
+              <a:ext cx="1319916" cy="278295"/>
+            </a:xfrm>
+            <a:prstGeom prst="rect">
+              <a:avLst/>
+            </a:prstGeom>
+            <a:noFill/>
+            <a:ln w="38100">
+              <a:solidFill>
+                <a:srgbClr val="FF0000"/>
+              </a:solidFill>
+            </a:ln>
+          </p:spPr>
+          <p:style>
+            <a:lnRef idx="2">
+              <a:schemeClr val="accent1">
+                <a:shade val="50000"/>
+              </a:schemeClr>
+            </a:lnRef>
+            <a:fillRef idx="1">
+              <a:schemeClr val="accent1"/>
+            </a:fillRef>
+            <a:effectRef idx="0">
+              <a:schemeClr val="accent1"/>
+            </a:effectRef>
+            <a:fontRef idx="minor">
+              <a:schemeClr val="lt1"/>
+            </a:fontRef>
+          </p:style>
+          <p:txBody>
+            <a:bodyPr rtlCol="0" anchor="ctr"/>
+            <a:lstStyle/>
+            <a:p>
+              <a:pPr algn="ctr"/>
+              <a:endParaRPr kumimoji="1" lang="ja-JP" altLang="en-US" dirty="0"/>
+            </a:p>
+          </p:txBody>
+        </p:sp>
+      </p:grpSp>
     </p:spTree>
     <p:extLst>
       <p:ext uri="{BB962C8B-B14F-4D97-AF65-F5344CB8AC3E}">
@@ -6073,36 +6146,421 @@
           <a:chExt cx="0" cy="0"/>
         </a:xfrm>
       </p:grpSpPr>
-      <p:pic>
-        <p:nvPicPr>
-          <p:cNvPr id="4" name="図 3">
-            <a:extLst>
-              <a:ext uri="{FF2B5EF4-FFF2-40B4-BE49-F238E27FC236}">
-                <a16:creationId xmlns:a16="http://schemas.microsoft.com/office/drawing/2014/main" id="{644CC47E-B79A-48AB-BE1F-E7C0565758E4}"/>
-              </a:ext>
-            </a:extLst>
-          </p:cNvPr>
-          <p:cNvPicPr>
-            <a:picLocks noChangeAspect="1"/>
-          </p:cNvPicPr>
+      <p:grpSp>
+        <p:nvGrpSpPr>
+          <p:cNvPr id="2" name="グループ化 1">
+            <a:extLst>
+              <a:ext uri="{FF2B5EF4-FFF2-40B4-BE49-F238E27FC236}">
+                <a16:creationId xmlns:a16="http://schemas.microsoft.com/office/drawing/2014/main" id="{C79A4CB8-BBEF-4EE2-950F-489DF568FC37}"/>
+              </a:ext>
+            </a:extLst>
+          </p:cNvPr>
+          <p:cNvGrpSpPr/>
           <p:nvPr/>
-        </p:nvPicPr>
-        <p:blipFill>
-          <a:blip r:embed="rId2"/>
-          <a:stretch>
-            <a:fillRect/>
-          </a:stretch>
-        </p:blipFill>
-        <p:spPr>
+        </p:nvGrpSpPr>
+        <p:grpSpPr>
           <a:xfrm>
             <a:off x="3324112" y="0"/>
             <a:ext cx="5543776" cy="6858000"/>
+            <a:chOff x="3324112" y="0"/>
+            <a:chExt cx="5543776" cy="6858000"/>
           </a:xfrm>
-          <a:prstGeom prst="rect">
-            <a:avLst/>
-          </a:prstGeom>
-        </p:spPr>
-      </p:pic>
+        </p:grpSpPr>
+        <p:pic>
+          <p:nvPicPr>
+            <p:cNvPr id="4" name="図 3">
+              <a:extLst>
+                <a:ext uri="{FF2B5EF4-FFF2-40B4-BE49-F238E27FC236}">
+                  <a16:creationId xmlns:a16="http://schemas.microsoft.com/office/drawing/2014/main" id="{644CC47E-B79A-48AB-BE1F-E7C0565758E4}"/>
+                </a:ext>
+              </a:extLst>
+            </p:cNvPr>
+            <p:cNvPicPr>
+              <a:picLocks noChangeAspect="1"/>
+            </p:cNvPicPr>
+            <p:nvPr/>
+          </p:nvPicPr>
+          <p:blipFill>
+            <a:blip r:embed="rId2"/>
+            <a:stretch>
+              <a:fillRect/>
+            </a:stretch>
+          </p:blipFill>
+          <p:spPr>
+            <a:xfrm>
+              <a:off x="3324112" y="0"/>
+              <a:ext cx="5543776" cy="6858000"/>
+            </a:xfrm>
+            <a:prstGeom prst="rect">
+              <a:avLst/>
+            </a:prstGeom>
+          </p:spPr>
+        </p:pic>
+        <p:sp>
+          <p:nvSpPr>
+            <p:cNvPr id="3" name="正方形/長方形 2">
+              <a:extLst>
+                <a:ext uri="{FF2B5EF4-FFF2-40B4-BE49-F238E27FC236}">
+                  <a16:creationId xmlns:a16="http://schemas.microsoft.com/office/drawing/2014/main" id="{7A5B9B99-8C47-44CA-A7C5-EBF5CE668D7A}"/>
+                </a:ext>
+              </a:extLst>
+            </p:cNvPr>
+            <p:cNvSpPr/>
+            <p:nvPr/>
+          </p:nvSpPr>
+          <p:spPr>
+            <a:xfrm>
+              <a:off x="3605915" y="1061499"/>
+              <a:ext cx="2663687" cy="194808"/>
+            </a:xfrm>
+            <a:prstGeom prst="rect">
+              <a:avLst/>
+            </a:prstGeom>
+            <a:noFill/>
+            <a:ln w="38100">
+              <a:solidFill>
+                <a:srgbClr val="FF0000"/>
+              </a:solidFill>
+            </a:ln>
+          </p:spPr>
+          <p:style>
+            <a:lnRef idx="2">
+              <a:schemeClr val="accent1">
+                <a:shade val="50000"/>
+              </a:schemeClr>
+            </a:lnRef>
+            <a:fillRef idx="1">
+              <a:schemeClr val="accent1"/>
+            </a:fillRef>
+            <a:effectRef idx="0">
+              <a:schemeClr val="accent1"/>
+            </a:effectRef>
+            <a:fontRef idx="minor">
+              <a:schemeClr val="lt1"/>
+            </a:fontRef>
+          </p:style>
+          <p:txBody>
+            <a:bodyPr rtlCol="0" anchor="ctr"/>
+            <a:lstStyle/>
+            <a:p>
+              <a:pPr algn="ctr"/>
+              <a:endParaRPr kumimoji="1" lang="ja-JP" altLang="en-US" dirty="0"/>
+            </a:p>
+          </p:txBody>
+        </p:sp>
+        <p:sp>
+          <p:nvSpPr>
+            <p:cNvPr id="5" name="正方形/長方形 4">
+              <a:extLst>
+                <a:ext uri="{FF2B5EF4-FFF2-40B4-BE49-F238E27FC236}">
+                  <a16:creationId xmlns:a16="http://schemas.microsoft.com/office/drawing/2014/main" id="{9290C692-15FE-46D5-AE58-274A0E941FE5}"/>
+                </a:ext>
+              </a:extLst>
+            </p:cNvPr>
+            <p:cNvSpPr/>
+            <p:nvPr/>
+          </p:nvSpPr>
+          <p:spPr>
+            <a:xfrm>
+              <a:off x="3559533" y="2438399"/>
+              <a:ext cx="2536468" cy="591048"/>
+            </a:xfrm>
+            <a:prstGeom prst="rect">
+              <a:avLst/>
+            </a:prstGeom>
+            <a:noFill/>
+            <a:ln w="38100">
+              <a:solidFill>
+                <a:srgbClr val="FF0000"/>
+              </a:solidFill>
+            </a:ln>
+          </p:spPr>
+          <p:style>
+            <a:lnRef idx="2">
+              <a:schemeClr val="accent1">
+                <a:shade val="50000"/>
+              </a:schemeClr>
+            </a:lnRef>
+            <a:fillRef idx="1">
+              <a:schemeClr val="accent1"/>
+            </a:fillRef>
+            <a:effectRef idx="0">
+              <a:schemeClr val="accent1"/>
+            </a:effectRef>
+            <a:fontRef idx="minor">
+              <a:schemeClr val="lt1"/>
+            </a:fontRef>
+          </p:style>
+          <p:txBody>
+            <a:bodyPr rtlCol="0" anchor="ctr"/>
+            <a:lstStyle/>
+            <a:p>
+              <a:pPr algn="ctr"/>
+              <a:endParaRPr kumimoji="1" lang="ja-JP" altLang="en-US" dirty="0"/>
+            </a:p>
+          </p:txBody>
+        </p:sp>
+        <p:sp>
+          <p:nvSpPr>
+            <p:cNvPr id="6" name="正方形/長方形 5">
+              <a:extLst>
+                <a:ext uri="{FF2B5EF4-FFF2-40B4-BE49-F238E27FC236}">
+                  <a16:creationId xmlns:a16="http://schemas.microsoft.com/office/drawing/2014/main" id="{C2FD21A2-C468-46D0-83E1-B340880EE34F}"/>
+                </a:ext>
+              </a:extLst>
+            </p:cNvPr>
+            <p:cNvSpPr/>
+            <p:nvPr/>
+          </p:nvSpPr>
+          <p:spPr>
+            <a:xfrm>
+              <a:off x="3703981" y="3694706"/>
+              <a:ext cx="3002943" cy="280946"/>
+            </a:xfrm>
+            <a:prstGeom prst="rect">
+              <a:avLst/>
+            </a:prstGeom>
+            <a:noFill/>
+            <a:ln w="38100">
+              <a:solidFill>
+                <a:srgbClr val="FF0000"/>
+              </a:solidFill>
+            </a:ln>
+          </p:spPr>
+          <p:style>
+            <a:lnRef idx="2">
+              <a:schemeClr val="accent1">
+                <a:shade val="50000"/>
+              </a:schemeClr>
+            </a:lnRef>
+            <a:fillRef idx="1">
+              <a:schemeClr val="accent1"/>
+            </a:fillRef>
+            <a:effectRef idx="0">
+              <a:schemeClr val="accent1"/>
+            </a:effectRef>
+            <a:fontRef idx="minor">
+              <a:schemeClr val="lt1"/>
+            </a:fontRef>
+          </p:style>
+          <p:txBody>
+            <a:bodyPr rtlCol="0" anchor="ctr"/>
+            <a:lstStyle/>
+            <a:p>
+              <a:pPr algn="ctr"/>
+              <a:endParaRPr kumimoji="1" lang="ja-JP" altLang="en-US" dirty="0"/>
+            </a:p>
+          </p:txBody>
+        </p:sp>
+        <p:sp>
+          <p:nvSpPr>
+            <p:cNvPr id="7" name="正方形/長方形 6">
+              <a:extLst>
+                <a:ext uri="{FF2B5EF4-FFF2-40B4-BE49-F238E27FC236}">
+                  <a16:creationId xmlns:a16="http://schemas.microsoft.com/office/drawing/2014/main" id="{A64F3919-B07B-4727-8242-B225DD49DE91}"/>
+                </a:ext>
+              </a:extLst>
+            </p:cNvPr>
+            <p:cNvSpPr/>
+            <p:nvPr/>
+          </p:nvSpPr>
+          <p:spPr>
+            <a:xfrm>
+              <a:off x="3653624" y="4272501"/>
+              <a:ext cx="1427260" cy="188181"/>
+            </a:xfrm>
+            <a:prstGeom prst="rect">
+              <a:avLst/>
+            </a:prstGeom>
+            <a:noFill/>
+            <a:ln w="38100">
+              <a:solidFill>
+                <a:srgbClr val="FF0000"/>
+              </a:solidFill>
+            </a:ln>
+          </p:spPr>
+          <p:style>
+            <a:lnRef idx="2">
+              <a:schemeClr val="accent1">
+                <a:shade val="50000"/>
+              </a:schemeClr>
+            </a:lnRef>
+            <a:fillRef idx="1">
+              <a:schemeClr val="accent1"/>
+            </a:fillRef>
+            <a:effectRef idx="0">
+              <a:schemeClr val="accent1"/>
+            </a:effectRef>
+            <a:fontRef idx="minor">
+              <a:schemeClr val="lt1"/>
+            </a:fontRef>
+          </p:style>
+          <p:txBody>
+            <a:bodyPr rtlCol="0" anchor="ctr"/>
+            <a:lstStyle/>
+            <a:p>
+              <a:pPr algn="ctr"/>
+              <a:endParaRPr kumimoji="1" lang="ja-JP" altLang="en-US" dirty="0"/>
+            </a:p>
+          </p:txBody>
+        </p:sp>
+        <p:sp>
+          <p:nvSpPr>
+            <p:cNvPr id="8" name="正方形/長方形 7">
+              <a:extLst>
+                <a:ext uri="{FF2B5EF4-FFF2-40B4-BE49-F238E27FC236}">
+                  <a16:creationId xmlns:a16="http://schemas.microsoft.com/office/drawing/2014/main" id="{93237711-2BA3-4EA3-832E-E5BE85F95D3F}"/>
+                </a:ext>
+              </a:extLst>
+            </p:cNvPr>
+            <p:cNvSpPr/>
+            <p:nvPr/>
+          </p:nvSpPr>
+          <p:spPr>
+            <a:xfrm>
+              <a:off x="3703980" y="4905291"/>
+              <a:ext cx="3726513" cy="280946"/>
+            </a:xfrm>
+            <a:prstGeom prst="rect">
+              <a:avLst/>
+            </a:prstGeom>
+            <a:noFill/>
+            <a:ln w="38100">
+              <a:solidFill>
+                <a:srgbClr val="FF0000"/>
+              </a:solidFill>
+            </a:ln>
+          </p:spPr>
+          <p:style>
+            <a:lnRef idx="2">
+              <a:schemeClr val="accent1">
+                <a:shade val="50000"/>
+              </a:schemeClr>
+            </a:lnRef>
+            <a:fillRef idx="1">
+              <a:schemeClr val="accent1"/>
+            </a:fillRef>
+            <a:effectRef idx="0">
+              <a:schemeClr val="accent1"/>
+            </a:effectRef>
+            <a:fontRef idx="minor">
+              <a:schemeClr val="lt1"/>
+            </a:fontRef>
+          </p:style>
+          <p:txBody>
+            <a:bodyPr rtlCol="0" anchor="ctr"/>
+            <a:lstStyle/>
+            <a:p>
+              <a:pPr algn="ctr"/>
+              <a:endParaRPr kumimoji="1" lang="ja-JP" altLang="en-US" dirty="0"/>
+            </a:p>
+          </p:txBody>
+        </p:sp>
+        <p:sp>
+          <p:nvSpPr>
+            <p:cNvPr id="9" name="正方形/長方形 8">
+              <a:extLst>
+                <a:ext uri="{FF2B5EF4-FFF2-40B4-BE49-F238E27FC236}">
+                  <a16:creationId xmlns:a16="http://schemas.microsoft.com/office/drawing/2014/main" id="{FABF0C05-B7A8-480C-84C1-975542FCD26B}"/>
+                </a:ext>
+              </a:extLst>
+            </p:cNvPr>
+            <p:cNvSpPr/>
+            <p:nvPr/>
+          </p:nvSpPr>
+          <p:spPr>
+            <a:xfrm>
+              <a:off x="3703979" y="5656028"/>
+              <a:ext cx="3726513" cy="188181"/>
+            </a:xfrm>
+            <a:prstGeom prst="rect">
+              <a:avLst/>
+            </a:prstGeom>
+            <a:noFill/>
+            <a:ln w="38100">
+              <a:solidFill>
+                <a:srgbClr val="FF0000"/>
+              </a:solidFill>
+            </a:ln>
+          </p:spPr>
+          <p:style>
+            <a:lnRef idx="2">
+              <a:schemeClr val="accent1">
+                <a:shade val="50000"/>
+              </a:schemeClr>
+            </a:lnRef>
+            <a:fillRef idx="1">
+              <a:schemeClr val="accent1"/>
+            </a:fillRef>
+            <a:effectRef idx="0">
+              <a:schemeClr val="accent1"/>
+            </a:effectRef>
+            <a:fontRef idx="minor">
+              <a:schemeClr val="lt1"/>
+            </a:fontRef>
+          </p:style>
+          <p:txBody>
+            <a:bodyPr rtlCol="0" anchor="ctr"/>
+            <a:lstStyle/>
+            <a:p>
+              <a:pPr algn="ctr"/>
+              <a:endParaRPr kumimoji="1" lang="ja-JP" altLang="en-US" dirty="0"/>
+            </a:p>
+          </p:txBody>
+        </p:sp>
+        <p:sp>
+          <p:nvSpPr>
+            <p:cNvPr id="10" name="正方形/長方形 9">
+              <a:extLst>
+                <a:ext uri="{FF2B5EF4-FFF2-40B4-BE49-F238E27FC236}">
+                  <a16:creationId xmlns:a16="http://schemas.microsoft.com/office/drawing/2014/main" id="{A841848B-E270-4392-A8A3-A855CA957062}"/>
+                </a:ext>
+              </a:extLst>
+            </p:cNvPr>
+            <p:cNvSpPr/>
+            <p:nvPr/>
+          </p:nvSpPr>
+          <p:spPr>
+            <a:xfrm>
+              <a:off x="3559533" y="6113226"/>
+              <a:ext cx="1374251" cy="188181"/>
+            </a:xfrm>
+            <a:prstGeom prst="rect">
+              <a:avLst/>
+            </a:prstGeom>
+            <a:noFill/>
+            <a:ln w="38100">
+              <a:solidFill>
+                <a:srgbClr val="FF0000"/>
+              </a:solidFill>
+            </a:ln>
+          </p:spPr>
+          <p:style>
+            <a:lnRef idx="2">
+              <a:schemeClr val="accent1">
+                <a:shade val="50000"/>
+              </a:schemeClr>
+            </a:lnRef>
+            <a:fillRef idx="1">
+              <a:schemeClr val="accent1"/>
+            </a:fillRef>
+            <a:effectRef idx="0">
+              <a:schemeClr val="accent1"/>
+            </a:effectRef>
+            <a:fontRef idx="minor">
+              <a:schemeClr val="lt1"/>
+            </a:fontRef>
+          </p:style>
+          <p:txBody>
+            <a:bodyPr rtlCol="0" anchor="ctr"/>
+            <a:lstStyle/>
+            <a:p>
+              <a:pPr algn="ctr"/>
+              <a:endParaRPr kumimoji="1" lang="ja-JP" altLang="en-US" dirty="0"/>
+            </a:p>
+          </p:txBody>
+        </p:sp>
+      </p:grpSp>
     </p:spTree>
     <p:extLst>
       <p:ext uri="{BB962C8B-B14F-4D97-AF65-F5344CB8AC3E}">
@@ -6133,66 +6591,264 @@
           <a:chExt cx="0" cy="0"/>
         </a:xfrm>
       </p:grpSpPr>
-      <p:pic>
-        <p:nvPicPr>
-          <p:cNvPr id="4" name="図 3">
-            <a:extLst>
-              <a:ext uri="{FF2B5EF4-FFF2-40B4-BE49-F238E27FC236}">
-                <a16:creationId xmlns:a16="http://schemas.microsoft.com/office/drawing/2014/main" id="{497E6AB7-E682-4515-8522-C0007CE2355B}"/>
-              </a:ext>
-            </a:extLst>
-          </p:cNvPr>
-          <p:cNvPicPr>
-            <a:picLocks noChangeAspect="1"/>
-          </p:cNvPicPr>
+      <p:grpSp>
+        <p:nvGrpSpPr>
+          <p:cNvPr id="2" name="グループ化 1">
+            <a:extLst>
+              <a:ext uri="{FF2B5EF4-FFF2-40B4-BE49-F238E27FC236}">
+                <a16:creationId xmlns:a16="http://schemas.microsoft.com/office/drawing/2014/main" id="{70B5D92B-0235-4EDC-AA37-C4C2C7ACCEC7}"/>
+              </a:ext>
+            </a:extLst>
+          </p:cNvPr>
+          <p:cNvGrpSpPr/>
           <p:nvPr/>
-        </p:nvPicPr>
-        <p:blipFill>
-          <a:blip r:embed="rId2"/>
-          <a:stretch>
-            <a:fillRect/>
-          </a:stretch>
-        </p:blipFill>
-        <p:spPr>
+        </p:nvGrpSpPr>
+        <p:grpSpPr>
           <a:xfrm>
             <a:off x="398794" y="0"/>
             <a:ext cx="5128783" cy="6858000"/>
+            <a:chOff x="398794" y="0"/>
+            <a:chExt cx="5128783" cy="6858000"/>
           </a:xfrm>
-          <a:prstGeom prst="rect">
-            <a:avLst/>
-          </a:prstGeom>
-        </p:spPr>
-      </p:pic>
-      <p:pic>
-        <p:nvPicPr>
-          <p:cNvPr id="5" name="図 4">
-            <a:extLst>
-              <a:ext uri="{FF2B5EF4-FFF2-40B4-BE49-F238E27FC236}">
-                <a16:creationId xmlns:a16="http://schemas.microsoft.com/office/drawing/2014/main" id="{005C5993-B335-40B6-B917-74BD2A158FC6}"/>
-              </a:ext>
-            </a:extLst>
-          </p:cNvPr>
-          <p:cNvPicPr>
-            <a:picLocks noChangeAspect="1"/>
-          </p:cNvPicPr>
+        </p:grpSpPr>
+        <p:pic>
+          <p:nvPicPr>
+            <p:cNvPr id="4" name="図 3">
+              <a:extLst>
+                <a:ext uri="{FF2B5EF4-FFF2-40B4-BE49-F238E27FC236}">
+                  <a16:creationId xmlns:a16="http://schemas.microsoft.com/office/drawing/2014/main" id="{497E6AB7-E682-4515-8522-C0007CE2355B}"/>
+                </a:ext>
+              </a:extLst>
+            </p:cNvPr>
+            <p:cNvPicPr>
+              <a:picLocks noChangeAspect="1"/>
+            </p:cNvPicPr>
+            <p:nvPr/>
+          </p:nvPicPr>
+          <p:blipFill>
+            <a:blip r:embed="rId2"/>
+            <a:stretch>
+              <a:fillRect/>
+            </a:stretch>
+          </p:blipFill>
+          <p:spPr>
+            <a:xfrm>
+              <a:off x="398794" y="0"/>
+              <a:ext cx="5128783" cy="6858000"/>
+            </a:xfrm>
+            <a:prstGeom prst="rect">
+              <a:avLst/>
+            </a:prstGeom>
+          </p:spPr>
+        </p:pic>
+        <p:sp>
+          <p:nvSpPr>
+            <p:cNvPr id="6" name="正方形/長方形 5">
+              <a:extLst>
+                <a:ext uri="{FF2B5EF4-FFF2-40B4-BE49-F238E27FC236}">
+                  <a16:creationId xmlns:a16="http://schemas.microsoft.com/office/drawing/2014/main" id="{D5DE0E2B-5B9B-4A13-B3A8-1D29BE595EB4}"/>
+                </a:ext>
+              </a:extLst>
+            </p:cNvPr>
+            <p:cNvSpPr/>
+            <p:nvPr/>
+          </p:nvSpPr>
+          <p:spPr>
+            <a:xfrm>
+              <a:off x="500931" y="637925"/>
+              <a:ext cx="3681455" cy="194808"/>
+            </a:xfrm>
+            <a:prstGeom prst="rect">
+              <a:avLst/>
+            </a:prstGeom>
+            <a:noFill/>
+            <a:ln w="38100">
+              <a:solidFill>
+                <a:srgbClr val="FF0000"/>
+              </a:solidFill>
+            </a:ln>
+          </p:spPr>
+          <p:style>
+            <a:lnRef idx="2">
+              <a:schemeClr val="accent1">
+                <a:shade val="50000"/>
+              </a:schemeClr>
+            </a:lnRef>
+            <a:fillRef idx="1">
+              <a:schemeClr val="accent1"/>
+            </a:fillRef>
+            <a:effectRef idx="0">
+              <a:schemeClr val="accent1"/>
+            </a:effectRef>
+            <a:fontRef idx="minor">
+              <a:schemeClr val="lt1"/>
+            </a:fontRef>
+          </p:style>
+          <p:txBody>
+            <a:bodyPr rtlCol="0" anchor="ctr"/>
+            <a:lstStyle/>
+            <a:p>
+              <a:pPr algn="ctr"/>
+              <a:endParaRPr kumimoji="1" lang="ja-JP" altLang="en-US" dirty="0"/>
+            </a:p>
+          </p:txBody>
+        </p:sp>
+        <p:sp>
+          <p:nvSpPr>
+            <p:cNvPr id="7" name="正方形/長方形 6">
+              <a:extLst>
+                <a:ext uri="{FF2B5EF4-FFF2-40B4-BE49-F238E27FC236}">
+                  <a16:creationId xmlns:a16="http://schemas.microsoft.com/office/drawing/2014/main" id="{B4909A73-9C5A-4AAB-9193-2B8D51B51232}"/>
+                </a:ext>
+              </a:extLst>
+            </p:cNvPr>
+            <p:cNvSpPr/>
+            <p:nvPr/>
+          </p:nvSpPr>
+          <p:spPr>
+            <a:xfrm>
+              <a:off x="530086" y="3171739"/>
+              <a:ext cx="2384067" cy="1817703"/>
+            </a:xfrm>
+            <a:prstGeom prst="rect">
+              <a:avLst/>
+            </a:prstGeom>
+            <a:noFill/>
+            <a:ln w="38100">
+              <a:solidFill>
+                <a:srgbClr val="FF0000"/>
+              </a:solidFill>
+            </a:ln>
+          </p:spPr>
+          <p:style>
+            <a:lnRef idx="2">
+              <a:schemeClr val="accent1">
+                <a:shade val="50000"/>
+              </a:schemeClr>
+            </a:lnRef>
+            <a:fillRef idx="1">
+              <a:schemeClr val="accent1"/>
+            </a:fillRef>
+            <a:effectRef idx="0">
+              <a:schemeClr val="accent1"/>
+            </a:effectRef>
+            <a:fontRef idx="minor">
+              <a:schemeClr val="lt1"/>
+            </a:fontRef>
+          </p:style>
+          <p:txBody>
+            <a:bodyPr rtlCol="0" anchor="ctr"/>
+            <a:lstStyle/>
+            <a:p>
+              <a:pPr algn="ctr"/>
+              <a:endParaRPr kumimoji="1" lang="ja-JP" altLang="en-US" dirty="0"/>
+            </a:p>
+          </p:txBody>
+        </p:sp>
+      </p:grpSp>
+      <p:grpSp>
+        <p:nvGrpSpPr>
+          <p:cNvPr id="3" name="グループ化 2">
+            <a:extLst>
+              <a:ext uri="{FF2B5EF4-FFF2-40B4-BE49-F238E27FC236}">
+                <a16:creationId xmlns:a16="http://schemas.microsoft.com/office/drawing/2014/main" id="{5B3001BD-FD24-4979-8231-AD5356EBB161}"/>
+              </a:ext>
+            </a:extLst>
+          </p:cNvPr>
+          <p:cNvGrpSpPr/>
           <p:nvPr/>
-        </p:nvPicPr>
-        <p:blipFill>
-          <a:blip r:embed="rId3"/>
-          <a:stretch>
-            <a:fillRect/>
-          </a:stretch>
-        </p:blipFill>
-        <p:spPr>
+        </p:nvGrpSpPr>
+        <p:grpSpPr>
           <a:xfrm>
             <a:off x="6227100" y="637925"/>
             <a:ext cx="5128783" cy="1495293"/>
+            <a:chOff x="6227100" y="637925"/>
+            <a:chExt cx="5128783" cy="1495293"/>
           </a:xfrm>
-          <a:prstGeom prst="rect">
-            <a:avLst/>
-          </a:prstGeom>
-        </p:spPr>
-      </p:pic>
+        </p:grpSpPr>
+        <p:pic>
+          <p:nvPicPr>
+            <p:cNvPr id="5" name="図 4">
+              <a:extLst>
+                <a:ext uri="{FF2B5EF4-FFF2-40B4-BE49-F238E27FC236}">
+                  <a16:creationId xmlns:a16="http://schemas.microsoft.com/office/drawing/2014/main" id="{005C5993-B335-40B6-B917-74BD2A158FC6}"/>
+                </a:ext>
+              </a:extLst>
+            </p:cNvPr>
+            <p:cNvPicPr>
+              <a:picLocks noChangeAspect="1"/>
+            </p:cNvPicPr>
+            <p:nvPr/>
+          </p:nvPicPr>
+          <p:blipFill>
+            <a:blip r:embed="rId3"/>
+            <a:stretch>
+              <a:fillRect/>
+            </a:stretch>
+          </p:blipFill>
+          <p:spPr>
+            <a:xfrm>
+              <a:off x="6227100" y="637925"/>
+              <a:ext cx="5128783" cy="1495293"/>
+            </a:xfrm>
+            <a:prstGeom prst="rect">
+              <a:avLst/>
+            </a:prstGeom>
+          </p:spPr>
+        </p:pic>
+        <p:sp>
+          <p:nvSpPr>
+            <p:cNvPr id="8" name="正方形/長方形 7">
+              <a:extLst>
+                <a:ext uri="{FF2B5EF4-FFF2-40B4-BE49-F238E27FC236}">
+                  <a16:creationId xmlns:a16="http://schemas.microsoft.com/office/drawing/2014/main" id="{3473F4A6-E024-4AB9-AD1D-82B552B37C63}"/>
+                </a:ext>
+              </a:extLst>
+            </p:cNvPr>
+            <p:cNvSpPr/>
+            <p:nvPr/>
+          </p:nvSpPr>
+          <p:spPr>
+            <a:xfrm>
+              <a:off x="10841452" y="1919027"/>
+              <a:ext cx="465548" cy="214191"/>
+            </a:xfrm>
+            <a:prstGeom prst="rect">
+              <a:avLst/>
+            </a:prstGeom>
+            <a:noFill/>
+            <a:ln w="38100">
+              <a:solidFill>
+                <a:srgbClr val="FF0000"/>
+              </a:solidFill>
+            </a:ln>
+          </p:spPr>
+          <p:style>
+            <a:lnRef idx="2">
+              <a:schemeClr val="accent1">
+                <a:shade val="50000"/>
+              </a:schemeClr>
+            </a:lnRef>
+            <a:fillRef idx="1">
+              <a:schemeClr val="accent1"/>
+            </a:fillRef>
+            <a:effectRef idx="0">
+              <a:schemeClr val="accent1"/>
+            </a:effectRef>
+            <a:fontRef idx="minor">
+              <a:schemeClr val="lt1"/>
+            </a:fontRef>
+          </p:style>
+          <p:txBody>
+            <a:bodyPr rtlCol="0" anchor="ctr"/>
+            <a:lstStyle/>
+            <a:p>
+              <a:pPr algn="ctr"/>
+              <a:endParaRPr kumimoji="1" lang="ja-JP" altLang="en-US" dirty="0"/>
+            </a:p>
+          </p:txBody>
+        </p:sp>
+      </p:grpSp>
     </p:spTree>
     <p:extLst>
       <p:ext uri="{BB962C8B-B14F-4D97-AF65-F5344CB8AC3E}">
@@ -6301,7 +6957,7 @@
           <a:lstStyle/>
           <a:p>
             <a:pPr algn="ctr"/>
-            <a:endParaRPr kumimoji="1" lang="ja-JP" altLang="en-US"/>
+            <a:endParaRPr kumimoji="1" lang="ja-JP" altLang="en-US" dirty="0"/>
           </a:p>
         </p:txBody>
       </p:sp>

--- a/images_for_ipynb/image_resource.pptx
+++ b/images_for_ipynb/image_resource.pptx
@@ -19,6 +19,11 @@
     <p:sldId id="259" r:id="rId13"/>
     <p:sldId id="260" r:id="rId14"/>
     <p:sldId id="261" r:id="rId15"/>
+    <p:sldId id="270" r:id="rId16"/>
+    <p:sldId id="271" r:id="rId17"/>
+    <p:sldId id="272" r:id="rId18"/>
+    <p:sldId id="273" r:id="rId19"/>
+    <p:sldId id="274" r:id="rId20"/>
   </p:sldIdLst>
   <p:sldSz cx="12192000" cy="6858000"/>
   <p:notesSz cx="6858000" cy="9144000"/>
@@ -272,7 +277,7 @@
           <a:p>
             <a:fld id="{C58386F1-37CF-4CAC-89F9-22A5833C6FCA}" type="datetimeFigureOut">
               <a:rPr kumimoji="1" lang="ja-JP" altLang="en-US" smtClean="0"/>
-              <a:t>2021/11/19</a:t>
+              <a:t>2021/11/26</a:t>
             </a:fld>
             <a:endParaRPr kumimoji="1" lang="ja-JP" altLang="en-US" dirty="0"/>
           </a:p>
@@ -502,7 +507,7 @@
           <a:p>
             <a:fld id="{C58386F1-37CF-4CAC-89F9-22A5833C6FCA}" type="datetimeFigureOut">
               <a:rPr kumimoji="1" lang="ja-JP" altLang="en-US" smtClean="0"/>
-              <a:t>2021/11/19</a:t>
+              <a:t>2021/11/26</a:t>
             </a:fld>
             <a:endParaRPr kumimoji="1" lang="ja-JP" altLang="en-US" dirty="0"/>
           </a:p>
@@ -742,7 +747,7 @@
           <a:p>
             <a:fld id="{C58386F1-37CF-4CAC-89F9-22A5833C6FCA}" type="datetimeFigureOut">
               <a:rPr kumimoji="1" lang="ja-JP" altLang="en-US" smtClean="0"/>
-              <a:t>2021/11/19</a:t>
+              <a:t>2021/11/26</a:t>
             </a:fld>
             <a:endParaRPr kumimoji="1" lang="ja-JP" altLang="en-US" dirty="0"/>
           </a:p>
@@ -972,7 +977,7 @@
           <a:p>
             <a:fld id="{C58386F1-37CF-4CAC-89F9-22A5833C6FCA}" type="datetimeFigureOut">
               <a:rPr kumimoji="1" lang="ja-JP" altLang="en-US" smtClean="0"/>
-              <a:t>2021/11/19</a:t>
+              <a:t>2021/11/26</a:t>
             </a:fld>
             <a:endParaRPr kumimoji="1" lang="ja-JP" altLang="en-US" dirty="0"/>
           </a:p>
@@ -1247,7 +1252,7 @@
           <a:p>
             <a:fld id="{C58386F1-37CF-4CAC-89F9-22A5833C6FCA}" type="datetimeFigureOut">
               <a:rPr kumimoji="1" lang="ja-JP" altLang="en-US" smtClean="0"/>
-              <a:t>2021/11/19</a:t>
+              <a:t>2021/11/26</a:t>
             </a:fld>
             <a:endParaRPr kumimoji="1" lang="ja-JP" altLang="en-US" dirty="0"/>
           </a:p>
@@ -1576,7 +1581,7 @@
           <a:p>
             <a:fld id="{C58386F1-37CF-4CAC-89F9-22A5833C6FCA}" type="datetimeFigureOut">
               <a:rPr kumimoji="1" lang="ja-JP" altLang="en-US" smtClean="0"/>
-              <a:t>2021/11/19</a:t>
+              <a:t>2021/11/26</a:t>
             </a:fld>
             <a:endParaRPr kumimoji="1" lang="ja-JP" altLang="en-US" dirty="0"/>
           </a:p>
@@ -2052,7 +2057,7 @@
           <a:p>
             <a:fld id="{C58386F1-37CF-4CAC-89F9-22A5833C6FCA}" type="datetimeFigureOut">
               <a:rPr kumimoji="1" lang="ja-JP" altLang="en-US" smtClean="0"/>
-              <a:t>2021/11/19</a:t>
+              <a:t>2021/11/26</a:t>
             </a:fld>
             <a:endParaRPr kumimoji="1" lang="ja-JP" altLang="en-US" dirty="0"/>
           </a:p>
@@ -2193,7 +2198,7 @@
           <a:p>
             <a:fld id="{C58386F1-37CF-4CAC-89F9-22A5833C6FCA}" type="datetimeFigureOut">
               <a:rPr kumimoji="1" lang="ja-JP" altLang="en-US" smtClean="0"/>
-              <a:t>2021/11/19</a:t>
+              <a:t>2021/11/26</a:t>
             </a:fld>
             <a:endParaRPr kumimoji="1" lang="ja-JP" altLang="en-US" dirty="0"/>
           </a:p>
@@ -2306,7 +2311,7 @@
           <a:p>
             <a:fld id="{C58386F1-37CF-4CAC-89F9-22A5833C6FCA}" type="datetimeFigureOut">
               <a:rPr kumimoji="1" lang="ja-JP" altLang="en-US" smtClean="0"/>
-              <a:t>2021/11/19</a:t>
+              <a:t>2021/11/26</a:t>
             </a:fld>
             <a:endParaRPr kumimoji="1" lang="ja-JP" altLang="en-US" dirty="0"/>
           </a:p>
@@ -2649,7 +2654,7 @@
           <a:p>
             <a:fld id="{C58386F1-37CF-4CAC-89F9-22A5833C6FCA}" type="datetimeFigureOut">
               <a:rPr kumimoji="1" lang="ja-JP" altLang="en-US" smtClean="0"/>
-              <a:t>2021/11/19</a:t>
+              <a:t>2021/11/26</a:t>
             </a:fld>
             <a:endParaRPr kumimoji="1" lang="ja-JP" altLang="en-US" dirty="0"/>
           </a:p>
@@ -2937,7 +2942,7 @@
           <a:p>
             <a:fld id="{C58386F1-37CF-4CAC-89F9-22A5833C6FCA}" type="datetimeFigureOut">
               <a:rPr kumimoji="1" lang="ja-JP" altLang="en-US" smtClean="0"/>
-              <a:t>2021/11/19</a:t>
+              <a:t>2021/11/26</a:t>
             </a:fld>
             <a:endParaRPr kumimoji="1" lang="ja-JP" altLang="en-US" dirty="0"/>
           </a:p>
@@ -3210,7 +3215,7 @@
           <a:p>
             <a:fld id="{C58386F1-37CF-4CAC-89F9-22A5833C6FCA}" type="datetimeFigureOut">
               <a:rPr kumimoji="1" lang="ja-JP" altLang="en-US" smtClean="0"/>
-              <a:t>2021/11/19</a:t>
+              <a:t>2021/11/26</a:t>
             </a:fld>
             <a:endParaRPr kumimoji="1" lang="ja-JP" altLang="en-US" dirty="0"/>
           </a:p>
@@ -4832,19 +4837,732 @@
           <a:chExt cx="0" cy="0"/>
         </a:xfrm>
       </p:grpSpPr>
+      <p:grpSp>
+        <p:nvGrpSpPr>
+          <p:cNvPr id="2" name="グループ化 1">
+            <a:extLst>
+              <a:ext uri="{FF2B5EF4-FFF2-40B4-BE49-F238E27FC236}">
+                <a16:creationId xmlns:a16="http://schemas.microsoft.com/office/drawing/2014/main" id="{7250EC7F-AAF2-419E-9CC6-41C2D20B8B91}"/>
+              </a:ext>
+            </a:extLst>
+          </p:cNvPr>
+          <p:cNvGrpSpPr/>
+          <p:nvPr/>
+        </p:nvGrpSpPr>
+        <p:grpSpPr>
+          <a:xfrm>
+            <a:off x="1214090" y="0"/>
+            <a:ext cx="9763819" cy="6858000"/>
+            <a:chOff x="1214090" y="0"/>
+            <a:chExt cx="9763819" cy="6858000"/>
+          </a:xfrm>
+        </p:grpSpPr>
+        <p:pic>
+          <p:nvPicPr>
+            <p:cNvPr id="4" name="図 3">
+              <a:extLst>
+                <a:ext uri="{FF2B5EF4-FFF2-40B4-BE49-F238E27FC236}">
+                  <a16:creationId xmlns:a16="http://schemas.microsoft.com/office/drawing/2014/main" id="{D8FC5F19-C452-419F-8B0D-84AE4BBDBD39}"/>
+                </a:ext>
+              </a:extLst>
+            </p:cNvPr>
+            <p:cNvPicPr>
+              <a:picLocks noChangeAspect="1"/>
+            </p:cNvPicPr>
+            <p:nvPr/>
+          </p:nvPicPr>
+          <p:blipFill>
+            <a:blip r:embed="rId2"/>
+            <a:stretch>
+              <a:fillRect/>
+            </a:stretch>
+          </p:blipFill>
+          <p:spPr>
+            <a:xfrm>
+              <a:off x="1214090" y="0"/>
+              <a:ext cx="9763819" cy="6858000"/>
+            </a:xfrm>
+            <a:prstGeom prst="rect">
+              <a:avLst/>
+            </a:prstGeom>
+          </p:spPr>
+        </p:pic>
+        <p:sp>
+          <p:nvSpPr>
+            <p:cNvPr id="5" name="正方形/長方形 4">
+              <a:extLst>
+                <a:ext uri="{FF2B5EF4-FFF2-40B4-BE49-F238E27FC236}">
+                  <a16:creationId xmlns:a16="http://schemas.microsoft.com/office/drawing/2014/main" id="{93B524CE-CF1E-43EB-9342-C5A519466E4C}"/>
+                </a:ext>
+              </a:extLst>
+            </p:cNvPr>
+            <p:cNvSpPr/>
+            <p:nvPr/>
+          </p:nvSpPr>
+          <p:spPr>
+            <a:xfrm>
+              <a:off x="1505443" y="1352385"/>
+              <a:ext cx="518164" cy="190168"/>
+            </a:xfrm>
+            <a:prstGeom prst="rect">
+              <a:avLst/>
+            </a:prstGeom>
+            <a:noFill/>
+            <a:ln w="38100">
+              <a:solidFill>
+                <a:srgbClr val="FF0000"/>
+              </a:solidFill>
+            </a:ln>
+          </p:spPr>
+          <p:style>
+            <a:lnRef idx="2">
+              <a:schemeClr val="accent1">
+                <a:shade val="50000"/>
+              </a:schemeClr>
+            </a:lnRef>
+            <a:fillRef idx="1">
+              <a:schemeClr val="accent1"/>
+            </a:fillRef>
+            <a:effectRef idx="0">
+              <a:schemeClr val="accent1"/>
+            </a:effectRef>
+            <a:fontRef idx="minor">
+              <a:schemeClr val="lt1"/>
+            </a:fontRef>
+          </p:style>
+          <p:txBody>
+            <a:bodyPr rtlCol="0" anchor="ctr"/>
+            <a:lstStyle/>
+            <a:p>
+              <a:pPr algn="ctr"/>
+              <a:endParaRPr kumimoji="1" lang="ja-JP" altLang="en-US" dirty="0"/>
+            </a:p>
+          </p:txBody>
+        </p:sp>
+      </p:grpSp>
+    </p:spTree>
+    <p:extLst>
+      <p:ext uri="{BB962C8B-B14F-4D97-AF65-F5344CB8AC3E}">
+        <p14:creationId xmlns:p14="http://schemas.microsoft.com/office/powerpoint/2010/main" val="2928594247"/>
+      </p:ext>
+    </p:extLst>
+  </p:cSld>
+  <p:clrMapOvr>
+    <a:masterClrMapping/>
+  </p:clrMapOvr>
+</p:sld>
+</file>
+
+<file path=ppt/slides/slide15.xml><?xml version="1.0" encoding="utf-8"?>
+<p:sld xmlns:a="http://schemas.openxmlformats.org/drawingml/2006/main" xmlns:r="http://schemas.openxmlformats.org/officeDocument/2006/relationships" xmlns:p="http://schemas.openxmlformats.org/presentationml/2006/main">
+  <p:cSld>
+    <p:spTree>
+      <p:nvGrpSpPr>
+        <p:cNvPr id="1" name=""/>
+        <p:cNvGrpSpPr/>
+        <p:nvPr/>
+      </p:nvGrpSpPr>
+      <p:grpSpPr>
+        <a:xfrm>
+          <a:off x="0" y="0"/>
+          <a:ext cx="0" cy="0"/>
+          <a:chOff x="0" y="0"/>
+          <a:chExt cx="0" cy="0"/>
+        </a:xfrm>
+      </p:grpSpPr>
+      <p:grpSp>
+        <p:nvGrpSpPr>
+          <p:cNvPr id="8" name="グループ化 7">
+            <a:extLst>
+              <a:ext uri="{FF2B5EF4-FFF2-40B4-BE49-F238E27FC236}">
+                <a16:creationId xmlns:a16="http://schemas.microsoft.com/office/drawing/2014/main" id="{EB4279DE-7A8E-47F6-B96E-C916AA1158D2}"/>
+              </a:ext>
+            </a:extLst>
+          </p:cNvPr>
+          <p:cNvGrpSpPr/>
+          <p:nvPr/>
+        </p:nvGrpSpPr>
+        <p:grpSpPr>
+          <a:xfrm>
+            <a:off x="1871073" y="123363"/>
+            <a:ext cx="8449854" cy="6611273"/>
+            <a:chOff x="1871073" y="123363"/>
+            <a:chExt cx="8449854" cy="6611273"/>
+          </a:xfrm>
+        </p:grpSpPr>
+        <p:pic>
+          <p:nvPicPr>
+            <p:cNvPr id="4" name="図 3">
+              <a:extLst>
+                <a:ext uri="{FF2B5EF4-FFF2-40B4-BE49-F238E27FC236}">
+                  <a16:creationId xmlns:a16="http://schemas.microsoft.com/office/drawing/2014/main" id="{265854B2-FDCC-446B-8595-EDA6F81248C3}"/>
+                </a:ext>
+              </a:extLst>
+            </p:cNvPr>
+            <p:cNvPicPr>
+              <a:picLocks noChangeAspect="1"/>
+            </p:cNvPicPr>
+            <p:nvPr/>
+          </p:nvPicPr>
+          <p:blipFill>
+            <a:blip r:embed="rId2"/>
+            <a:stretch>
+              <a:fillRect/>
+            </a:stretch>
+          </p:blipFill>
+          <p:spPr>
+            <a:xfrm>
+              <a:off x="1871073" y="123363"/>
+              <a:ext cx="8449854" cy="6611273"/>
+            </a:xfrm>
+            <a:prstGeom prst="rect">
+              <a:avLst/>
+            </a:prstGeom>
+          </p:spPr>
+        </p:pic>
+        <p:sp>
+          <p:nvSpPr>
+            <p:cNvPr id="5" name="正方形/長方形 4">
+              <a:extLst>
+                <a:ext uri="{FF2B5EF4-FFF2-40B4-BE49-F238E27FC236}">
+                  <a16:creationId xmlns:a16="http://schemas.microsoft.com/office/drawing/2014/main" id="{F299E0BE-0213-48FB-8108-26B60036C2A5}"/>
+                </a:ext>
+              </a:extLst>
+            </p:cNvPr>
+            <p:cNvSpPr/>
+            <p:nvPr/>
+          </p:nvSpPr>
+          <p:spPr>
+            <a:xfrm>
+              <a:off x="1871073" y="5065644"/>
+              <a:ext cx="454684" cy="758686"/>
+            </a:xfrm>
+            <a:prstGeom prst="rect">
+              <a:avLst/>
+            </a:prstGeom>
+            <a:noFill/>
+            <a:ln w="38100">
+              <a:solidFill>
+                <a:srgbClr val="FF0000"/>
+              </a:solidFill>
+            </a:ln>
+          </p:spPr>
+          <p:style>
+            <a:lnRef idx="2">
+              <a:schemeClr val="accent1">
+                <a:shade val="50000"/>
+              </a:schemeClr>
+            </a:lnRef>
+            <a:fillRef idx="1">
+              <a:schemeClr val="accent1"/>
+            </a:fillRef>
+            <a:effectRef idx="0">
+              <a:schemeClr val="accent1"/>
+            </a:effectRef>
+            <a:fontRef idx="minor">
+              <a:schemeClr val="lt1"/>
+            </a:fontRef>
+          </p:style>
+          <p:txBody>
+            <a:bodyPr rtlCol="0" anchor="ctr"/>
+            <a:lstStyle/>
+            <a:p>
+              <a:pPr algn="ctr"/>
+              <a:endParaRPr kumimoji="1" lang="ja-JP" altLang="en-US" dirty="0"/>
+            </a:p>
+          </p:txBody>
+        </p:sp>
+        <p:sp>
+          <p:nvSpPr>
+            <p:cNvPr id="6" name="正方形/長方形 5">
+              <a:extLst>
+                <a:ext uri="{FF2B5EF4-FFF2-40B4-BE49-F238E27FC236}">
+                  <a16:creationId xmlns:a16="http://schemas.microsoft.com/office/drawing/2014/main" id="{79FD888A-228F-4F7B-9772-1686A7617BE6}"/>
+                </a:ext>
+              </a:extLst>
+            </p:cNvPr>
+            <p:cNvSpPr/>
+            <p:nvPr/>
+          </p:nvSpPr>
+          <p:spPr>
+            <a:xfrm>
+              <a:off x="2480672" y="2335696"/>
+              <a:ext cx="7514117" cy="379674"/>
+            </a:xfrm>
+            <a:prstGeom prst="rect">
+              <a:avLst/>
+            </a:prstGeom>
+            <a:noFill/>
+            <a:ln w="38100">
+              <a:solidFill>
+                <a:srgbClr val="FF0000"/>
+              </a:solidFill>
+            </a:ln>
+          </p:spPr>
+          <p:style>
+            <a:lnRef idx="2">
+              <a:schemeClr val="accent1">
+                <a:shade val="50000"/>
+              </a:schemeClr>
+            </a:lnRef>
+            <a:fillRef idx="1">
+              <a:schemeClr val="accent1"/>
+            </a:fillRef>
+            <a:effectRef idx="0">
+              <a:schemeClr val="accent1"/>
+            </a:effectRef>
+            <a:fontRef idx="minor">
+              <a:schemeClr val="lt1"/>
+            </a:fontRef>
+          </p:style>
+          <p:txBody>
+            <a:bodyPr rtlCol="0" anchor="ctr"/>
+            <a:lstStyle/>
+            <a:p>
+              <a:pPr algn="ctr"/>
+              <a:endParaRPr kumimoji="1" lang="ja-JP" altLang="en-US" dirty="0"/>
+            </a:p>
+          </p:txBody>
+        </p:sp>
+        <p:sp>
+          <p:nvSpPr>
+            <p:cNvPr id="7" name="正方形/長方形 6">
+              <a:extLst>
+                <a:ext uri="{FF2B5EF4-FFF2-40B4-BE49-F238E27FC236}">
+                  <a16:creationId xmlns:a16="http://schemas.microsoft.com/office/drawing/2014/main" id="{62BBCCC8-CB9C-4091-A1E1-1386EB274DE0}"/>
+                </a:ext>
+              </a:extLst>
+            </p:cNvPr>
+            <p:cNvSpPr/>
+            <p:nvPr/>
+          </p:nvSpPr>
+          <p:spPr>
+            <a:xfrm>
+              <a:off x="2414411" y="3700670"/>
+              <a:ext cx="3441725" cy="756036"/>
+            </a:xfrm>
+            <a:prstGeom prst="rect">
+              <a:avLst/>
+            </a:prstGeom>
+            <a:noFill/>
+            <a:ln w="38100">
+              <a:solidFill>
+                <a:srgbClr val="FF0000"/>
+              </a:solidFill>
+            </a:ln>
+          </p:spPr>
+          <p:style>
+            <a:lnRef idx="2">
+              <a:schemeClr val="accent1">
+                <a:shade val="50000"/>
+              </a:schemeClr>
+            </a:lnRef>
+            <a:fillRef idx="1">
+              <a:schemeClr val="accent1"/>
+            </a:fillRef>
+            <a:effectRef idx="0">
+              <a:schemeClr val="accent1"/>
+            </a:effectRef>
+            <a:fontRef idx="minor">
+              <a:schemeClr val="lt1"/>
+            </a:fontRef>
+          </p:style>
+          <p:txBody>
+            <a:bodyPr rtlCol="0" anchor="ctr"/>
+            <a:lstStyle/>
+            <a:p>
+              <a:pPr algn="ctr"/>
+              <a:endParaRPr kumimoji="1" lang="ja-JP" altLang="en-US" dirty="0"/>
+            </a:p>
+          </p:txBody>
+        </p:sp>
+      </p:grpSp>
+    </p:spTree>
+    <p:extLst>
+      <p:ext uri="{BB962C8B-B14F-4D97-AF65-F5344CB8AC3E}">
+        <p14:creationId xmlns:p14="http://schemas.microsoft.com/office/powerpoint/2010/main" val="2180100529"/>
+      </p:ext>
+    </p:extLst>
+  </p:cSld>
+  <p:clrMapOvr>
+    <a:masterClrMapping/>
+  </p:clrMapOvr>
+</p:sld>
+</file>
+
+<file path=ppt/slides/slide16.xml><?xml version="1.0" encoding="utf-8"?>
+<p:sld xmlns:a="http://schemas.openxmlformats.org/drawingml/2006/main" xmlns:r="http://schemas.openxmlformats.org/officeDocument/2006/relationships" xmlns:p="http://schemas.openxmlformats.org/presentationml/2006/main">
+  <p:cSld>
+    <p:spTree>
+      <p:nvGrpSpPr>
+        <p:cNvPr id="1" name=""/>
+        <p:cNvGrpSpPr/>
+        <p:nvPr/>
+      </p:nvGrpSpPr>
+      <p:grpSpPr>
+        <a:xfrm>
+          <a:off x="0" y="0"/>
+          <a:ext cx="0" cy="0"/>
+          <a:chOff x="0" y="0"/>
+          <a:chExt cx="0" cy="0"/>
+        </a:xfrm>
+      </p:grpSpPr>
+      <p:sp>
+        <p:nvSpPr>
+          <p:cNvPr id="2" name="タイトル 1">
+            <a:extLst>
+              <a:ext uri="{FF2B5EF4-FFF2-40B4-BE49-F238E27FC236}">
+                <a16:creationId xmlns:a16="http://schemas.microsoft.com/office/drawing/2014/main" id="{91583C22-D0FF-4307-9742-0F37765EB007}"/>
+              </a:ext>
+            </a:extLst>
+          </p:cNvPr>
+          <p:cNvSpPr>
+            <a:spLocks noGrp="1"/>
+          </p:cNvSpPr>
+          <p:nvPr>
+            <p:ph type="title"/>
+          </p:nvPr>
+        </p:nvSpPr>
+        <p:spPr/>
+        <p:txBody>
+          <a:bodyPr/>
+          <a:lstStyle/>
+          <a:p>
+            <a:endParaRPr kumimoji="1" lang="ja-JP" altLang="en-US"/>
+          </a:p>
+        </p:txBody>
+      </p:sp>
+      <p:sp>
+        <p:nvSpPr>
+          <p:cNvPr id="3" name="コンテンツ プレースホルダー 2">
+            <a:extLst>
+              <a:ext uri="{FF2B5EF4-FFF2-40B4-BE49-F238E27FC236}">
+                <a16:creationId xmlns:a16="http://schemas.microsoft.com/office/drawing/2014/main" id="{133CD207-4CA8-4366-A628-C314D2D7F2B1}"/>
+              </a:ext>
+            </a:extLst>
+          </p:cNvPr>
+          <p:cNvSpPr>
+            <a:spLocks noGrp="1"/>
+          </p:cNvSpPr>
+          <p:nvPr>
+            <p:ph idx="1"/>
+          </p:nvPr>
+        </p:nvSpPr>
+        <p:spPr/>
+        <p:txBody>
+          <a:bodyPr/>
+          <a:lstStyle/>
+          <a:p>
+            <a:endParaRPr kumimoji="1" lang="ja-JP" altLang="en-US"/>
+          </a:p>
+        </p:txBody>
+      </p:sp>
+      <p:grpSp>
+        <p:nvGrpSpPr>
+          <p:cNvPr id="6" name="グループ化 5">
+            <a:extLst>
+              <a:ext uri="{FF2B5EF4-FFF2-40B4-BE49-F238E27FC236}">
+                <a16:creationId xmlns:a16="http://schemas.microsoft.com/office/drawing/2014/main" id="{3BCC83EC-F0E6-403C-A857-368FEB371DD1}"/>
+              </a:ext>
+            </a:extLst>
+          </p:cNvPr>
+          <p:cNvGrpSpPr/>
+          <p:nvPr/>
+        </p:nvGrpSpPr>
+        <p:grpSpPr>
+          <a:xfrm>
+            <a:off x="1214090" y="0"/>
+            <a:ext cx="9763819" cy="6858000"/>
+            <a:chOff x="1214090" y="0"/>
+            <a:chExt cx="9763819" cy="6858000"/>
+          </a:xfrm>
+        </p:grpSpPr>
+        <p:pic>
+          <p:nvPicPr>
+            <p:cNvPr id="4" name="図 3">
+              <a:extLst>
+                <a:ext uri="{FF2B5EF4-FFF2-40B4-BE49-F238E27FC236}">
+                  <a16:creationId xmlns:a16="http://schemas.microsoft.com/office/drawing/2014/main" id="{FA3D7B57-A92D-44F2-81E0-5C62548B4FF6}"/>
+                </a:ext>
+              </a:extLst>
+            </p:cNvPr>
+            <p:cNvPicPr>
+              <a:picLocks noChangeAspect="1"/>
+            </p:cNvPicPr>
+            <p:nvPr/>
+          </p:nvPicPr>
+          <p:blipFill>
+            <a:blip r:embed="rId2"/>
+            <a:stretch>
+              <a:fillRect/>
+            </a:stretch>
+          </p:blipFill>
+          <p:spPr>
+            <a:xfrm>
+              <a:off x="1214090" y="0"/>
+              <a:ext cx="9763819" cy="6858000"/>
+            </a:xfrm>
+            <a:prstGeom prst="rect">
+              <a:avLst/>
+            </a:prstGeom>
+          </p:spPr>
+        </p:pic>
+        <p:sp>
+          <p:nvSpPr>
+            <p:cNvPr id="5" name="正方形/長方形 4">
+              <a:extLst>
+                <a:ext uri="{FF2B5EF4-FFF2-40B4-BE49-F238E27FC236}">
+                  <a16:creationId xmlns:a16="http://schemas.microsoft.com/office/drawing/2014/main" id="{8AB43ACC-7EEC-49E4-9792-C373F55D6FE5}"/>
+                </a:ext>
+              </a:extLst>
+            </p:cNvPr>
+            <p:cNvSpPr/>
+            <p:nvPr/>
+          </p:nvSpPr>
+          <p:spPr>
+            <a:xfrm>
+              <a:off x="1522676" y="6380922"/>
+              <a:ext cx="437322" cy="207037"/>
+            </a:xfrm>
+            <a:prstGeom prst="rect">
+              <a:avLst/>
+            </a:prstGeom>
+            <a:noFill/>
+            <a:ln w="38100">
+              <a:solidFill>
+                <a:srgbClr val="FF0000"/>
+              </a:solidFill>
+            </a:ln>
+          </p:spPr>
+          <p:style>
+            <a:lnRef idx="2">
+              <a:schemeClr val="accent1">
+                <a:shade val="50000"/>
+              </a:schemeClr>
+            </a:lnRef>
+            <a:fillRef idx="1">
+              <a:schemeClr val="accent1"/>
+            </a:fillRef>
+            <a:effectRef idx="0">
+              <a:schemeClr val="accent1"/>
+            </a:effectRef>
+            <a:fontRef idx="minor">
+              <a:schemeClr val="lt1"/>
+            </a:fontRef>
+          </p:style>
+          <p:txBody>
+            <a:bodyPr rtlCol="0" anchor="ctr"/>
+            <a:lstStyle/>
+            <a:p>
+              <a:pPr algn="ctr"/>
+              <a:endParaRPr kumimoji="1" lang="ja-JP" altLang="en-US" dirty="0"/>
+            </a:p>
+          </p:txBody>
+        </p:sp>
+      </p:grpSp>
+    </p:spTree>
+    <p:extLst>
+      <p:ext uri="{BB962C8B-B14F-4D97-AF65-F5344CB8AC3E}">
+        <p14:creationId xmlns:p14="http://schemas.microsoft.com/office/powerpoint/2010/main" val="1855318240"/>
+      </p:ext>
+    </p:extLst>
+  </p:cSld>
+  <p:clrMapOvr>
+    <a:masterClrMapping/>
+  </p:clrMapOvr>
+</p:sld>
+</file>
+
+<file path=ppt/slides/slide17.xml><?xml version="1.0" encoding="utf-8"?>
+<p:sld xmlns:a="http://schemas.openxmlformats.org/drawingml/2006/main" xmlns:r="http://schemas.openxmlformats.org/officeDocument/2006/relationships" xmlns:p="http://schemas.openxmlformats.org/presentationml/2006/main">
+  <p:cSld>
+    <p:spTree>
+      <p:nvGrpSpPr>
+        <p:cNvPr id="1" name=""/>
+        <p:cNvGrpSpPr/>
+        <p:nvPr/>
+      </p:nvGrpSpPr>
+      <p:grpSpPr>
+        <a:xfrm>
+          <a:off x="0" y="0"/>
+          <a:ext cx="0" cy="0"/>
+          <a:chOff x="0" y="0"/>
+          <a:chExt cx="0" cy="0"/>
+        </a:xfrm>
+      </p:grpSpPr>
+      <p:grpSp>
+        <p:nvGrpSpPr>
+          <p:cNvPr id="6" name="グループ化 5">
+            <a:extLst>
+              <a:ext uri="{FF2B5EF4-FFF2-40B4-BE49-F238E27FC236}">
+                <a16:creationId xmlns:a16="http://schemas.microsoft.com/office/drawing/2014/main" id="{FE86AFD8-8410-433D-9EC8-F1982F3DF026}"/>
+              </a:ext>
+            </a:extLst>
+          </p:cNvPr>
+          <p:cNvGrpSpPr/>
+          <p:nvPr/>
+        </p:nvGrpSpPr>
+        <p:grpSpPr>
+          <a:xfrm>
+            <a:off x="2995180" y="2295367"/>
+            <a:ext cx="6201640" cy="2267266"/>
+            <a:chOff x="2995180" y="2295367"/>
+            <a:chExt cx="6201640" cy="2267266"/>
+          </a:xfrm>
+        </p:grpSpPr>
+        <p:pic>
+          <p:nvPicPr>
+            <p:cNvPr id="4" name="図 3">
+              <a:extLst>
+                <a:ext uri="{FF2B5EF4-FFF2-40B4-BE49-F238E27FC236}">
+                  <a16:creationId xmlns:a16="http://schemas.microsoft.com/office/drawing/2014/main" id="{053EA72B-4E5A-4F43-9CF4-C8A68978BA59}"/>
+                </a:ext>
+              </a:extLst>
+            </p:cNvPr>
+            <p:cNvPicPr>
+              <a:picLocks noChangeAspect="1"/>
+            </p:cNvPicPr>
+            <p:nvPr/>
+          </p:nvPicPr>
+          <p:blipFill>
+            <a:blip r:embed="rId2"/>
+            <a:stretch>
+              <a:fillRect/>
+            </a:stretch>
+          </p:blipFill>
+          <p:spPr>
+            <a:xfrm>
+              <a:off x="2995180" y="2295367"/>
+              <a:ext cx="6201640" cy="2267266"/>
+            </a:xfrm>
+            <a:prstGeom prst="rect">
+              <a:avLst/>
+            </a:prstGeom>
+          </p:spPr>
+        </p:pic>
+        <p:sp>
+          <p:nvSpPr>
+            <p:cNvPr id="5" name="正方形/長方形 4">
+              <a:extLst>
+                <a:ext uri="{FF2B5EF4-FFF2-40B4-BE49-F238E27FC236}">
+                  <a16:creationId xmlns:a16="http://schemas.microsoft.com/office/drawing/2014/main" id="{05F6634F-92B3-4274-A3E9-4CE001332BF7}"/>
+                </a:ext>
+              </a:extLst>
+            </p:cNvPr>
+            <p:cNvSpPr/>
+            <p:nvPr/>
+          </p:nvSpPr>
+          <p:spPr>
+            <a:xfrm>
+              <a:off x="7816132" y="3629770"/>
+              <a:ext cx="1125109" cy="644056"/>
+            </a:xfrm>
+            <a:prstGeom prst="rect">
+              <a:avLst/>
+            </a:prstGeom>
+            <a:noFill/>
+            <a:ln w="38100">
+              <a:solidFill>
+                <a:srgbClr val="FF0000"/>
+              </a:solidFill>
+            </a:ln>
+          </p:spPr>
+          <p:style>
+            <a:lnRef idx="2">
+              <a:schemeClr val="accent1">
+                <a:shade val="50000"/>
+              </a:schemeClr>
+            </a:lnRef>
+            <a:fillRef idx="1">
+              <a:schemeClr val="accent1"/>
+            </a:fillRef>
+            <a:effectRef idx="0">
+              <a:schemeClr val="accent1"/>
+            </a:effectRef>
+            <a:fontRef idx="minor">
+              <a:schemeClr val="lt1"/>
+            </a:fontRef>
+          </p:style>
+          <p:txBody>
+            <a:bodyPr rtlCol="0" anchor="ctr"/>
+            <a:lstStyle/>
+            <a:p>
+              <a:pPr algn="ctr"/>
+              <a:endParaRPr kumimoji="1" lang="ja-JP" altLang="en-US" dirty="0"/>
+            </a:p>
+          </p:txBody>
+        </p:sp>
+      </p:grpSp>
+    </p:spTree>
+    <p:extLst>
+      <p:ext uri="{BB962C8B-B14F-4D97-AF65-F5344CB8AC3E}">
+        <p14:creationId xmlns:p14="http://schemas.microsoft.com/office/powerpoint/2010/main" val="4140346779"/>
+      </p:ext>
+    </p:extLst>
+  </p:cSld>
+  <p:clrMapOvr>
+    <a:masterClrMapping/>
+  </p:clrMapOvr>
+</p:sld>
+</file>
+
+<file path=ppt/slides/slide18.xml><?xml version="1.0" encoding="utf-8"?>
+<p:sld xmlns:a="http://schemas.openxmlformats.org/drawingml/2006/main" xmlns:r="http://schemas.openxmlformats.org/officeDocument/2006/relationships" xmlns:p="http://schemas.openxmlformats.org/presentationml/2006/main">
+  <p:cSld>
+    <p:spTree>
+      <p:nvGrpSpPr>
+        <p:cNvPr id="1" name=""/>
+        <p:cNvGrpSpPr/>
+        <p:nvPr/>
+      </p:nvGrpSpPr>
+      <p:grpSpPr>
+        <a:xfrm>
+          <a:off x="0" y="0"/>
+          <a:ext cx="0" cy="0"/>
+          <a:chOff x="0" y="0"/>
+          <a:chExt cx="0" cy="0"/>
+        </a:xfrm>
+      </p:grpSpPr>
+      <p:sp>
+        <p:nvSpPr>
+          <p:cNvPr id="2" name="タイトル 1">
+            <a:extLst>
+              <a:ext uri="{FF2B5EF4-FFF2-40B4-BE49-F238E27FC236}">
+                <a16:creationId xmlns:a16="http://schemas.microsoft.com/office/drawing/2014/main" id="{12DB774D-2D62-4E7F-9E96-52B794C77654}"/>
+              </a:ext>
+            </a:extLst>
+          </p:cNvPr>
+          <p:cNvSpPr>
+            <a:spLocks noGrp="1"/>
+          </p:cNvSpPr>
+          <p:nvPr>
+            <p:ph type="title"/>
+          </p:nvPr>
+        </p:nvSpPr>
+        <p:spPr/>
+        <p:txBody>
+          <a:bodyPr/>
+          <a:lstStyle/>
+          <a:p>
+            <a:endParaRPr kumimoji="1" lang="ja-JP" altLang="en-US"/>
+          </a:p>
+        </p:txBody>
+      </p:sp>
       <p:pic>
         <p:nvPicPr>
-          <p:cNvPr id="4" name="図 3">
-            <a:extLst>
-              <a:ext uri="{FF2B5EF4-FFF2-40B4-BE49-F238E27FC236}">
-                <a16:creationId xmlns:a16="http://schemas.microsoft.com/office/drawing/2014/main" id="{D8FC5F19-C452-419F-8B0D-84AE4BBDBD39}"/>
+          <p:cNvPr id="4" name="コンテンツ プレースホルダー 3">
+            <a:extLst>
+              <a:ext uri="{FF2B5EF4-FFF2-40B4-BE49-F238E27FC236}">
+                <a16:creationId xmlns:a16="http://schemas.microsoft.com/office/drawing/2014/main" id="{3F4C3CAF-4FD6-4D48-9508-6CA55B6ADDA7}"/>
               </a:ext>
             </a:extLst>
           </p:cNvPr>
           <p:cNvPicPr>
-            <a:picLocks noChangeAspect="1"/>
+            <a:picLocks noGrp="1" noChangeAspect="1"/>
           </p:cNvPicPr>
-          <p:nvPr/>
+          <p:nvPr>
+            <p:ph idx="1"/>
+          </p:nvPr>
         </p:nvPicPr>
         <p:blipFill>
           <a:blip r:embed="rId2"/>
@@ -4854,70 +5572,203 @@
         </p:blipFill>
         <p:spPr>
           <a:xfrm>
-            <a:off x="1214090" y="0"/>
-            <a:ext cx="9763819" cy="6858000"/>
+            <a:off x="3728707" y="3191556"/>
+            <a:ext cx="4734586" cy="1619476"/>
           </a:xfrm>
           <a:prstGeom prst="rect">
             <a:avLst/>
           </a:prstGeom>
         </p:spPr>
       </p:pic>
-      <p:sp>
-        <p:nvSpPr>
-          <p:cNvPr id="5" name="正方形/長方形 4">
-            <a:extLst>
-              <a:ext uri="{FF2B5EF4-FFF2-40B4-BE49-F238E27FC236}">
-                <a16:creationId xmlns:a16="http://schemas.microsoft.com/office/drawing/2014/main" id="{93B524CE-CF1E-43EB-9342-C5A519466E4C}"/>
-              </a:ext>
-            </a:extLst>
-          </p:cNvPr>
-          <p:cNvSpPr/>
-          <p:nvPr/>
-        </p:nvSpPr>
-        <p:spPr>
-          <a:xfrm>
-            <a:off x="1505443" y="1352385"/>
-            <a:ext cx="518164" cy="190168"/>
-          </a:xfrm>
-          <a:prstGeom prst="rect">
-            <a:avLst/>
-          </a:prstGeom>
-          <a:noFill/>
-          <a:ln w="38100">
-            <a:solidFill>
-              <a:srgbClr val="FF0000"/>
-            </a:solidFill>
-          </a:ln>
-        </p:spPr>
-        <p:style>
-          <a:lnRef idx="2">
-            <a:schemeClr val="accent1">
-              <a:shade val="50000"/>
-            </a:schemeClr>
-          </a:lnRef>
-          <a:fillRef idx="1">
-            <a:schemeClr val="accent1"/>
-          </a:fillRef>
-          <a:effectRef idx="0">
-            <a:schemeClr val="accent1"/>
-          </a:effectRef>
-          <a:fontRef idx="minor">
-            <a:schemeClr val="lt1"/>
-          </a:fontRef>
-        </p:style>
-        <p:txBody>
-          <a:bodyPr rtlCol="0" anchor="ctr"/>
-          <a:lstStyle/>
-          <a:p>
-            <a:pPr algn="ctr"/>
-            <a:endParaRPr kumimoji="1" lang="ja-JP" altLang="en-US" dirty="0"/>
-          </a:p>
-        </p:txBody>
-      </p:sp>
     </p:spTree>
     <p:extLst>
       <p:ext uri="{BB962C8B-B14F-4D97-AF65-F5344CB8AC3E}">
-        <p14:creationId xmlns:p14="http://schemas.microsoft.com/office/powerpoint/2010/main" val="2928594247"/>
+        <p14:creationId xmlns:p14="http://schemas.microsoft.com/office/powerpoint/2010/main" val="3081116870"/>
+      </p:ext>
+    </p:extLst>
+  </p:cSld>
+  <p:clrMapOvr>
+    <a:masterClrMapping/>
+  </p:clrMapOvr>
+</p:sld>
+</file>
+
+<file path=ppt/slides/slide19.xml><?xml version="1.0" encoding="utf-8"?>
+<p:sld xmlns:a="http://schemas.openxmlformats.org/drawingml/2006/main" xmlns:r="http://schemas.openxmlformats.org/officeDocument/2006/relationships" xmlns:p="http://schemas.openxmlformats.org/presentationml/2006/main">
+  <p:cSld>
+    <p:spTree>
+      <p:nvGrpSpPr>
+        <p:cNvPr id="1" name=""/>
+        <p:cNvGrpSpPr/>
+        <p:nvPr/>
+      </p:nvGrpSpPr>
+      <p:grpSpPr>
+        <a:xfrm>
+          <a:off x="0" y="0"/>
+          <a:ext cx="0" cy="0"/>
+          <a:chOff x="0" y="0"/>
+          <a:chExt cx="0" cy="0"/>
+        </a:xfrm>
+      </p:grpSpPr>
+      <p:grpSp>
+        <p:nvGrpSpPr>
+          <p:cNvPr id="7" name="グループ化 6">
+            <a:extLst>
+              <a:ext uri="{FF2B5EF4-FFF2-40B4-BE49-F238E27FC236}">
+                <a16:creationId xmlns:a16="http://schemas.microsoft.com/office/drawing/2014/main" id="{A6929F43-9E5D-4AEE-A96B-FF22E7B2F566}"/>
+              </a:ext>
+            </a:extLst>
+          </p:cNvPr>
+          <p:cNvGrpSpPr/>
+          <p:nvPr/>
+        </p:nvGrpSpPr>
+        <p:grpSpPr>
+          <a:xfrm>
+            <a:off x="1875836" y="213864"/>
+            <a:ext cx="8440328" cy="6430272"/>
+            <a:chOff x="1875836" y="213864"/>
+            <a:chExt cx="8440328" cy="6430272"/>
+          </a:xfrm>
+        </p:grpSpPr>
+        <p:pic>
+          <p:nvPicPr>
+            <p:cNvPr id="4" name="図 3">
+              <a:extLst>
+                <a:ext uri="{FF2B5EF4-FFF2-40B4-BE49-F238E27FC236}">
+                  <a16:creationId xmlns:a16="http://schemas.microsoft.com/office/drawing/2014/main" id="{5A43FB0C-66EE-4FBB-B30F-466AED3D018A}"/>
+                </a:ext>
+              </a:extLst>
+            </p:cNvPr>
+            <p:cNvPicPr>
+              <a:picLocks noChangeAspect="1"/>
+            </p:cNvPicPr>
+            <p:nvPr/>
+          </p:nvPicPr>
+          <p:blipFill>
+            <a:blip r:embed="rId2"/>
+            <a:stretch>
+              <a:fillRect/>
+            </a:stretch>
+          </p:blipFill>
+          <p:spPr>
+            <a:xfrm>
+              <a:off x="1875836" y="213864"/>
+              <a:ext cx="8440328" cy="6430272"/>
+            </a:xfrm>
+            <a:prstGeom prst="rect">
+              <a:avLst/>
+            </a:prstGeom>
+          </p:spPr>
+        </p:pic>
+        <p:sp>
+          <p:nvSpPr>
+            <p:cNvPr id="5" name="正方形/長方形 4">
+              <a:extLst>
+                <a:ext uri="{FF2B5EF4-FFF2-40B4-BE49-F238E27FC236}">
+                  <a16:creationId xmlns:a16="http://schemas.microsoft.com/office/drawing/2014/main" id="{D6B79053-4B26-450B-B5F2-4A60F8B0228F}"/>
+                </a:ext>
+              </a:extLst>
+            </p:cNvPr>
+            <p:cNvSpPr/>
+            <p:nvPr/>
+          </p:nvSpPr>
+          <p:spPr>
+            <a:xfrm>
+              <a:off x="9835764" y="1602247"/>
+              <a:ext cx="445273" cy="329920"/>
+            </a:xfrm>
+            <a:prstGeom prst="rect">
+              <a:avLst/>
+            </a:prstGeom>
+            <a:noFill/>
+            <a:ln w="38100">
+              <a:solidFill>
+                <a:srgbClr val="FF0000"/>
+              </a:solidFill>
+            </a:ln>
+          </p:spPr>
+          <p:style>
+            <a:lnRef idx="2">
+              <a:schemeClr val="accent1">
+                <a:shade val="50000"/>
+              </a:schemeClr>
+            </a:lnRef>
+            <a:fillRef idx="1">
+              <a:schemeClr val="accent1"/>
+            </a:fillRef>
+            <a:effectRef idx="0">
+              <a:schemeClr val="accent1"/>
+            </a:effectRef>
+            <a:fontRef idx="minor">
+              <a:schemeClr val="lt1"/>
+            </a:fontRef>
+          </p:style>
+          <p:txBody>
+            <a:bodyPr rtlCol="0" anchor="ctr"/>
+            <a:lstStyle/>
+            <a:p>
+              <a:pPr algn="ctr"/>
+              <a:endParaRPr kumimoji="1" lang="ja-JP" altLang="en-US" dirty="0"/>
+            </a:p>
+          </p:txBody>
+        </p:sp>
+        <p:sp>
+          <p:nvSpPr>
+            <p:cNvPr id="6" name="正方形/長方形 5">
+              <a:extLst>
+                <a:ext uri="{FF2B5EF4-FFF2-40B4-BE49-F238E27FC236}">
+                  <a16:creationId xmlns:a16="http://schemas.microsoft.com/office/drawing/2014/main" id="{C3B61AB2-3475-4FB9-9430-95D319DE262C}"/>
+                </a:ext>
+              </a:extLst>
+            </p:cNvPr>
+            <p:cNvSpPr/>
+            <p:nvPr/>
+          </p:nvSpPr>
+          <p:spPr>
+            <a:xfrm>
+              <a:off x="1875836" y="2168115"/>
+              <a:ext cx="445273" cy="718208"/>
+            </a:xfrm>
+            <a:prstGeom prst="rect">
+              <a:avLst/>
+            </a:prstGeom>
+            <a:noFill/>
+            <a:ln w="38100">
+              <a:solidFill>
+                <a:srgbClr val="FF0000"/>
+              </a:solidFill>
+            </a:ln>
+          </p:spPr>
+          <p:style>
+            <a:lnRef idx="2">
+              <a:schemeClr val="accent1">
+                <a:shade val="50000"/>
+              </a:schemeClr>
+            </a:lnRef>
+            <a:fillRef idx="1">
+              <a:schemeClr val="accent1"/>
+            </a:fillRef>
+            <a:effectRef idx="0">
+              <a:schemeClr val="accent1"/>
+            </a:effectRef>
+            <a:fontRef idx="minor">
+              <a:schemeClr val="lt1"/>
+            </a:fontRef>
+          </p:style>
+          <p:txBody>
+            <a:bodyPr rtlCol="0" anchor="ctr"/>
+            <a:lstStyle/>
+            <a:p>
+              <a:pPr algn="ctr"/>
+              <a:endParaRPr kumimoji="1" lang="ja-JP" altLang="en-US" dirty="0"/>
+            </a:p>
+          </p:txBody>
+        </p:sp>
+      </p:grpSp>
+    </p:spTree>
+    <p:extLst>
+      <p:ext uri="{BB962C8B-B14F-4D97-AF65-F5344CB8AC3E}">
+        <p14:creationId xmlns:p14="http://schemas.microsoft.com/office/powerpoint/2010/main" val="1606031727"/>
       </p:ext>
     </p:extLst>
   </p:cSld>
